--- a/sass.pptx
+++ b/sass.pptx
@@ -5,10 +5,10 @@
     <p:sldMasterId id="2147483648" r:id="rId1"/>
   </p:sldMasterIdLst>
   <p:notesMasterIdLst>
-    <p:notesMasterId r:id="rId18"/>
+    <p:notesMasterId r:id="rId19"/>
   </p:notesMasterIdLst>
   <p:handoutMasterIdLst>
-    <p:handoutMasterId r:id="rId19"/>
+    <p:handoutMasterId r:id="rId20"/>
   </p:handoutMasterIdLst>
   <p:sldIdLst>
     <p:sldId id="295" r:id="rId2"/>
@@ -27,6 +27,7 @@
     <p:sldId id="325" r:id="rId15"/>
     <p:sldId id="310" r:id="rId16"/>
     <p:sldId id="311" r:id="rId17"/>
+    <p:sldId id="331" r:id="rId18"/>
   </p:sldIdLst>
   <p:sldSz cx="9144000" cy="5143500" type="screen16x9"/>
   <p:notesSz cx="6858000" cy="9144000"/>
@@ -11818,9 +11819,1529 @@
   <p:timing>
     <p:tnLst>
       <p:par>
-        <p:cTn id="1" dur="indefinite" restart="never" nodeType="tmRoot"/>
+        <p:cTn id="1" dur="indefinite" restart="never" nodeType="tmRoot">
+          <p:childTnLst>
+            <p:seq concurrent="1" nextAc="seek">
+              <p:cTn id="2" dur="indefinite" nodeType="mainSeq">
+                <p:childTnLst>
+                  <p:par>
+                    <p:cTn id="3" fill="hold">
+                      <p:stCondLst>
+                        <p:cond delay="indefinite"/>
+                        <p:cond evt="onBegin" delay="0">
+                          <p:tn val="2"/>
+                        </p:cond>
+                      </p:stCondLst>
+                      <p:childTnLst>
+                        <p:par>
+                          <p:cTn id="4" fill="hold">
+                            <p:stCondLst>
+                              <p:cond delay="0"/>
+                            </p:stCondLst>
+                            <p:childTnLst>
+                              <p:par>
+                                <p:cTn id="5" presetID="16" presetClass="entr" presetSubtype="21" fill="hold" grpId="0" nodeType="withEffect">
+                                  <p:stCondLst>
+                                    <p:cond delay="0"/>
+                                  </p:stCondLst>
+                                  <p:childTnLst>
+                                    <p:set>
+                                      <p:cBhvr>
+                                        <p:cTn id="6" dur="1" fill="hold">
+                                          <p:stCondLst>
+                                            <p:cond delay="0"/>
+                                          </p:stCondLst>
+                                        </p:cTn>
+                                        <p:tgtEl>
+                                          <p:spTgt spid="3">
+                                            <p:bg/>
+                                          </p:spTgt>
+                                        </p:tgtEl>
+                                        <p:attrNameLst>
+                                          <p:attrName>style.visibility</p:attrName>
+                                        </p:attrNameLst>
+                                      </p:cBhvr>
+                                      <p:to>
+                                        <p:strVal val="visible"/>
+                                      </p:to>
+                                    </p:set>
+                                    <p:animEffect transition="in" filter="barn(inVertical)">
+                                      <p:cBhvr>
+                                        <p:cTn id="7" dur="500"/>
+                                        <p:tgtEl>
+                                          <p:spTgt spid="3">
+                                            <p:bg/>
+                                          </p:spTgt>
+                                        </p:tgtEl>
+                                      </p:cBhvr>
+                                    </p:animEffect>
+                                  </p:childTnLst>
+                                </p:cTn>
+                              </p:par>
+                              <p:par>
+                                <p:cTn id="8" presetID="16" presetClass="entr" presetSubtype="21" fill="hold" grpId="0" nodeType="withEffect">
+                                  <p:stCondLst>
+                                    <p:cond delay="0"/>
+                                  </p:stCondLst>
+                                  <p:childTnLst>
+                                    <p:set>
+                                      <p:cBhvr>
+                                        <p:cTn id="9" dur="1" fill="hold">
+                                          <p:stCondLst>
+                                            <p:cond delay="0"/>
+                                          </p:stCondLst>
+                                        </p:cTn>
+                                        <p:tgtEl>
+                                          <p:spTgt spid="3">
+                                            <p:txEl>
+                                              <p:pRg st="0" end="0"/>
+                                            </p:txEl>
+                                          </p:spTgt>
+                                        </p:tgtEl>
+                                        <p:attrNameLst>
+                                          <p:attrName>style.visibility</p:attrName>
+                                        </p:attrNameLst>
+                                      </p:cBhvr>
+                                      <p:to>
+                                        <p:strVal val="visible"/>
+                                      </p:to>
+                                    </p:set>
+                                    <p:animEffect transition="in" filter="barn(inVertical)">
+                                      <p:cBhvr>
+                                        <p:cTn id="10" dur="500"/>
+                                        <p:tgtEl>
+                                          <p:spTgt spid="3">
+                                            <p:txEl>
+                                              <p:pRg st="0" end="0"/>
+                                            </p:txEl>
+                                          </p:spTgt>
+                                        </p:tgtEl>
+                                      </p:cBhvr>
+                                    </p:animEffect>
+                                  </p:childTnLst>
+                                </p:cTn>
+                              </p:par>
+                              <p:par>
+                                <p:cTn id="11" presetID="16" presetClass="entr" presetSubtype="21" fill="hold" grpId="0" nodeType="withEffect">
+                                  <p:stCondLst>
+                                    <p:cond delay="0"/>
+                                  </p:stCondLst>
+                                  <p:childTnLst>
+                                    <p:set>
+                                      <p:cBhvr>
+                                        <p:cTn id="12" dur="1" fill="hold">
+                                          <p:stCondLst>
+                                            <p:cond delay="0"/>
+                                          </p:stCondLst>
+                                        </p:cTn>
+                                        <p:tgtEl>
+                                          <p:spTgt spid="3">
+                                            <p:txEl>
+                                              <p:pRg st="1" end="1"/>
+                                            </p:txEl>
+                                          </p:spTgt>
+                                        </p:tgtEl>
+                                        <p:attrNameLst>
+                                          <p:attrName>style.visibility</p:attrName>
+                                        </p:attrNameLst>
+                                      </p:cBhvr>
+                                      <p:to>
+                                        <p:strVal val="visible"/>
+                                      </p:to>
+                                    </p:set>
+                                    <p:animEffect transition="in" filter="barn(inVertical)">
+                                      <p:cBhvr>
+                                        <p:cTn id="13" dur="500"/>
+                                        <p:tgtEl>
+                                          <p:spTgt spid="3">
+                                            <p:txEl>
+                                              <p:pRg st="1" end="1"/>
+                                            </p:txEl>
+                                          </p:spTgt>
+                                        </p:tgtEl>
+                                      </p:cBhvr>
+                                    </p:animEffect>
+                                  </p:childTnLst>
+                                </p:cTn>
+                              </p:par>
+                              <p:par>
+                                <p:cTn id="14" presetID="16" presetClass="entr" presetSubtype="21" fill="hold" grpId="0" nodeType="withEffect">
+                                  <p:stCondLst>
+                                    <p:cond delay="0"/>
+                                  </p:stCondLst>
+                                  <p:childTnLst>
+                                    <p:set>
+                                      <p:cBhvr>
+                                        <p:cTn id="15" dur="1" fill="hold">
+                                          <p:stCondLst>
+                                            <p:cond delay="0"/>
+                                          </p:stCondLst>
+                                        </p:cTn>
+                                        <p:tgtEl>
+                                          <p:spTgt spid="3">
+                                            <p:txEl>
+                                              <p:pRg st="2" end="2"/>
+                                            </p:txEl>
+                                          </p:spTgt>
+                                        </p:tgtEl>
+                                        <p:attrNameLst>
+                                          <p:attrName>style.visibility</p:attrName>
+                                        </p:attrNameLst>
+                                      </p:cBhvr>
+                                      <p:to>
+                                        <p:strVal val="visible"/>
+                                      </p:to>
+                                    </p:set>
+                                    <p:animEffect transition="in" filter="barn(inVertical)">
+                                      <p:cBhvr>
+                                        <p:cTn id="16" dur="500"/>
+                                        <p:tgtEl>
+                                          <p:spTgt spid="3">
+                                            <p:txEl>
+                                              <p:pRg st="2" end="2"/>
+                                            </p:txEl>
+                                          </p:spTgt>
+                                        </p:tgtEl>
+                                      </p:cBhvr>
+                                    </p:animEffect>
+                                  </p:childTnLst>
+                                </p:cTn>
+                              </p:par>
+                              <p:par>
+                                <p:cTn id="17" presetID="16" presetClass="entr" presetSubtype="21" fill="hold" grpId="0" nodeType="withEffect">
+                                  <p:stCondLst>
+                                    <p:cond delay="0"/>
+                                  </p:stCondLst>
+                                  <p:childTnLst>
+                                    <p:set>
+                                      <p:cBhvr>
+                                        <p:cTn id="18" dur="1" fill="hold">
+                                          <p:stCondLst>
+                                            <p:cond delay="0"/>
+                                          </p:stCondLst>
+                                        </p:cTn>
+                                        <p:tgtEl>
+                                          <p:spTgt spid="3">
+                                            <p:txEl>
+                                              <p:pRg st="3" end="3"/>
+                                            </p:txEl>
+                                          </p:spTgt>
+                                        </p:tgtEl>
+                                        <p:attrNameLst>
+                                          <p:attrName>style.visibility</p:attrName>
+                                        </p:attrNameLst>
+                                      </p:cBhvr>
+                                      <p:to>
+                                        <p:strVal val="visible"/>
+                                      </p:to>
+                                    </p:set>
+                                    <p:animEffect transition="in" filter="barn(inVertical)">
+                                      <p:cBhvr>
+                                        <p:cTn id="19" dur="500"/>
+                                        <p:tgtEl>
+                                          <p:spTgt spid="3">
+                                            <p:txEl>
+                                              <p:pRg st="3" end="3"/>
+                                            </p:txEl>
+                                          </p:spTgt>
+                                        </p:tgtEl>
+                                      </p:cBhvr>
+                                    </p:animEffect>
+                                  </p:childTnLst>
+                                </p:cTn>
+                              </p:par>
+                              <p:par>
+                                <p:cTn id="20" presetID="16" presetClass="entr" presetSubtype="21" fill="hold" grpId="0" nodeType="withEffect">
+                                  <p:stCondLst>
+                                    <p:cond delay="0"/>
+                                  </p:stCondLst>
+                                  <p:childTnLst>
+                                    <p:set>
+                                      <p:cBhvr>
+                                        <p:cTn id="21" dur="1" fill="hold">
+                                          <p:stCondLst>
+                                            <p:cond delay="0"/>
+                                          </p:stCondLst>
+                                        </p:cTn>
+                                        <p:tgtEl>
+                                          <p:spTgt spid="3">
+                                            <p:txEl>
+                                              <p:pRg st="4" end="4"/>
+                                            </p:txEl>
+                                          </p:spTgt>
+                                        </p:tgtEl>
+                                        <p:attrNameLst>
+                                          <p:attrName>style.visibility</p:attrName>
+                                        </p:attrNameLst>
+                                      </p:cBhvr>
+                                      <p:to>
+                                        <p:strVal val="visible"/>
+                                      </p:to>
+                                    </p:set>
+                                    <p:animEffect transition="in" filter="barn(inVertical)">
+                                      <p:cBhvr>
+                                        <p:cTn id="22" dur="500"/>
+                                        <p:tgtEl>
+                                          <p:spTgt spid="3">
+                                            <p:txEl>
+                                              <p:pRg st="4" end="4"/>
+                                            </p:txEl>
+                                          </p:spTgt>
+                                        </p:tgtEl>
+                                      </p:cBhvr>
+                                    </p:animEffect>
+                                  </p:childTnLst>
+                                </p:cTn>
+                              </p:par>
+                              <p:par>
+                                <p:cTn id="23" presetID="6" presetClass="entr" presetSubtype="16" fill="hold" grpId="0" nodeType="withEffect">
+                                  <p:stCondLst>
+                                    <p:cond delay="0"/>
+                                  </p:stCondLst>
+                                  <p:childTnLst>
+                                    <p:set>
+                                      <p:cBhvr>
+                                        <p:cTn id="24" dur="1" fill="hold">
+                                          <p:stCondLst>
+                                            <p:cond delay="0"/>
+                                          </p:stCondLst>
+                                        </p:cTn>
+                                        <p:tgtEl>
+                                          <p:spTgt spid="7">
+                                            <p:bg/>
+                                          </p:spTgt>
+                                        </p:tgtEl>
+                                        <p:attrNameLst>
+                                          <p:attrName>style.visibility</p:attrName>
+                                        </p:attrNameLst>
+                                      </p:cBhvr>
+                                      <p:to>
+                                        <p:strVal val="visible"/>
+                                      </p:to>
+                                    </p:set>
+                                    <p:animEffect transition="in" filter="circle(in)">
+                                      <p:cBhvr>
+                                        <p:cTn id="25" dur="500"/>
+                                        <p:tgtEl>
+                                          <p:spTgt spid="7">
+                                            <p:bg/>
+                                          </p:spTgt>
+                                        </p:tgtEl>
+                                      </p:cBhvr>
+                                    </p:animEffect>
+                                  </p:childTnLst>
+                                </p:cTn>
+                              </p:par>
+                              <p:par>
+                                <p:cTn id="26" presetID="6" presetClass="entr" presetSubtype="16" fill="hold" grpId="0" nodeType="withEffect">
+                                  <p:stCondLst>
+                                    <p:cond delay="0"/>
+                                  </p:stCondLst>
+                                  <p:childTnLst>
+                                    <p:set>
+                                      <p:cBhvr>
+                                        <p:cTn id="27" dur="1" fill="hold">
+                                          <p:stCondLst>
+                                            <p:cond delay="0"/>
+                                          </p:stCondLst>
+                                        </p:cTn>
+                                        <p:tgtEl>
+                                          <p:spTgt spid="7">
+                                            <p:txEl>
+                                              <p:pRg st="0" end="0"/>
+                                            </p:txEl>
+                                          </p:spTgt>
+                                        </p:tgtEl>
+                                        <p:attrNameLst>
+                                          <p:attrName>style.visibility</p:attrName>
+                                        </p:attrNameLst>
+                                      </p:cBhvr>
+                                      <p:to>
+                                        <p:strVal val="visible"/>
+                                      </p:to>
+                                    </p:set>
+                                    <p:animEffect transition="in" filter="circle(in)">
+                                      <p:cBhvr>
+                                        <p:cTn id="28" dur="500"/>
+                                        <p:tgtEl>
+                                          <p:spTgt spid="7">
+                                            <p:txEl>
+                                              <p:pRg st="0" end="0"/>
+                                            </p:txEl>
+                                          </p:spTgt>
+                                        </p:tgtEl>
+                                      </p:cBhvr>
+                                    </p:animEffect>
+                                  </p:childTnLst>
+                                </p:cTn>
+                              </p:par>
+                              <p:par>
+                                <p:cTn id="29" presetID="6" presetClass="entr" presetSubtype="16" fill="hold" grpId="0" nodeType="withEffect">
+                                  <p:stCondLst>
+                                    <p:cond delay="0"/>
+                                  </p:stCondLst>
+                                  <p:childTnLst>
+                                    <p:set>
+                                      <p:cBhvr>
+                                        <p:cTn id="30" dur="1" fill="hold">
+                                          <p:stCondLst>
+                                            <p:cond delay="0"/>
+                                          </p:stCondLst>
+                                        </p:cTn>
+                                        <p:tgtEl>
+                                          <p:spTgt spid="7">
+                                            <p:txEl>
+                                              <p:pRg st="1" end="1"/>
+                                            </p:txEl>
+                                          </p:spTgt>
+                                        </p:tgtEl>
+                                        <p:attrNameLst>
+                                          <p:attrName>style.visibility</p:attrName>
+                                        </p:attrNameLst>
+                                      </p:cBhvr>
+                                      <p:to>
+                                        <p:strVal val="visible"/>
+                                      </p:to>
+                                    </p:set>
+                                    <p:animEffect transition="in" filter="circle(in)">
+                                      <p:cBhvr>
+                                        <p:cTn id="31" dur="500"/>
+                                        <p:tgtEl>
+                                          <p:spTgt spid="7">
+                                            <p:txEl>
+                                              <p:pRg st="1" end="1"/>
+                                            </p:txEl>
+                                          </p:spTgt>
+                                        </p:tgtEl>
+                                      </p:cBhvr>
+                                    </p:animEffect>
+                                  </p:childTnLst>
+                                </p:cTn>
+                              </p:par>
+                              <p:par>
+                                <p:cTn id="32" presetID="6" presetClass="entr" presetSubtype="16" fill="hold" grpId="0" nodeType="withEffect">
+                                  <p:stCondLst>
+                                    <p:cond delay="0"/>
+                                  </p:stCondLst>
+                                  <p:childTnLst>
+                                    <p:set>
+                                      <p:cBhvr>
+                                        <p:cTn id="33" dur="1" fill="hold">
+                                          <p:stCondLst>
+                                            <p:cond delay="0"/>
+                                          </p:stCondLst>
+                                        </p:cTn>
+                                        <p:tgtEl>
+                                          <p:spTgt spid="7">
+                                            <p:txEl>
+                                              <p:pRg st="2" end="2"/>
+                                            </p:txEl>
+                                          </p:spTgt>
+                                        </p:tgtEl>
+                                        <p:attrNameLst>
+                                          <p:attrName>style.visibility</p:attrName>
+                                        </p:attrNameLst>
+                                      </p:cBhvr>
+                                      <p:to>
+                                        <p:strVal val="visible"/>
+                                      </p:to>
+                                    </p:set>
+                                    <p:animEffect transition="in" filter="circle(in)">
+                                      <p:cBhvr>
+                                        <p:cTn id="34" dur="500"/>
+                                        <p:tgtEl>
+                                          <p:spTgt spid="7">
+                                            <p:txEl>
+                                              <p:pRg st="2" end="2"/>
+                                            </p:txEl>
+                                          </p:spTgt>
+                                        </p:tgtEl>
+                                      </p:cBhvr>
+                                    </p:animEffect>
+                                  </p:childTnLst>
+                                </p:cTn>
+                              </p:par>
+                              <p:par>
+                                <p:cTn id="35" presetID="6" presetClass="entr" presetSubtype="16" fill="hold" grpId="0" nodeType="withEffect">
+                                  <p:stCondLst>
+                                    <p:cond delay="0"/>
+                                  </p:stCondLst>
+                                  <p:childTnLst>
+                                    <p:set>
+                                      <p:cBhvr>
+                                        <p:cTn id="36" dur="1" fill="hold">
+                                          <p:stCondLst>
+                                            <p:cond delay="0"/>
+                                          </p:stCondLst>
+                                        </p:cTn>
+                                        <p:tgtEl>
+                                          <p:spTgt spid="7">
+                                            <p:txEl>
+                                              <p:pRg st="3" end="3"/>
+                                            </p:txEl>
+                                          </p:spTgt>
+                                        </p:tgtEl>
+                                        <p:attrNameLst>
+                                          <p:attrName>style.visibility</p:attrName>
+                                        </p:attrNameLst>
+                                      </p:cBhvr>
+                                      <p:to>
+                                        <p:strVal val="visible"/>
+                                      </p:to>
+                                    </p:set>
+                                    <p:animEffect transition="in" filter="circle(in)">
+                                      <p:cBhvr>
+                                        <p:cTn id="37" dur="500"/>
+                                        <p:tgtEl>
+                                          <p:spTgt spid="7">
+                                            <p:txEl>
+                                              <p:pRg st="3" end="3"/>
+                                            </p:txEl>
+                                          </p:spTgt>
+                                        </p:tgtEl>
+                                      </p:cBhvr>
+                                    </p:animEffect>
+                                  </p:childTnLst>
+                                </p:cTn>
+                              </p:par>
+                              <p:par>
+                                <p:cTn id="38" presetID="6" presetClass="entr" presetSubtype="16" fill="hold" grpId="0" nodeType="withEffect">
+                                  <p:stCondLst>
+                                    <p:cond delay="0"/>
+                                  </p:stCondLst>
+                                  <p:childTnLst>
+                                    <p:set>
+                                      <p:cBhvr>
+                                        <p:cTn id="39" dur="1" fill="hold">
+                                          <p:stCondLst>
+                                            <p:cond delay="0"/>
+                                          </p:stCondLst>
+                                        </p:cTn>
+                                        <p:tgtEl>
+                                          <p:spTgt spid="7">
+                                            <p:txEl>
+                                              <p:pRg st="4" end="4"/>
+                                            </p:txEl>
+                                          </p:spTgt>
+                                        </p:tgtEl>
+                                        <p:attrNameLst>
+                                          <p:attrName>style.visibility</p:attrName>
+                                        </p:attrNameLst>
+                                      </p:cBhvr>
+                                      <p:to>
+                                        <p:strVal val="visible"/>
+                                      </p:to>
+                                    </p:set>
+                                    <p:animEffect transition="in" filter="circle(in)">
+                                      <p:cBhvr>
+                                        <p:cTn id="40" dur="500"/>
+                                        <p:tgtEl>
+                                          <p:spTgt spid="7">
+                                            <p:txEl>
+                                              <p:pRg st="4" end="4"/>
+                                            </p:txEl>
+                                          </p:spTgt>
+                                        </p:tgtEl>
+                                      </p:cBhvr>
+                                    </p:animEffect>
+                                  </p:childTnLst>
+                                </p:cTn>
+                              </p:par>
+                              <p:par>
+                                <p:cTn id="41" presetID="12" presetClass="entr" presetSubtype="4" fill="hold" grpId="0" nodeType="withEffect">
+                                  <p:stCondLst>
+                                    <p:cond delay="0"/>
+                                  </p:stCondLst>
+                                  <p:childTnLst>
+                                    <p:set>
+                                      <p:cBhvr>
+                                        <p:cTn id="42" dur="1" fill="hold">
+                                          <p:stCondLst>
+                                            <p:cond delay="0"/>
+                                          </p:stCondLst>
+                                        </p:cTn>
+                                        <p:tgtEl>
+                                          <p:spTgt spid="8">
+                                            <p:bg/>
+                                          </p:spTgt>
+                                        </p:tgtEl>
+                                        <p:attrNameLst>
+                                          <p:attrName>style.visibility</p:attrName>
+                                        </p:attrNameLst>
+                                      </p:cBhvr>
+                                      <p:to>
+                                        <p:strVal val="visible"/>
+                                      </p:to>
+                                    </p:set>
+                                    <p:anim calcmode="lin" valueType="num">
+                                      <p:cBhvr additive="base">
+                                        <p:cTn id="43" dur="500"/>
+                                        <p:tgtEl>
+                                          <p:spTgt spid="8">
+                                            <p:bg/>
+                                          </p:spTgt>
+                                        </p:tgtEl>
+                                        <p:attrNameLst>
+                                          <p:attrName>ppt_y</p:attrName>
+                                        </p:attrNameLst>
+                                      </p:cBhvr>
+                                      <p:tavLst>
+                                        <p:tav tm="0">
+                                          <p:val>
+                                            <p:strVal val="#ppt_y+#ppt_h*1.125000"/>
+                                          </p:val>
+                                        </p:tav>
+                                        <p:tav tm="100000">
+                                          <p:val>
+                                            <p:strVal val="#ppt_y"/>
+                                          </p:val>
+                                        </p:tav>
+                                      </p:tavLst>
+                                    </p:anim>
+                                    <p:animEffect transition="in" filter="wipe(up)">
+                                      <p:cBhvr>
+                                        <p:cTn id="44" dur="500"/>
+                                        <p:tgtEl>
+                                          <p:spTgt spid="8">
+                                            <p:bg/>
+                                          </p:spTgt>
+                                        </p:tgtEl>
+                                      </p:cBhvr>
+                                    </p:animEffect>
+                                  </p:childTnLst>
+                                </p:cTn>
+                              </p:par>
+                              <p:par>
+                                <p:cTn id="45" presetID="12" presetClass="entr" presetSubtype="4" fill="hold" grpId="0" nodeType="withEffect">
+                                  <p:stCondLst>
+                                    <p:cond delay="0"/>
+                                  </p:stCondLst>
+                                  <p:childTnLst>
+                                    <p:set>
+                                      <p:cBhvr>
+                                        <p:cTn id="46" dur="1" fill="hold">
+                                          <p:stCondLst>
+                                            <p:cond delay="0"/>
+                                          </p:stCondLst>
+                                        </p:cTn>
+                                        <p:tgtEl>
+                                          <p:spTgt spid="8">
+                                            <p:txEl>
+                                              <p:pRg st="0" end="0"/>
+                                            </p:txEl>
+                                          </p:spTgt>
+                                        </p:tgtEl>
+                                        <p:attrNameLst>
+                                          <p:attrName>style.visibility</p:attrName>
+                                        </p:attrNameLst>
+                                      </p:cBhvr>
+                                      <p:to>
+                                        <p:strVal val="visible"/>
+                                      </p:to>
+                                    </p:set>
+                                    <p:anim calcmode="lin" valueType="num">
+                                      <p:cBhvr additive="base">
+                                        <p:cTn id="47" dur="500"/>
+                                        <p:tgtEl>
+                                          <p:spTgt spid="8">
+                                            <p:txEl>
+                                              <p:pRg st="0" end="0"/>
+                                            </p:txEl>
+                                          </p:spTgt>
+                                        </p:tgtEl>
+                                        <p:attrNameLst>
+                                          <p:attrName>ppt_y</p:attrName>
+                                        </p:attrNameLst>
+                                      </p:cBhvr>
+                                      <p:tavLst>
+                                        <p:tav tm="0">
+                                          <p:val>
+                                            <p:strVal val="#ppt_y+#ppt_h*1.125000"/>
+                                          </p:val>
+                                        </p:tav>
+                                        <p:tav tm="100000">
+                                          <p:val>
+                                            <p:strVal val="#ppt_y"/>
+                                          </p:val>
+                                        </p:tav>
+                                      </p:tavLst>
+                                    </p:anim>
+                                    <p:animEffect transition="in" filter="wipe(up)">
+                                      <p:cBhvr>
+                                        <p:cTn id="48" dur="500"/>
+                                        <p:tgtEl>
+                                          <p:spTgt spid="8">
+                                            <p:txEl>
+                                              <p:pRg st="0" end="0"/>
+                                            </p:txEl>
+                                          </p:spTgt>
+                                        </p:tgtEl>
+                                      </p:cBhvr>
+                                    </p:animEffect>
+                                  </p:childTnLst>
+                                </p:cTn>
+                              </p:par>
+                              <p:par>
+                                <p:cTn id="49" presetID="12" presetClass="entr" presetSubtype="4" fill="hold" grpId="0" nodeType="withEffect">
+                                  <p:stCondLst>
+                                    <p:cond delay="0"/>
+                                  </p:stCondLst>
+                                  <p:childTnLst>
+                                    <p:set>
+                                      <p:cBhvr>
+                                        <p:cTn id="50" dur="1" fill="hold">
+                                          <p:stCondLst>
+                                            <p:cond delay="0"/>
+                                          </p:stCondLst>
+                                        </p:cTn>
+                                        <p:tgtEl>
+                                          <p:spTgt spid="8">
+                                            <p:txEl>
+                                              <p:pRg st="1" end="1"/>
+                                            </p:txEl>
+                                          </p:spTgt>
+                                        </p:tgtEl>
+                                        <p:attrNameLst>
+                                          <p:attrName>style.visibility</p:attrName>
+                                        </p:attrNameLst>
+                                      </p:cBhvr>
+                                      <p:to>
+                                        <p:strVal val="visible"/>
+                                      </p:to>
+                                    </p:set>
+                                    <p:anim calcmode="lin" valueType="num">
+                                      <p:cBhvr additive="base">
+                                        <p:cTn id="51" dur="500"/>
+                                        <p:tgtEl>
+                                          <p:spTgt spid="8">
+                                            <p:txEl>
+                                              <p:pRg st="1" end="1"/>
+                                            </p:txEl>
+                                          </p:spTgt>
+                                        </p:tgtEl>
+                                        <p:attrNameLst>
+                                          <p:attrName>ppt_y</p:attrName>
+                                        </p:attrNameLst>
+                                      </p:cBhvr>
+                                      <p:tavLst>
+                                        <p:tav tm="0">
+                                          <p:val>
+                                            <p:strVal val="#ppt_y+#ppt_h*1.125000"/>
+                                          </p:val>
+                                        </p:tav>
+                                        <p:tav tm="100000">
+                                          <p:val>
+                                            <p:strVal val="#ppt_y"/>
+                                          </p:val>
+                                        </p:tav>
+                                      </p:tavLst>
+                                    </p:anim>
+                                    <p:animEffect transition="in" filter="wipe(up)">
+                                      <p:cBhvr>
+                                        <p:cTn id="52" dur="500"/>
+                                        <p:tgtEl>
+                                          <p:spTgt spid="8">
+                                            <p:txEl>
+                                              <p:pRg st="1" end="1"/>
+                                            </p:txEl>
+                                          </p:spTgt>
+                                        </p:tgtEl>
+                                      </p:cBhvr>
+                                    </p:animEffect>
+                                  </p:childTnLst>
+                                </p:cTn>
+                              </p:par>
+                              <p:par>
+                                <p:cTn id="53" presetID="12" presetClass="entr" presetSubtype="4" fill="hold" grpId="0" nodeType="withEffect">
+                                  <p:stCondLst>
+                                    <p:cond delay="0"/>
+                                  </p:stCondLst>
+                                  <p:childTnLst>
+                                    <p:set>
+                                      <p:cBhvr>
+                                        <p:cTn id="54" dur="1" fill="hold">
+                                          <p:stCondLst>
+                                            <p:cond delay="0"/>
+                                          </p:stCondLst>
+                                        </p:cTn>
+                                        <p:tgtEl>
+                                          <p:spTgt spid="8">
+                                            <p:txEl>
+                                              <p:pRg st="2" end="2"/>
+                                            </p:txEl>
+                                          </p:spTgt>
+                                        </p:tgtEl>
+                                        <p:attrNameLst>
+                                          <p:attrName>style.visibility</p:attrName>
+                                        </p:attrNameLst>
+                                      </p:cBhvr>
+                                      <p:to>
+                                        <p:strVal val="visible"/>
+                                      </p:to>
+                                    </p:set>
+                                    <p:anim calcmode="lin" valueType="num">
+                                      <p:cBhvr additive="base">
+                                        <p:cTn id="55" dur="500"/>
+                                        <p:tgtEl>
+                                          <p:spTgt spid="8">
+                                            <p:txEl>
+                                              <p:pRg st="2" end="2"/>
+                                            </p:txEl>
+                                          </p:spTgt>
+                                        </p:tgtEl>
+                                        <p:attrNameLst>
+                                          <p:attrName>ppt_y</p:attrName>
+                                        </p:attrNameLst>
+                                      </p:cBhvr>
+                                      <p:tavLst>
+                                        <p:tav tm="0">
+                                          <p:val>
+                                            <p:strVal val="#ppt_y+#ppt_h*1.125000"/>
+                                          </p:val>
+                                        </p:tav>
+                                        <p:tav tm="100000">
+                                          <p:val>
+                                            <p:strVal val="#ppt_y"/>
+                                          </p:val>
+                                        </p:tav>
+                                      </p:tavLst>
+                                    </p:anim>
+                                    <p:animEffect transition="in" filter="wipe(up)">
+                                      <p:cBhvr>
+                                        <p:cTn id="56" dur="500"/>
+                                        <p:tgtEl>
+                                          <p:spTgt spid="8">
+                                            <p:txEl>
+                                              <p:pRg st="2" end="2"/>
+                                            </p:txEl>
+                                          </p:spTgt>
+                                        </p:tgtEl>
+                                      </p:cBhvr>
+                                    </p:animEffect>
+                                  </p:childTnLst>
+                                </p:cTn>
+                              </p:par>
+                              <p:par>
+                                <p:cTn id="57" presetID="12" presetClass="entr" presetSubtype="4" fill="hold" grpId="0" nodeType="withEffect">
+                                  <p:stCondLst>
+                                    <p:cond delay="0"/>
+                                  </p:stCondLst>
+                                  <p:childTnLst>
+                                    <p:set>
+                                      <p:cBhvr>
+                                        <p:cTn id="58" dur="1" fill="hold">
+                                          <p:stCondLst>
+                                            <p:cond delay="0"/>
+                                          </p:stCondLst>
+                                        </p:cTn>
+                                        <p:tgtEl>
+                                          <p:spTgt spid="8">
+                                            <p:txEl>
+                                              <p:pRg st="3" end="3"/>
+                                            </p:txEl>
+                                          </p:spTgt>
+                                        </p:tgtEl>
+                                        <p:attrNameLst>
+                                          <p:attrName>style.visibility</p:attrName>
+                                        </p:attrNameLst>
+                                      </p:cBhvr>
+                                      <p:to>
+                                        <p:strVal val="visible"/>
+                                      </p:to>
+                                    </p:set>
+                                    <p:anim calcmode="lin" valueType="num">
+                                      <p:cBhvr additive="base">
+                                        <p:cTn id="59" dur="500"/>
+                                        <p:tgtEl>
+                                          <p:spTgt spid="8">
+                                            <p:txEl>
+                                              <p:pRg st="3" end="3"/>
+                                            </p:txEl>
+                                          </p:spTgt>
+                                        </p:tgtEl>
+                                        <p:attrNameLst>
+                                          <p:attrName>ppt_y</p:attrName>
+                                        </p:attrNameLst>
+                                      </p:cBhvr>
+                                      <p:tavLst>
+                                        <p:tav tm="0">
+                                          <p:val>
+                                            <p:strVal val="#ppt_y+#ppt_h*1.125000"/>
+                                          </p:val>
+                                        </p:tav>
+                                        <p:tav tm="100000">
+                                          <p:val>
+                                            <p:strVal val="#ppt_y"/>
+                                          </p:val>
+                                        </p:tav>
+                                      </p:tavLst>
+                                    </p:anim>
+                                    <p:animEffect transition="in" filter="wipe(up)">
+                                      <p:cBhvr>
+                                        <p:cTn id="60" dur="500"/>
+                                        <p:tgtEl>
+                                          <p:spTgt spid="8">
+                                            <p:txEl>
+                                              <p:pRg st="3" end="3"/>
+                                            </p:txEl>
+                                          </p:spTgt>
+                                        </p:tgtEl>
+                                      </p:cBhvr>
+                                    </p:animEffect>
+                                  </p:childTnLst>
+                                </p:cTn>
+                              </p:par>
+                              <p:par>
+                                <p:cTn id="61" presetID="18" presetClass="entr" presetSubtype="12" fill="hold" grpId="0" nodeType="withEffect">
+                                  <p:stCondLst>
+                                    <p:cond delay="0"/>
+                                  </p:stCondLst>
+                                  <p:childTnLst>
+                                    <p:set>
+                                      <p:cBhvr>
+                                        <p:cTn id="62" dur="1" fill="hold">
+                                          <p:stCondLst>
+                                            <p:cond delay="0"/>
+                                          </p:stCondLst>
+                                        </p:cTn>
+                                        <p:tgtEl>
+                                          <p:spTgt spid="9">
+                                            <p:bg/>
+                                          </p:spTgt>
+                                        </p:tgtEl>
+                                        <p:attrNameLst>
+                                          <p:attrName>style.visibility</p:attrName>
+                                        </p:attrNameLst>
+                                      </p:cBhvr>
+                                      <p:to>
+                                        <p:strVal val="visible"/>
+                                      </p:to>
+                                    </p:set>
+                                    <p:animEffect transition="in" filter="strips(downLeft)">
+                                      <p:cBhvr>
+                                        <p:cTn id="63" dur="500"/>
+                                        <p:tgtEl>
+                                          <p:spTgt spid="9">
+                                            <p:bg/>
+                                          </p:spTgt>
+                                        </p:tgtEl>
+                                      </p:cBhvr>
+                                    </p:animEffect>
+                                  </p:childTnLst>
+                                </p:cTn>
+                              </p:par>
+                              <p:par>
+                                <p:cTn id="64" presetID="18" presetClass="entr" presetSubtype="12" fill="hold" grpId="0" nodeType="withEffect">
+                                  <p:stCondLst>
+                                    <p:cond delay="0"/>
+                                  </p:stCondLst>
+                                  <p:childTnLst>
+                                    <p:set>
+                                      <p:cBhvr>
+                                        <p:cTn id="65" dur="1" fill="hold">
+                                          <p:stCondLst>
+                                            <p:cond delay="0"/>
+                                          </p:stCondLst>
+                                        </p:cTn>
+                                        <p:tgtEl>
+                                          <p:spTgt spid="9">
+                                            <p:txEl>
+                                              <p:pRg st="0" end="0"/>
+                                            </p:txEl>
+                                          </p:spTgt>
+                                        </p:tgtEl>
+                                        <p:attrNameLst>
+                                          <p:attrName>style.visibility</p:attrName>
+                                        </p:attrNameLst>
+                                      </p:cBhvr>
+                                      <p:to>
+                                        <p:strVal val="visible"/>
+                                      </p:to>
+                                    </p:set>
+                                    <p:animEffect transition="in" filter="strips(downLeft)">
+                                      <p:cBhvr>
+                                        <p:cTn id="66" dur="500"/>
+                                        <p:tgtEl>
+                                          <p:spTgt spid="9">
+                                            <p:txEl>
+                                              <p:pRg st="0" end="0"/>
+                                            </p:txEl>
+                                          </p:spTgt>
+                                        </p:tgtEl>
+                                      </p:cBhvr>
+                                    </p:animEffect>
+                                  </p:childTnLst>
+                                </p:cTn>
+                              </p:par>
+                              <p:par>
+                                <p:cTn id="67" presetID="18" presetClass="entr" presetSubtype="12" fill="hold" grpId="0" nodeType="withEffect">
+                                  <p:stCondLst>
+                                    <p:cond delay="0"/>
+                                  </p:stCondLst>
+                                  <p:childTnLst>
+                                    <p:set>
+                                      <p:cBhvr>
+                                        <p:cTn id="68" dur="1" fill="hold">
+                                          <p:stCondLst>
+                                            <p:cond delay="0"/>
+                                          </p:stCondLst>
+                                        </p:cTn>
+                                        <p:tgtEl>
+                                          <p:spTgt spid="9">
+                                            <p:txEl>
+                                              <p:pRg st="1" end="1"/>
+                                            </p:txEl>
+                                          </p:spTgt>
+                                        </p:tgtEl>
+                                        <p:attrNameLst>
+                                          <p:attrName>style.visibility</p:attrName>
+                                        </p:attrNameLst>
+                                      </p:cBhvr>
+                                      <p:to>
+                                        <p:strVal val="visible"/>
+                                      </p:to>
+                                    </p:set>
+                                    <p:animEffect transition="in" filter="strips(downLeft)">
+                                      <p:cBhvr>
+                                        <p:cTn id="69" dur="500"/>
+                                        <p:tgtEl>
+                                          <p:spTgt spid="9">
+                                            <p:txEl>
+                                              <p:pRg st="1" end="1"/>
+                                            </p:txEl>
+                                          </p:spTgt>
+                                        </p:tgtEl>
+                                      </p:cBhvr>
+                                    </p:animEffect>
+                                  </p:childTnLst>
+                                </p:cTn>
+                              </p:par>
+                              <p:par>
+                                <p:cTn id="70" presetID="18" presetClass="entr" presetSubtype="12" fill="hold" grpId="0" nodeType="withEffect">
+                                  <p:stCondLst>
+                                    <p:cond delay="0"/>
+                                  </p:stCondLst>
+                                  <p:childTnLst>
+                                    <p:set>
+                                      <p:cBhvr>
+                                        <p:cTn id="71" dur="1" fill="hold">
+                                          <p:stCondLst>
+                                            <p:cond delay="0"/>
+                                          </p:stCondLst>
+                                        </p:cTn>
+                                        <p:tgtEl>
+                                          <p:spTgt spid="9">
+                                            <p:txEl>
+                                              <p:pRg st="2" end="2"/>
+                                            </p:txEl>
+                                          </p:spTgt>
+                                        </p:tgtEl>
+                                        <p:attrNameLst>
+                                          <p:attrName>style.visibility</p:attrName>
+                                        </p:attrNameLst>
+                                      </p:cBhvr>
+                                      <p:to>
+                                        <p:strVal val="visible"/>
+                                      </p:to>
+                                    </p:set>
+                                    <p:animEffect transition="in" filter="strips(downLeft)">
+                                      <p:cBhvr>
+                                        <p:cTn id="72" dur="500"/>
+                                        <p:tgtEl>
+                                          <p:spTgt spid="9">
+                                            <p:txEl>
+                                              <p:pRg st="2" end="2"/>
+                                            </p:txEl>
+                                          </p:spTgt>
+                                        </p:tgtEl>
+                                      </p:cBhvr>
+                                    </p:animEffect>
+                                  </p:childTnLst>
+                                </p:cTn>
+                              </p:par>
+                              <p:par>
+                                <p:cTn id="73" presetID="5" presetClass="entr" presetSubtype="10" fill="hold" grpId="0" nodeType="withEffect">
+                                  <p:stCondLst>
+                                    <p:cond delay="0"/>
+                                  </p:stCondLst>
+                                  <p:childTnLst>
+                                    <p:set>
+                                      <p:cBhvr>
+                                        <p:cTn id="74" dur="1" fill="hold">
+                                          <p:stCondLst>
+                                            <p:cond delay="0"/>
+                                          </p:stCondLst>
+                                        </p:cTn>
+                                        <p:tgtEl>
+                                          <p:spTgt spid="10">
+                                            <p:bg/>
+                                          </p:spTgt>
+                                        </p:tgtEl>
+                                        <p:attrNameLst>
+                                          <p:attrName>style.visibility</p:attrName>
+                                        </p:attrNameLst>
+                                      </p:cBhvr>
+                                      <p:to>
+                                        <p:strVal val="visible"/>
+                                      </p:to>
+                                    </p:set>
+                                    <p:animEffect transition="in" filter="checkerboard(across)">
+                                      <p:cBhvr>
+                                        <p:cTn id="75" dur="500"/>
+                                        <p:tgtEl>
+                                          <p:spTgt spid="10">
+                                            <p:bg/>
+                                          </p:spTgt>
+                                        </p:tgtEl>
+                                      </p:cBhvr>
+                                    </p:animEffect>
+                                  </p:childTnLst>
+                                </p:cTn>
+                              </p:par>
+                              <p:par>
+                                <p:cTn id="76" presetID="5" presetClass="entr" presetSubtype="10" fill="hold" grpId="0" nodeType="withEffect">
+                                  <p:stCondLst>
+                                    <p:cond delay="0"/>
+                                  </p:stCondLst>
+                                  <p:childTnLst>
+                                    <p:set>
+                                      <p:cBhvr>
+                                        <p:cTn id="77" dur="1" fill="hold">
+                                          <p:stCondLst>
+                                            <p:cond delay="0"/>
+                                          </p:stCondLst>
+                                        </p:cTn>
+                                        <p:tgtEl>
+                                          <p:spTgt spid="10">
+                                            <p:txEl>
+                                              <p:pRg st="0" end="0"/>
+                                            </p:txEl>
+                                          </p:spTgt>
+                                        </p:tgtEl>
+                                        <p:attrNameLst>
+                                          <p:attrName>style.visibility</p:attrName>
+                                        </p:attrNameLst>
+                                      </p:cBhvr>
+                                      <p:to>
+                                        <p:strVal val="visible"/>
+                                      </p:to>
+                                    </p:set>
+                                    <p:animEffect transition="in" filter="checkerboard(across)">
+                                      <p:cBhvr>
+                                        <p:cTn id="78" dur="500"/>
+                                        <p:tgtEl>
+                                          <p:spTgt spid="10">
+                                            <p:txEl>
+                                              <p:pRg st="0" end="0"/>
+                                            </p:txEl>
+                                          </p:spTgt>
+                                        </p:tgtEl>
+                                      </p:cBhvr>
+                                    </p:animEffect>
+                                  </p:childTnLst>
+                                </p:cTn>
+                              </p:par>
+                              <p:par>
+                                <p:cTn id="79" presetID="5" presetClass="entr" presetSubtype="10" fill="hold" grpId="0" nodeType="withEffect">
+                                  <p:stCondLst>
+                                    <p:cond delay="0"/>
+                                  </p:stCondLst>
+                                  <p:childTnLst>
+                                    <p:set>
+                                      <p:cBhvr>
+                                        <p:cTn id="80" dur="1" fill="hold">
+                                          <p:stCondLst>
+                                            <p:cond delay="0"/>
+                                          </p:stCondLst>
+                                        </p:cTn>
+                                        <p:tgtEl>
+                                          <p:spTgt spid="10">
+                                            <p:txEl>
+                                              <p:pRg st="1" end="1"/>
+                                            </p:txEl>
+                                          </p:spTgt>
+                                        </p:tgtEl>
+                                        <p:attrNameLst>
+                                          <p:attrName>style.visibility</p:attrName>
+                                        </p:attrNameLst>
+                                      </p:cBhvr>
+                                      <p:to>
+                                        <p:strVal val="visible"/>
+                                      </p:to>
+                                    </p:set>
+                                    <p:animEffect transition="in" filter="checkerboard(across)">
+                                      <p:cBhvr>
+                                        <p:cTn id="81" dur="500"/>
+                                        <p:tgtEl>
+                                          <p:spTgt spid="10">
+                                            <p:txEl>
+                                              <p:pRg st="1" end="1"/>
+                                            </p:txEl>
+                                          </p:spTgt>
+                                        </p:tgtEl>
+                                      </p:cBhvr>
+                                    </p:animEffect>
+                                  </p:childTnLst>
+                                </p:cTn>
+                              </p:par>
+                              <p:par>
+                                <p:cTn id="82" presetID="2" presetClass="entr" presetSubtype="4" fill="hold" grpId="0" nodeType="withEffect">
+                                  <p:stCondLst>
+                                    <p:cond delay="0"/>
+                                  </p:stCondLst>
+                                  <p:childTnLst>
+                                    <p:set>
+                                      <p:cBhvr>
+                                        <p:cTn id="83" dur="1" fill="hold">
+                                          <p:stCondLst>
+                                            <p:cond delay="0"/>
+                                          </p:stCondLst>
+                                        </p:cTn>
+                                        <p:tgtEl>
+                                          <p:spTgt spid="11"/>
+                                        </p:tgtEl>
+                                        <p:attrNameLst>
+                                          <p:attrName>style.visibility</p:attrName>
+                                        </p:attrNameLst>
+                                      </p:cBhvr>
+                                      <p:to>
+                                        <p:strVal val="visible"/>
+                                      </p:to>
+                                    </p:set>
+                                    <p:anim calcmode="lin" valueType="num">
+                                      <p:cBhvr additive="base">
+                                        <p:cTn id="84" dur="500" fill="hold"/>
+                                        <p:tgtEl>
+                                          <p:spTgt spid="11"/>
+                                        </p:tgtEl>
+                                        <p:attrNameLst>
+                                          <p:attrName>ppt_x</p:attrName>
+                                        </p:attrNameLst>
+                                      </p:cBhvr>
+                                      <p:tavLst>
+                                        <p:tav tm="0">
+                                          <p:val>
+                                            <p:strVal val="#ppt_x"/>
+                                          </p:val>
+                                        </p:tav>
+                                        <p:tav tm="100000">
+                                          <p:val>
+                                            <p:strVal val="#ppt_x"/>
+                                          </p:val>
+                                        </p:tav>
+                                      </p:tavLst>
+                                    </p:anim>
+                                    <p:anim calcmode="lin" valueType="num">
+                                      <p:cBhvr additive="base">
+                                        <p:cTn id="85" dur="500" fill="hold"/>
+                                        <p:tgtEl>
+                                          <p:spTgt spid="11"/>
+                                        </p:tgtEl>
+                                        <p:attrNameLst>
+                                          <p:attrName>ppt_y</p:attrName>
+                                        </p:attrNameLst>
+                                      </p:cBhvr>
+                                      <p:tavLst>
+                                        <p:tav tm="0">
+                                          <p:val>
+                                            <p:strVal val="1+#ppt_h/2"/>
+                                          </p:val>
+                                        </p:tav>
+                                        <p:tav tm="100000">
+                                          <p:val>
+                                            <p:strVal val="#ppt_y"/>
+                                          </p:val>
+                                        </p:tav>
+                                      </p:tavLst>
+                                    </p:anim>
+                                  </p:childTnLst>
+                                </p:cTn>
+                              </p:par>
+                              <p:par>
+                                <p:cTn id="86" presetID="2" presetClass="entr" presetSubtype="4" fill="hold" grpId="0" nodeType="withEffect">
+                                  <p:stCondLst>
+                                    <p:cond delay="1000"/>
+                                  </p:stCondLst>
+                                  <p:childTnLst>
+                                    <p:set>
+                                      <p:cBhvr>
+                                        <p:cTn id="87" dur="1" fill="hold">
+                                          <p:stCondLst>
+                                            <p:cond delay="0"/>
+                                          </p:stCondLst>
+                                        </p:cTn>
+                                        <p:tgtEl>
+                                          <p:spTgt spid="13">
+                                            <p:bg/>
+                                          </p:spTgt>
+                                        </p:tgtEl>
+                                        <p:attrNameLst>
+                                          <p:attrName>style.visibility</p:attrName>
+                                        </p:attrNameLst>
+                                      </p:cBhvr>
+                                      <p:to>
+                                        <p:strVal val="visible"/>
+                                      </p:to>
+                                    </p:set>
+                                    <p:anim calcmode="lin" valueType="num">
+                                      <p:cBhvr additive="base">
+                                        <p:cTn id="88" dur="2000" fill="hold"/>
+                                        <p:tgtEl>
+                                          <p:spTgt spid="13">
+                                            <p:bg/>
+                                          </p:spTgt>
+                                        </p:tgtEl>
+                                        <p:attrNameLst>
+                                          <p:attrName>ppt_x</p:attrName>
+                                        </p:attrNameLst>
+                                      </p:cBhvr>
+                                      <p:tavLst>
+                                        <p:tav tm="0">
+                                          <p:val>
+                                            <p:strVal val="#ppt_x"/>
+                                          </p:val>
+                                        </p:tav>
+                                        <p:tav tm="100000">
+                                          <p:val>
+                                            <p:strVal val="#ppt_x"/>
+                                          </p:val>
+                                        </p:tav>
+                                      </p:tavLst>
+                                    </p:anim>
+                                    <p:anim calcmode="lin" valueType="num">
+                                      <p:cBhvr additive="base">
+                                        <p:cTn id="89" dur="2000" fill="hold"/>
+                                        <p:tgtEl>
+                                          <p:spTgt spid="13">
+                                            <p:bg/>
+                                          </p:spTgt>
+                                        </p:tgtEl>
+                                        <p:attrNameLst>
+                                          <p:attrName>ppt_y</p:attrName>
+                                        </p:attrNameLst>
+                                      </p:cBhvr>
+                                      <p:tavLst>
+                                        <p:tav tm="0">
+                                          <p:val>
+                                            <p:strVal val="1+#ppt_h/2"/>
+                                          </p:val>
+                                        </p:tav>
+                                        <p:tav tm="100000">
+                                          <p:val>
+                                            <p:strVal val="#ppt_y"/>
+                                          </p:val>
+                                        </p:tav>
+                                      </p:tavLst>
+                                    </p:anim>
+                                  </p:childTnLst>
+                                </p:cTn>
+                              </p:par>
+                              <p:par>
+                                <p:cTn id="90" presetID="2" presetClass="entr" presetSubtype="4" fill="hold" grpId="0" nodeType="withEffect">
+                                  <p:stCondLst>
+                                    <p:cond delay="1000"/>
+                                  </p:stCondLst>
+                                  <p:childTnLst>
+                                    <p:set>
+                                      <p:cBhvr>
+                                        <p:cTn id="91" dur="1" fill="hold">
+                                          <p:stCondLst>
+                                            <p:cond delay="0"/>
+                                          </p:stCondLst>
+                                        </p:cTn>
+                                        <p:tgtEl>
+                                          <p:spTgt spid="13">
+                                            <p:txEl>
+                                              <p:pRg st="0" end="0"/>
+                                            </p:txEl>
+                                          </p:spTgt>
+                                        </p:tgtEl>
+                                        <p:attrNameLst>
+                                          <p:attrName>style.visibility</p:attrName>
+                                        </p:attrNameLst>
+                                      </p:cBhvr>
+                                      <p:to>
+                                        <p:strVal val="visible"/>
+                                      </p:to>
+                                    </p:set>
+                                    <p:anim calcmode="lin" valueType="num">
+                                      <p:cBhvr additive="base">
+                                        <p:cTn id="92" dur="2000" fill="hold"/>
+                                        <p:tgtEl>
+                                          <p:spTgt spid="13">
+                                            <p:txEl>
+                                              <p:pRg st="0" end="0"/>
+                                            </p:txEl>
+                                          </p:spTgt>
+                                        </p:tgtEl>
+                                        <p:attrNameLst>
+                                          <p:attrName>ppt_x</p:attrName>
+                                        </p:attrNameLst>
+                                      </p:cBhvr>
+                                      <p:tavLst>
+                                        <p:tav tm="0">
+                                          <p:val>
+                                            <p:strVal val="#ppt_x"/>
+                                          </p:val>
+                                        </p:tav>
+                                        <p:tav tm="100000">
+                                          <p:val>
+                                            <p:strVal val="#ppt_x"/>
+                                          </p:val>
+                                        </p:tav>
+                                      </p:tavLst>
+                                    </p:anim>
+                                    <p:anim calcmode="lin" valueType="num">
+                                      <p:cBhvr additive="base">
+                                        <p:cTn id="93" dur="2000" fill="hold"/>
+                                        <p:tgtEl>
+                                          <p:spTgt spid="13">
+                                            <p:txEl>
+                                              <p:pRg st="0" end="0"/>
+                                            </p:txEl>
+                                          </p:spTgt>
+                                        </p:tgtEl>
+                                        <p:attrNameLst>
+                                          <p:attrName>ppt_y</p:attrName>
+                                        </p:attrNameLst>
+                                      </p:cBhvr>
+                                      <p:tavLst>
+                                        <p:tav tm="0">
+                                          <p:val>
+                                            <p:strVal val="1+#ppt_h/2"/>
+                                          </p:val>
+                                        </p:tav>
+                                        <p:tav tm="100000">
+                                          <p:val>
+                                            <p:strVal val="#ppt_y"/>
+                                          </p:val>
+                                        </p:tav>
+                                      </p:tavLst>
+                                    </p:anim>
+                                  </p:childTnLst>
+                                </p:cTn>
+                              </p:par>
+                              <p:par>
+                                <p:cTn id="94" presetID="2" presetClass="entr" presetSubtype="4" fill="hold" grpId="0" nodeType="withEffect">
+                                  <p:stCondLst>
+                                    <p:cond delay="1000"/>
+                                  </p:stCondLst>
+                                  <p:childTnLst>
+                                    <p:set>
+                                      <p:cBhvr>
+                                        <p:cTn id="95" dur="1" fill="hold">
+                                          <p:stCondLst>
+                                            <p:cond delay="0"/>
+                                          </p:stCondLst>
+                                        </p:cTn>
+                                        <p:tgtEl>
+                                          <p:spTgt spid="13">
+                                            <p:txEl>
+                                              <p:pRg st="1" end="1"/>
+                                            </p:txEl>
+                                          </p:spTgt>
+                                        </p:tgtEl>
+                                        <p:attrNameLst>
+                                          <p:attrName>style.visibility</p:attrName>
+                                        </p:attrNameLst>
+                                      </p:cBhvr>
+                                      <p:to>
+                                        <p:strVal val="visible"/>
+                                      </p:to>
+                                    </p:set>
+                                    <p:anim calcmode="lin" valueType="num">
+                                      <p:cBhvr additive="base">
+                                        <p:cTn id="96" dur="2000" fill="hold"/>
+                                        <p:tgtEl>
+                                          <p:spTgt spid="13">
+                                            <p:txEl>
+                                              <p:pRg st="1" end="1"/>
+                                            </p:txEl>
+                                          </p:spTgt>
+                                        </p:tgtEl>
+                                        <p:attrNameLst>
+                                          <p:attrName>ppt_x</p:attrName>
+                                        </p:attrNameLst>
+                                      </p:cBhvr>
+                                      <p:tavLst>
+                                        <p:tav tm="0">
+                                          <p:val>
+                                            <p:strVal val="#ppt_x"/>
+                                          </p:val>
+                                        </p:tav>
+                                        <p:tav tm="100000">
+                                          <p:val>
+                                            <p:strVal val="#ppt_x"/>
+                                          </p:val>
+                                        </p:tav>
+                                      </p:tavLst>
+                                    </p:anim>
+                                    <p:anim calcmode="lin" valueType="num">
+                                      <p:cBhvr additive="base">
+                                        <p:cTn id="97" dur="2000" fill="hold"/>
+                                        <p:tgtEl>
+                                          <p:spTgt spid="13">
+                                            <p:txEl>
+                                              <p:pRg st="1" end="1"/>
+                                            </p:txEl>
+                                          </p:spTgt>
+                                        </p:tgtEl>
+                                        <p:attrNameLst>
+                                          <p:attrName>ppt_y</p:attrName>
+                                        </p:attrNameLst>
+                                      </p:cBhvr>
+                                      <p:tavLst>
+                                        <p:tav tm="0">
+                                          <p:val>
+                                            <p:strVal val="1+#ppt_h/2"/>
+                                          </p:val>
+                                        </p:tav>
+                                        <p:tav tm="100000">
+                                          <p:val>
+                                            <p:strVal val="#ppt_y"/>
+                                          </p:val>
+                                        </p:tav>
+                                      </p:tavLst>
+                                    </p:anim>
+                                  </p:childTnLst>
+                                </p:cTn>
+                              </p:par>
+                            </p:childTnLst>
+                          </p:cTn>
+                        </p:par>
+                      </p:childTnLst>
+                    </p:cTn>
+                  </p:par>
+                </p:childTnLst>
+              </p:cTn>
+              <p:prevCondLst>
+                <p:cond evt="onPrev" delay="0">
+                  <p:tgtEl>
+                    <p:sldTgt/>
+                  </p:tgtEl>
+                </p:cond>
+              </p:prevCondLst>
+              <p:nextCondLst>
+                <p:cond evt="onNext" delay="0">
+                  <p:tgtEl>
+                    <p:sldTgt/>
+                  </p:tgtEl>
+                </p:cond>
+              </p:nextCondLst>
+            </p:seq>
+          </p:childTnLst>
+        </p:cTn>
       </p:par>
     </p:tnLst>
+    <p:bldLst>
+      <p:bldP spid="3" grpId="0" build="p" animBg="1"/>
+      <p:bldP spid="7" grpId="0" build="p" animBg="1"/>
+      <p:bldP spid="8" grpId="0" build="p" animBg="1"/>
+      <p:bldP spid="9" grpId="0" build="p" animBg="1"/>
+      <p:bldP spid="10" grpId="0" build="p" animBg="1"/>
+      <p:bldP spid="11" grpId="0"/>
+      <p:bldP spid="13" grpId="0" build="p" animBg="1"/>
+    </p:bldLst>
   </p:timing>
 </p:sld>
 </file>
@@ -11903,14 +13424,14 @@
   <p:clrMapOvr>
     <a:masterClrMapping/>
   </p:clrMapOvr>
-  <mc:AlternateContent xmlns:mc="http://schemas.openxmlformats.org/markup-compatibility/2006" xmlns:p14="http://schemas.microsoft.com/office/powerpoint/2010/main">
-    <mc:Choice Requires="p14">
-      <p:transition spd="med" p14:dur="700">
-        <p:fade/>
+  <mc:AlternateContent xmlns:mc="http://schemas.openxmlformats.org/markup-compatibility/2006">
+    <mc:Choice xmlns:p15="http://schemas.microsoft.com/office/powerpoint/2012/main" Requires="p15">
+      <p:transition xmlns:p14="http://schemas.microsoft.com/office/powerpoint/2010/main" spd="slow" p14:dur="2000">
+        <p15:prstTrans prst="fallOver"/>
       </p:transition>
     </mc:Choice>
-    <mc:Fallback xmlns="">
-      <p:transition spd="med">
+    <mc:Fallback>
+      <p:transition spd="slow">
         <p:fade/>
       </p:transition>
     </mc:Fallback>
@@ -11954,8 +13475,8 @@
         </p:nvSpPr>
         <p:spPr>
           <a:xfrm>
-            <a:off x="152400" y="3839146"/>
-            <a:ext cx="7696200" cy="886397"/>
+            <a:off x="152400" y="4282345"/>
+            <a:ext cx="7696200" cy="443198"/>
           </a:xfrm>
         </p:spPr>
         <p:txBody>
@@ -11964,15 +13485,7 @@
           <a:p>
             <a:r>
               <a:rPr lang="en-US" dirty="0" smtClean="0"/>
-              <a:t>Nope, Time for </a:t>
-            </a:r>
-            <a:r>
-              <a:rPr lang="en-US" smtClean="0"/>
-              <a:t>some exciting demo</a:t>
-            </a:r>
-            <a:r>
-              <a:rPr lang="en-US" dirty="0" smtClean="0"/>
-              <a:t>!</a:t>
+              <a:t>Nope! Time for some exciting demo!</a:t>
             </a:r>
             <a:endParaRPr lang="en-US" dirty="0"/>
           </a:p>
@@ -12011,18 +13524,109 @@
   <p:clrMapOvr>
     <a:masterClrMapping/>
   </p:clrMapOvr>
-  <mc:AlternateContent xmlns:mc="http://schemas.openxmlformats.org/markup-compatibility/2006" xmlns:p14="http://schemas.microsoft.com/office/powerpoint/2010/main">
-    <mc:Choice Requires="p14">
-      <p:transition spd="med" p14:dur="700">
-        <p:fade/>
+  <mc:AlternateContent xmlns:mc="http://schemas.openxmlformats.org/markup-compatibility/2006">
+    <mc:Choice xmlns:p14="http://schemas.microsoft.com/office/powerpoint/2010/main" Requires="p14">
+      <p:transition spd="slow">
+        <p14:flash/>
       </p:transition>
     </mc:Choice>
-    <mc:Fallback xmlns="">
-      <p:transition spd="med">
+    <mc:Fallback>
+      <p:transition spd="slow">
         <p:fade/>
       </p:transition>
     </mc:Fallback>
   </mc:AlternateContent>
+  <p:timing>
+    <p:tnLst>
+      <p:par>
+        <p:cTn id="1" dur="indefinite" restart="never" nodeType="tmRoot"/>
+      </p:par>
+    </p:tnLst>
+  </p:timing>
+</p:sld>
+</file>
+
+<file path=ppt/slides/slide17.xml><?xml version="1.0" encoding="utf-8"?>
+<p:sld xmlns:a="http://schemas.openxmlformats.org/drawingml/2006/main" xmlns:r="http://schemas.openxmlformats.org/officeDocument/2006/relationships" xmlns:p="http://schemas.openxmlformats.org/presentationml/2006/main">
+  <p:cSld>
+    <p:spTree>
+      <p:nvGrpSpPr>
+        <p:cNvPr id="1" name=""/>
+        <p:cNvGrpSpPr/>
+        <p:nvPr/>
+      </p:nvGrpSpPr>
+      <p:grpSpPr>
+        <a:xfrm>
+          <a:off x="0" y="0"/>
+          <a:ext cx="0" cy="0"/>
+          <a:chOff x="0" y="0"/>
+          <a:chExt cx="0" cy="0"/>
+        </a:xfrm>
+      </p:grpSpPr>
+      <p:sp>
+        <p:nvSpPr>
+          <p:cNvPr id="2" name="Title 1"/>
+          <p:cNvSpPr>
+            <a:spLocks noGrp="1"/>
+          </p:cNvSpPr>
+          <p:nvPr>
+            <p:ph type="title"/>
+          </p:nvPr>
+        </p:nvSpPr>
+        <p:spPr/>
+        <p:txBody>
+          <a:bodyPr/>
+          <a:lstStyle/>
+          <a:p>
+            <a:r>
+              <a:rPr lang="en-US" dirty="0" smtClean="0"/>
+              <a:t>Link to setup SASS</a:t>
+            </a:r>
+            <a:endParaRPr lang="en-US" dirty="0"/>
+          </a:p>
+        </p:txBody>
+      </p:sp>
+      <p:sp>
+        <p:nvSpPr>
+          <p:cNvPr id="3" name="Text Placeholder 2"/>
+          <p:cNvSpPr>
+            <a:spLocks noGrp="1"/>
+          </p:cNvSpPr>
+          <p:nvPr>
+            <p:ph type="body" sz="quarter" idx="11"/>
+          </p:nvPr>
+        </p:nvSpPr>
+        <p:spPr/>
+        <p:txBody>
+          <a:bodyPr/>
+          <a:lstStyle/>
+          <a:p>
+            <a:pPr algn="l"/>
+            <a:r>
+              <a:rPr lang="en-US" dirty="0"/>
+              <a:t>https://</a:t>
+            </a:r>
+            <a:r>
+              <a:rPr lang="en-US" dirty="0" err="1"/>
+              <a:t>jive.fico.com</a:t>
+            </a:r>
+            <a:r>
+              <a:rPr lang="en-US" dirty="0"/>
+              <a:t>/docs/DOC-46111</a:t>
+            </a:r>
+          </a:p>
+        </p:txBody>
+      </p:sp>
+    </p:spTree>
+    <p:extLst>
+      <p:ext uri="{BB962C8B-B14F-4D97-AF65-F5344CB8AC3E}">
+        <p14:creationId xmlns:p14="http://schemas.microsoft.com/office/powerpoint/2010/main" val="1276688303"/>
+      </p:ext>
+    </p:extLst>
+  </p:cSld>
+  <p:clrMapOvr>
+    <a:masterClrMapping/>
+  </p:clrMapOvr>
   <p:timing>
     <p:tnLst>
       <p:par>
@@ -12095,14 +13699,32 @@
           <a:p>
             <a:r>
               <a:rPr lang="en-US" dirty="0" smtClean="0"/>
-              <a:t>What is Sass?</a:t>
-            </a:r>
-          </a:p>
-          <a:p>
+              <a:t>What is </a:t>
+            </a:r>
             <a:r>
               <a:rPr lang="en-US" dirty="0" smtClean="0"/>
-              <a:t>Why Sass over Less?</a:t>
-            </a:r>
+              <a:t>SASS?</a:t>
+            </a:r>
+            <a:endParaRPr lang="en-US" dirty="0" smtClean="0"/>
+          </a:p>
+          <a:p>
+            <a:r>
+              <a:rPr lang="en-US" dirty="0" smtClean="0"/>
+              <a:t>Why </a:t>
+            </a:r>
+            <a:r>
+              <a:rPr lang="en-US" dirty="0" smtClean="0"/>
+              <a:t>SASS </a:t>
+            </a:r>
+            <a:r>
+              <a:rPr lang="en-US" dirty="0" smtClean="0"/>
+              <a:t>over </a:t>
+            </a:r>
+            <a:r>
+              <a:rPr lang="en-US" dirty="0" smtClean="0"/>
+              <a:t>LESS?</a:t>
+            </a:r>
+            <a:endParaRPr lang="en-US" dirty="0" smtClean="0"/>
           </a:p>
           <a:p>
             <a:r>
@@ -12139,7 +13761,11 @@
           <a:p>
             <a:r>
               <a:rPr lang="en-US" dirty="0" smtClean="0"/>
-              <a:t>Example of Sass</a:t>
+              <a:t>Example of </a:t>
+            </a:r>
+            <a:r>
+              <a:rPr lang="en-US" dirty="0" smtClean="0"/>
+              <a:t>SASS</a:t>
             </a:r>
             <a:endParaRPr lang="en-US" dirty="0"/>
           </a:p>
@@ -12241,7 +13867,7 @@
           <a:p>
             <a:r>
               <a:rPr lang="en-US" dirty="0" smtClean="0"/>
-              <a:t>What is Sass?</a:t>
+              <a:t>What is SASS?</a:t>
             </a:r>
             <a:endParaRPr lang="en-US" dirty="0"/>
           </a:p>
@@ -12310,7 +13936,7 @@
                 <a:latin typeface="Roboto Regular" pitchFamily="2" charset="0"/>
                 <a:ea typeface="Roboto Regular" pitchFamily="2" charset="0"/>
               </a:rPr>
-              <a:t>Sass </a:t>
+              <a:t>SASS </a:t>
             </a:r>
             <a:r>
               <a:rPr lang="en-US" sz="1400" dirty="0">
@@ -12364,7 +13990,7 @@
                 <a:latin typeface="Roboto Regular" pitchFamily="2" charset="0"/>
                 <a:ea typeface="Roboto Regular" pitchFamily="2" charset="0"/>
               </a:rPr>
-              <a:t>Sass </a:t>
+              <a:t>SASS </a:t>
             </a:r>
             <a:r>
               <a:rPr lang="en-US" sz="1400" dirty="0">
@@ -12496,7 +14122,226 @@
   <p:timing>
     <p:tnLst>
       <p:par>
-        <p:cTn id="1" dur="indefinite" restart="never" nodeType="tmRoot"/>
+        <p:cTn id="1" dur="indefinite" restart="never" nodeType="tmRoot">
+          <p:childTnLst>
+            <p:seq concurrent="1" nextAc="seek">
+              <p:cTn id="2" dur="indefinite" nodeType="mainSeq">
+                <p:childTnLst>
+                  <p:par>
+                    <p:cTn id="3" fill="hold">
+                      <p:stCondLst>
+                        <p:cond delay="indefinite"/>
+                      </p:stCondLst>
+                      <p:childTnLst>
+                        <p:par>
+                          <p:cTn id="4" fill="hold">
+                            <p:stCondLst>
+                              <p:cond delay="0"/>
+                            </p:stCondLst>
+                            <p:childTnLst>
+                              <p:par>
+                                <p:cTn id="5" presetID="1" presetClass="entr" presetSubtype="0" fill="hold" nodeType="clickEffect">
+                                  <p:stCondLst>
+                                    <p:cond delay="0"/>
+                                  </p:stCondLst>
+                                  <p:childTnLst>
+                                    <p:set>
+                                      <p:cBhvr>
+                                        <p:cTn id="6" dur="1" fill="hold">
+                                          <p:stCondLst>
+                                            <p:cond delay="0"/>
+                                          </p:stCondLst>
+                                        </p:cTn>
+                                        <p:tgtEl>
+                                          <p:spTgt spid="3">
+                                            <p:txEl>
+                                              <p:pRg st="0" end="0"/>
+                                            </p:txEl>
+                                          </p:spTgt>
+                                        </p:tgtEl>
+                                        <p:attrNameLst>
+                                          <p:attrName>style.visibility</p:attrName>
+                                        </p:attrNameLst>
+                                      </p:cBhvr>
+                                      <p:to>
+                                        <p:strVal val="visible"/>
+                                      </p:to>
+                                    </p:set>
+                                  </p:childTnLst>
+                                </p:cTn>
+                              </p:par>
+                            </p:childTnLst>
+                          </p:cTn>
+                        </p:par>
+                      </p:childTnLst>
+                    </p:cTn>
+                  </p:par>
+                  <p:par>
+                    <p:cTn id="7" fill="hold">
+                      <p:stCondLst>
+                        <p:cond delay="indefinite"/>
+                      </p:stCondLst>
+                      <p:childTnLst>
+                        <p:par>
+                          <p:cTn id="8" fill="hold">
+                            <p:stCondLst>
+                              <p:cond delay="0"/>
+                            </p:stCondLst>
+                            <p:childTnLst>
+                              <p:par>
+                                <p:cTn id="9" presetID="1" presetClass="entr" presetSubtype="0" fill="hold" nodeType="clickEffect">
+                                  <p:stCondLst>
+                                    <p:cond delay="0"/>
+                                  </p:stCondLst>
+                                  <p:childTnLst>
+                                    <p:set>
+                                      <p:cBhvr>
+                                        <p:cTn id="10" dur="1" fill="hold">
+                                          <p:stCondLst>
+                                            <p:cond delay="0"/>
+                                          </p:stCondLst>
+                                        </p:cTn>
+                                        <p:tgtEl>
+                                          <p:spTgt spid="3">
+                                            <p:txEl>
+                                              <p:pRg st="1" end="1"/>
+                                            </p:txEl>
+                                          </p:spTgt>
+                                        </p:tgtEl>
+                                        <p:attrNameLst>
+                                          <p:attrName>style.visibility</p:attrName>
+                                        </p:attrNameLst>
+                                      </p:cBhvr>
+                                      <p:to>
+                                        <p:strVal val="visible"/>
+                                      </p:to>
+                                    </p:set>
+                                  </p:childTnLst>
+                                </p:cTn>
+                              </p:par>
+                            </p:childTnLst>
+                          </p:cTn>
+                        </p:par>
+                      </p:childTnLst>
+                    </p:cTn>
+                  </p:par>
+                  <p:par>
+                    <p:cTn id="11" fill="hold">
+                      <p:stCondLst>
+                        <p:cond delay="indefinite"/>
+                      </p:stCondLst>
+                      <p:childTnLst>
+                        <p:par>
+                          <p:cTn id="12" fill="hold">
+                            <p:stCondLst>
+                              <p:cond delay="0"/>
+                            </p:stCondLst>
+                            <p:childTnLst>
+                              <p:par>
+                                <p:cTn id="13" presetID="1" presetClass="entr" presetSubtype="0" fill="hold" nodeType="clickEffect">
+                                  <p:stCondLst>
+                                    <p:cond delay="0"/>
+                                  </p:stCondLst>
+                                  <p:childTnLst>
+                                    <p:set>
+                                      <p:cBhvr>
+                                        <p:cTn id="14" dur="1" fill="hold">
+                                          <p:stCondLst>
+                                            <p:cond delay="0"/>
+                                          </p:stCondLst>
+                                        </p:cTn>
+                                        <p:tgtEl>
+                                          <p:spTgt spid="3">
+                                            <p:txEl>
+                                              <p:pRg st="2" end="2"/>
+                                            </p:txEl>
+                                          </p:spTgt>
+                                        </p:tgtEl>
+                                        <p:attrNameLst>
+                                          <p:attrName>style.visibility</p:attrName>
+                                        </p:attrNameLst>
+                                      </p:cBhvr>
+                                      <p:to>
+                                        <p:strVal val="visible"/>
+                                      </p:to>
+                                    </p:set>
+                                  </p:childTnLst>
+                                </p:cTn>
+                              </p:par>
+                            </p:childTnLst>
+                          </p:cTn>
+                        </p:par>
+                      </p:childTnLst>
+                    </p:cTn>
+                  </p:par>
+                  <p:par>
+                    <p:cTn id="15" fill="hold">
+                      <p:stCondLst>
+                        <p:cond delay="indefinite"/>
+                      </p:stCondLst>
+                      <p:childTnLst>
+                        <p:par>
+                          <p:cTn id="16" fill="hold">
+                            <p:stCondLst>
+                              <p:cond delay="0"/>
+                            </p:stCondLst>
+                            <p:childTnLst>
+                              <p:par>
+                                <p:cTn id="17" presetID="1" presetClass="entr" presetSubtype="0" fill="hold" nodeType="clickEffect">
+                                  <p:stCondLst>
+                                    <p:cond delay="0"/>
+                                  </p:stCondLst>
+                                  <p:childTnLst>
+                                    <p:set>
+                                      <p:cBhvr>
+                                        <p:cTn id="18" dur="1" fill="hold">
+                                          <p:stCondLst>
+                                            <p:cond delay="0"/>
+                                          </p:stCondLst>
+                                        </p:cTn>
+                                        <p:tgtEl>
+                                          <p:spTgt spid="3">
+                                            <p:txEl>
+                                              <p:pRg st="3" end="3"/>
+                                            </p:txEl>
+                                          </p:spTgt>
+                                        </p:tgtEl>
+                                        <p:attrNameLst>
+                                          <p:attrName>style.visibility</p:attrName>
+                                        </p:attrNameLst>
+                                      </p:cBhvr>
+                                      <p:to>
+                                        <p:strVal val="visible"/>
+                                      </p:to>
+                                    </p:set>
+                                  </p:childTnLst>
+                                </p:cTn>
+                              </p:par>
+                            </p:childTnLst>
+                          </p:cTn>
+                        </p:par>
+                      </p:childTnLst>
+                    </p:cTn>
+                  </p:par>
+                </p:childTnLst>
+              </p:cTn>
+              <p:prevCondLst>
+                <p:cond evt="onPrev" delay="0">
+                  <p:tgtEl>
+                    <p:sldTgt/>
+                  </p:tgtEl>
+                </p:cond>
+              </p:prevCondLst>
+              <p:nextCondLst>
+                <p:cond evt="onNext" delay="0">
+                  <p:tgtEl>
+                    <p:sldTgt/>
+                  </p:tgtEl>
+                </p:cond>
+              </p:nextCondLst>
+            </p:seq>
+          </p:childTnLst>
+        </p:cTn>
       </p:par>
     </p:tnLst>
   </p:timing>
@@ -12769,13 +14614,3006 @@
       </p:transition>
     </mc:Fallback>
   </mc:AlternateContent>
-  <p:timing>
-    <p:tnLst>
-      <p:par>
-        <p:cTn id="1" dur="indefinite" restart="never" nodeType="tmRoot"/>
-      </p:par>
-    </p:tnLst>
-  </p:timing>
+  <mc:AlternateContent xmlns:mc="http://schemas.openxmlformats.org/markup-compatibility/2006">
+    <mc:Choice xmlns:p14="http://schemas.microsoft.com/office/powerpoint/2010/main" Requires="p14">
+      <p:timing>
+        <p:tnLst>
+          <p:par>
+            <p:cTn id="1" dur="indefinite" restart="never" nodeType="tmRoot">
+              <p:childTnLst>
+                <p:seq concurrent="1" nextAc="seek">
+                  <p:cTn id="2" dur="indefinite" nodeType="mainSeq">
+                    <p:childTnLst>
+                      <p:par>
+                        <p:cTn id="3" fill="hold">
+                          <p:stCondLst>
+                            <p:cond delay="indefinite"/>
+                            <p:cond evt="onBegin" delay="0">
+                              <p:tn val="2"/>
+                            </p:cond>
+                          </p:stCondLst>
+                          <p:childTnLst>
+                            <p:par>
+                              <p:cTn id="4" fill="hold">
+                                <p:stCondLst>
+                                  <p:cond delay="0"/>
+                                </p:stCondLst>
+                                <p:childTnLst>
+                                  <p:par>
+                                    <p:cTn id="5" presetID="2" presetClass="entr" presetSubtype="8" fill="hold" grpId="0" nodeType="withEffect" p14:presetBounceEnd="50000">
+                                      <p:stCondLst>
+                                        <p:cond delay="0"/>
+                                      </p:stCondLst>
+                                      <p:childTnLst>
+                                        <p:set>
+                                          <p:cBhvr>
+                                            <p:cTn id="6" dur="1" fill="hold">
+                                              <p:stCondLst>
+                                                <p:cond delay="0"/>
+                                              </p:stCondLst>
+                                            </p:cTn>
+                                            <p:tgtEl>
+                                              <p:spTgt spid="3">
+                                                <p:bg/>
+                                              </p:spTgt>
+                                            </p:tgtEl>
+                                            <p:attrNameLst>
+                                              <p:attrName>style.visibility</p:attrName>
+                                            </p:attrNameLst>
+                                          </p:cBhvr>
+                                          <p:to>
+                                            <p:strVal val="visible"/>
+                                          </p:to>
+                                        </p:set>
+                                        <p:anim calcmode="lin" valueType="num" p14:bounceEnd="50000">
+                                          <p:cBhvr additive="base">
+                                            <p:cTn id="7" dur="500" fill="hold"/>
+                                            <p:tgtEl>
+                                              <p:spTgt spid="3">
+                                                <p:bg/>
+                                              </p:spTgt>
+                                            </p:tgtEl>
+                                            <p:attrNameLst>
+                                              <p:attrName>ppt_x</p:attrName>
+                                            </p:attrNameLst>
+                                          </p:cBhvr>
+                                          <p:tavLst>
+                                            <p:tav tm="0">
+                                              <p:val>
+                                                <p:strVal val="0-#ppt_w/2"/>
+                                              </p:val>
+                                            </p:tav>
+                                            <p:tav tm="100000">
+                                              <p:val>
+                                                <p:strVal val="#ppt_x"/>
+                                              </p:val>
+                                            </p:tav>
+                                          </p:tavLst>
+                                        </p:anim>
+                                        <p:anim calcmode="lin" valueType="num" p14:bounceEnd="50000">
+                                          <p:cBhvr additive="base">
+                                            <p:cTn id="8" dur="500" fill="hold"/>
+                                            <p:tgtEl>
+                                              <p:spTgt spid="3">
+                                                <p:bg/>
+                                              </p:spTgt>
+                                            </p:tgtEl>
+                                            <p:attrNameLst>
+                                              <p:attrName>ppt_y</p:attrName>
+                                            </p:attrNameLst>
+                                          </p:cBhvr>
+                                          <p:tavLst>
+                                            <p:tav tm="0">
+                                              <p:val>
+                                                <p:strVal val="#ppt_y"/>
+                                              </p:val>
+                                            </p:tav>
+                                            <p:tav tm="100000">
+                                              <p:val>
+                                                <p:strVal val="#ppt_y"/>
+                                              </p:val>
+                                            </p:tav>
+                                          </p:tavLst>
+                                        </p:anim>
+                                      </p:childTnLst>
+                                    </p:cTn>
+                                  </p:par>
+                                  <p:par>
+                                    <p:cTn id="9" presetID="2" presetClass="entr" presetSubtype="8" fill="hold" grpId="0" nodeType="withEffect" p14:presetBounceEnd="50000">
+                                      <p:stCondLst>
+                                        <p:cond delay="0"/>
+                                      </p:stCondLst>
+                                      <p:childTnLst>
+                                        <p:set>
+                                          <p:cBhvr>
+                                            <p:cTn id="10" dur="1" fill="hold">
+                                              <p:stCondLst>
+                                                <p:cond delay="0"/>
+                                              </p:stCondLst>
+                                            </p:cTn>
+                                            <p:tgtEl>
+                                              <p:spTgt spid="3">
+                                                <p:txEl>
+                                                  <p:pRg st="0" end="0"/>
+                                                </p:txEl>
+                                              </p:spTgt>
+                                            </p:tgtEl>
+                                            <p:attrNameLst>
+                                              <p:attrName>style.visibility</p:attrName>
+                                            </p:attrNameLst>
+                                          </p:cBhvr>
+                                          <p:to>
+                                            <p:strVal val="visible"/>
+                                          </p:to>
+                                        </p:set>
+                                        <p:anim calcmode="lin" valueType="num" p14:bounceEnd="50000">
+                                          <p:cBhvr additive="base">
+                                            <p:cTn id="11" dur="500" fill="hold"/>
+                                            <p:tgtEl>
+                                              <p:spTgt spid="3">
+                                                <p:txEl>
+                                                  <p:pRg st="0" end="0"/>
+                                                </p:txEl>
+                                              </p:spTgt>
+                                            </p:tgtEl>
+                                            <p:attrNameLst>
+                                              <p:attrName>ppt_x</p:attrName>
+                                            </p:attrNameLst>
+                                          </p:cBhvr>
+                                          <p:tavLst>
+                                            <p:tav tm="0">
+                                              <p:val>
+                                                <p:strVal val="0-#ppt_w/2"/>
+                                              </p:val>
+                                            </p:tav>
+                                            <p:tav tm="100000">
+                                              <p:val>
+                                                <p:strVal val="#ppt_x"/>
+                                              </p:val>
+                                            </p:tav>
+                                          </p:tavLst>
+                                        </p:anim>
+                                        <p:anim calcmode="lin" valueType="num" p14:bounceEnd="50000">
+                                          <p:cBhvr additive="base">
+                                            <p:cTn id="12" dur="500" fill="hold"/>
+                                            <p:tgtEl>
+                                              <p:spTgt spid="3">
+                                                <p:txEl>
+                                                  <p:pRg st="0" end="0"/>
+                                                </p:txEl>
+                                              </p:spTgt>
+                                            </p:tgtEl>
+                                            <p:attrNameLst>
+                                              <p:attrName>ppt_y</p:attrName>
+                                            </p:attrNameLst>
+                                          </p:cBhvr>
+                                          <p:tavLst>
+                                            <p:tav tm="0">
+                                              <p:val>
+                                                <p:strVal val="#ppt_y"/>
+                                              </p:val>
+                                            </p:tav>
+                                            <p:tav tm="100000">
+                                              <p:val>
+                                                <p:strVal val="#ppt_y"/>
+                                              </p:val>
+                                            </p:tav>
+                                          </p:tavLst>
+                                        </p:anim>
+                                      </p:childTnLst>
+                                    </p:cTn>
+                                  </p:par>
+                                  <p:par>
+                                    <p:cTn id="13" presetID="2" presetClass="entr" presetSubtype="8" fill="hold" grpId="0" nodeType="withEffect" p14:presetBounceEnd="50000">
+                                      <p:stCondLst>
+                                        <p:cond delay="0"/>
+                                      </p:stCondLst>
+                                      <p:childTnLst>
+                                        <p:set>
+                                          <p:cBhvr>
+                                            <p:cTn id="14" dur="1" fill="hold">
+                                              <p:stCondLst>
+                                                <p:cond delay="0"/>
+                                              </p:stCondLst>
+                                            </p:cTn>
+                                            <p:tgtEl>
+                                              <p:spTgt spid="3">
+                                                <p:txEl>
+                                                  <p:pRg st="1" end="1"/>
+                                                </p:txEl>
+                                              </p:spTgt>
+                                            </p:tgtEl>
+                                            <p:attrNameLst>
+                                              <p:attrName>style.visibility</p:attrName>
+                                            </p:attrNameLst>
+                                          </p:cBhvr>
+                                          <p:to>
+                                            <p:strVal val="visible"/>
+                                          </p:to>
+                                        </p:set>
+                                        <p:anim calcmode="lin" valueType="num" p14:bounceEnd="50000">
+                                          <p:cBhvr additive="base">
+                                            <p:cTn id="15" dur="500" fill="hold"/>
+                                            <p:tgtEl>
+                                              <p:spTgt spid="3">
+                                                <p:txEl>
+                                                  <p:pRg st="1" end="1"/>
+                                                </p:txEl>
+                                              </p:spTgt>
+                                            </p:tgtEl>
+                                            <p:attrNameLst>
+                                              <p:attrName>ppt_x</p:attrName>
+                                            </p:attrNameLst>
+                                          </p:cBhvr>
+                                          <p:tavLst>
+                                            <p:tav tm="0">
+                                              <p:val>
+                                                <p:strVal val="0-#ppt_w/2"/>
+                                              </p:val>
+                                            </p:tav>
+                                            <p:tav tm="100000">
+                                              <p:val>
+                                                <p:strVal val="#ppt_x"/>
+                                              </p:val>
+                                            </p:tav>
+                                          </p:tavLst>
+                                        </p:anim>
+                                        <p:anim calcmode="lin" valueType="num" p14:bounceEnd="50000">
+                                          <p:cBhvr additive="base">
+                                            <p:cTn id="16" dur="500" fill="hold"/>
+                                            <p:tgtEl>
+                                              <p:spTgt spid="3">
+                                                <p:txEl>
+                                                  <p:pRg st="1" end="1"/>
+                                                </p:txEl>
+                                              </p:spTgt>
+                                            </p:tgtEl>
+                                            <p:attrNameLst>
+                                              <p:attrName>ppt_y</p:attrName>
+                                            </p:attrNameLst>
+                                          </p:cBhvr>
+                                          <p:tavLst>
+                                            <p:tav tm="0">
+                                              <p:val>
+                                                <p:strVal val="#ppt_y"/>
+                                              </p:val>
+                                            </p:tav>
+                                            <p:tav tm="100000">
+                                              <p:val>
+                                                <p:strVal val="#ppt_y"/>
+                                              </p:val>
+                                            </p:tav>
+                                          </p:tavLst>
+                                        </p:anim>
+                                      </p:childTnLst>
+                                    </p:cTn>
+                                  </p:par>
+                                  <p:par>
+                                    <p:cTn id="17" presetID="2" presetClass="entr" presetSubtype="8" fill="hold" grpId="0" nodeType="withEffect" p14:presetBounceEnd="50000">
+                                      <p:stCondLst>
+                                        <p:cond delay="0"/>
+                                      </p:stCondLst>
+                                      <p:childTnLst>
+                                        <p:set>
+                                          <p:cBhvr>
+                                            <p:cTn id="18" dur="1" fill="hold">
+                                              <p:stCondLst>
+                                                <p:cond delay="0"/>
+                                              </p:stCondLst>
+                                            </p:cTn>
+                                            <p:tgtEl>
+                                              <p:spTgt spid="3">
+                                                <p:txEl>
+                                                  <p:pRg st="2" end="2"/>
+                                                </p:txEl>
+                                              </p:spTgt>
+                                            </p:tgtEl>
+                                            <p:attrNameLst>
+                                              <p:attrName>style.visibility</p:attrName>
+                                            </p:attrNameLst>
+                                          </p:cBhvr>
+                                          <p:to>
+                                            <p:strVal val="visible"/>
+                                          </p:to>
+                                        </p:set>
+                                        <p:anim calcmode="lin" valueType="num" p14:bounceEnd="50000">
+                                          <p:cBhvr additive="base">
+                                            <p:cTn id="19" dur="500" fill="hold"/>
+                                            <p:tgtEl>
+                                              <p:spTgt spid="3">
+                                                <p:txEl>
+                                                  <p:pRg st="2" end="2"/>
+                                                </p:txEl>
+                                              </p:spTgt>
+                                            </p:tgtEl>
+                                            <p:attrNameLst>
+                                              <p:attrName>ppt_x</p:attrName>
+                                            </p:attrNameLst>
+                                          </p:cBhvr>
+                                          <p:tavLst>
+                                            <p:tav tm="0">
+                                              <p:val>
+                                                <p:strVal val="0-#ppt_w/2"/>
+                                              </p:val>
+                                            </p:tav>
+                                            <p:tav tm="100000">
+                                              <p:val>
+                                                <p:strVal val="#ppt_x"/>
+                                              </p:val>
+                                            </p:tav>
+                                          </p:tavLst>
+                                        </p:anim>
+                                        <p:anim calcmode="lin" valueType="num" p14:bounceEnd="50000">
+                                          <p:cBhvr additive="base">
+                                            <p:cTn id="20" dur="500" fill="hold"/>
+                                            <p:tgtEl>
+                                              <p:spTgt spid="3">
+                                                <p:txEl>
+                                                  <p:pRg st="2" end="2"/>
+                                                </p:txEl>
+                                              </p:spTgt>
+                                            </p:tgtEl>
+                                            <p:attrNameLst>
+                                              <p:attrName>ppt_y</p:attrName>
+                                            </p:attrNameLst>
+                                          </p:cBhvr>
+                                          <p:tavLst>
+                                            <p:tav tm="0">
+                                              <p:val>
+                                                <p:strVal val="#ppt_y"/>
+                                              </p:val>
+                                            </p:tav>
+                                            <p:tav tm="100000">
+                                              <p:val>
+                                                <p:strVal val="#ppt_y"/>
+                                              </p:val>
+                                            </p:tav>
+                                          </p:tavLst>
+                                        </p:anim>
+                                      </p:childTnLst>
+                                    </p:cTn>
+                                  </p:par>
+                                  <p:par>
+                                    <p:cTn id="21" presetID="2" presetClass="entr" presetSubtype="8" fill="hold" grpId="0" nodeType="withEffect" p14:presetBounceEnd="50000">
+                                      <p:stCondLst>
+                                        <p:cond delay="0"/>
+                                      </p:stCondLst>
+                                      <p:childTnLst>
+                                        <p:set>
+                                          <p:cBhvr>
+                                            <p:cTn id="22" dur="1" fill="hold">
+                                              <p:stCondLst>
+                                                <p:cond delay="0"/>
+                                              </p:stCondLst>
+                                            </p:cTn>
+                                            <p:tgtEl>
+                                              <p:spTgt spid="3">
+                                                <p:txEl>
+                                                  <p:pRg st="3" end="3"/>
+                                                </p:txEl>
+                                              </p:spTgt>
+                                            </p:tgtEl>
+                                            <p:attrNameLst>
+                                              <p:attrName>style.visibility</p:attrName>
+                                            </p:attrNameLst>
+                                          </p:cBhvr>
+                                          <p:to>
+                                            <p:strVal val="visible"/>
+                                          </p:to>
+                                        </p:set>
+                                        <p:anim calcmode="lin" valueType="num" p14:bounceEnd="50000">
+                                          <p:cBhvr additive="base">
+                                            <p:cTn id="23" dur="500" fill="hold"/>
+                                            <p:tgtEl>
+                                              <p:spTgt spid="3">
+                                                <p:txEl>
+                                                  <p:pRg st="3" end="3"/>
+                                                </p:txEl>
+                                              </p:spTgt>
+                                            </p:tgtEl>
+                                            <p:attrNameLst>
+                                              <p:attrName>ppt_x</p:attrName>
+                                            </p:attrNameLst>
+                                          </p:cBhvr>
+                                          <p:tavLst>
+                                            <p:tav tm="0">
+                                              <p:val>
+                                                <p:strVal val="0-#ppt_w/2"/>
+                                              </p:val>
+                                            </p:tav>
+                                            <p:tav tm="100000">
+                                              <p:val>
+                                                <p:strVal val="#ppt_x"/>
+                                              </p:val>
+                                            </p:tav>
+                                          </p:tavLst>
+                                        </p:anim>
+                                        <p:anim calcmode="lin" valueType="num" p14:bounceEnd="50000">
+                                          <p:cBhvr additive="base">
+                                            <p:cTn id="24" dur="500" fill="hold"/>
+                                            <p:tgtEl>
+                                              <p:spTgt spid="3">
+                                                <p:txEl>
+                                                  <p:pRg st="3" end="3"/>
+                                                </p:txEl>
+                                              </p:spTgt>
+                                            </p:tgtEl>
+                                            <p:attrNameLst>
+                                              <p:attrName>ppt_y</p:attrName>
+                                            </p:attrNameLst>
+                                          </p:cBhvr>
+                                          <p:tavLst>
+                                            <p:tav tm="0">
+                                              <p:val>
+                                                <p:strVal val="#ppt_y"/>
+                                              </p:val>
+                                            </p:tav>
+                                            <p:tav tm="100000">
+                                              <p:val>
+                                                <p:strVal val="#ppt_y"/>
+                                              </p:val>
+                                            </p:tav>
+                                          </p:tavLst>
+                                        </p:anim>
+                                      </p:childTnLst>
+                                    </p:cTn>
+                                  </p:par>
+                                  <p:par>
+                                    <p:cTn id="25" presetID="2" presetClass="entr" presetSubtype="8" fill="hold" grpId="0" nodeType="withEffect" p14:presetBounceEnd="50000">
+                                      <p:stCondLst>
+                                        <p:cond delay="0"/>
+                                      </p:stCondLst>
+                                      <p:childTnLst>
+                                        <p:set>
+                                          <p:cBhvr>
+                                            <p:cTn id="26" dur="1" fill="hold">
+                                              <p:stCondLst>
+                                                <p:cond delay="0"/>
+                                              </p:stCondLst>
+                                            </p:cTn>
+                                            <p:tgtEl>
+                                              <p:spTgt spid="3">
+                                                <p:txEl>
+                                                  <p:pRg st="4" end="4"/>
+                                                </p:txEl>
+                                              </p:spTgt>
+                                            </p:tgtEl>
+                                            <p:attrNameLst>
+                                              <p:attrName>style.visibility</p:attrName>
+                                            </p:attrNameLst>
+                                          </p:cBhvr>
+                                          <p:to>
+                                            <p:strVal val="visible"/>
+                                          </p:to>
+                                        </p:set>
+                                        <p:anim calcmode="lin" valueType="num" p14:bounceEnd="50000">
+                                          <p:cBhvr additive="base">
+                                            <p:cTn id="27" dur="500" fill="hold"/>
+                                            <p:tgtEl>
+                                              <p:spTgt spid="3">
+                                                <p:txEl>
+                                                  <p:pRg st="4" end="4"/>
+                                                </p:txEl>
+                                              </p:spTgt>
+                                            </p:tgtEl>
+                                            <p:attrNameLst>
+                                              <p:attrName>ppt_x</p:attrName>
+                                            </p:attrNameLst>
+                                          </p:cBhvr>
+                                          <p:tavLst>
+                                            <p:tav tm="0">
+                                              <p:val>
+                                                <p:strVal val="0-#ppt_w/2"/>
+                                              </p:val>
+                                            </p:tav>
+                                            <p:tav tm="100000">
+                                              <p:val>
+                                                <p:strVal val="#ppt_x"/>
+                                              </p:val>
+                                            </p:tav>
+                                          </p:tavLst>
+                                        </p:anim>
+                                        <p:anim calcmode="lin" valueType="num" p14:bounceEnd="50000">
+                                          <p:cBhvr additive="base">
+                                            <p:cTn id="28" dur="500" fill="hold"/>
+                                            <p:tgtEl>
+                                              <p:spTgt spid="3">
+                                                <p:txEl>
+                                                  <p:pRg st="4" end="4"/>
+                                                </p:txEl>
+                                              </p:spTgt>
+                                            </p:tgtEl>
+                                            <p:attrNameLst>
+                                              <p:attrName>ppt_y</p:attrName>
+                                            </p:attrNameLst>
+                                          </p:cBhvr>
+                                          <p:tavLst>
+                                            <p:tav tm="0">
+                                              <p:val>
+                                                <p:strVal val="#ppt_y"/>
+                                              </p:val>
+                                            </p:tav>
+                                            <p:tav tm="100000">
+                                              <p:val>
+                                                <p:strVal val="#ppt_y"/>
+                                              </p:val>
+                                            </p:tav>
+                                          </p:tavLst>
+                                        </p:anim>
+                                      </p:childTnLst>
+                                    </p:cTn>
+                                  </p:par>
+                                  <p:par>
+                                    <p:cTn id="29" presetID="2" presetClass="entr" presetSubtype="8" fill="hold" grpId="0" nodeType="withEffect" p14:presetBounceEnd="50000">
+                                      <p:stCondLst>
+                                        <p:cond delay="0"/>
+                                      </p:stCondLst>
+                                      <p:childTnLst>
+                                        <p:set>
+                                          <p:cBhvr>
+                                            <p:cTn id="30" dur="1" fill="hold">
+                                              <p:stCondLst>
+                                                <p:cond delay="0"/>
+                                              </p:stCondLst>
+                                            </p:cTn>
+                                            <p:tgtEl>
+                                              <p:spTgt spid="3">
+                                                <p:txEl>
+                                                  <p:pRg st="6" end="6"/>
+                                                </p:txEl>
+                                              </p:spTgt>
+                                            </p:tgtEl>
+                                            <p:attrNameLst>
+                                              <p:attrName>style.visibility</p:attrName>
+                                            </p:attrNameLst>
+                                          </p:cBhvr>
+                                          <p:to>
+                                            <p:strVal val="visible"/>
+                                          </p:to>
+                                        </p:set>
+                                        <p:anim calcmode="lin" valueType="num" p14:bounceEnd="50000">
+                                          <p:cBhvr additive="base">
+                                            <p:cTn id="31" dur="500" fill="hold"/>
+                                            <p:tgtEl>
+                                              <p:spTgt spid="3">
+                                                <p:txEl>
+                                                  <p:pRg st="6" end="6"/>
+                                                </p:txEl>
+                                              </p:spTgt>
+                                            </p:tgtEl>
+                                            <p:attrNameLst>
+                                              <p:attrName>ppt_x</p:attrName>
+                                            </p:attrNameLst>
+                                          </p:cBhvr>
+                                          <p:tavLst>
+                                            <p:tav tm="0">
+                                              <p:val>
+                                                <p:strVal val="0-#ppt_w/2"/>
+                                              </p:val>
+                                            </p:tav>
+                                            <p:tav tm="100000">
+                                              <p:val>
+                                                <p:strVal val="#ppt_x"/>
+                                              </p:val>
+                                            </p:tav>
+                                          </p:tavLst>
+                                        </p:anim>
+                                        <p:anim calcmode="lin" valueType="num" p14:bounceEnd="50000">
+                                          <p:cBhvr additive="base">
+                                            <p:cTn id="32" dur="500" fill="hold"/>
+                                            <p:tgtEl>
+                                              <p:spTgt spid="3">
+                                                <p:txEl>
+                                                  <p:pRg st="6" end="6"/>
+                                                </p:txEl>
+                                              </p:spTgt>
+                                            </p:tgtEl>
+                                            <p:attrNameLst>
+                                              <p:attrName>ppt_y</p:attrName>
+                                            </p:attrNameLst>
+                                          </p:cBhvr>
+                                          <p:tavLst>
+                                            <p:tav tm="0">
+                                              <p:val>
+                                                <p:strVal val="#ppt_y"/>
+                                              </p:val>
+                                            </p:tav>
+                                            <p:tav tm="100000">
+                                              <p:val>
+                                                <p:strVal val="#ppt_y"/>
+                                              </p:val>
+                                            </p:tav>
+                                          </p:tavLst>
+                                        </p:anim>
+                                      </p:childTnLst>
+                                    </p:cTn>
+                                  </p:par>
+                                </p:childTnLst>
+                              </p:cTn>
+                            </p:par>
+                            <p:par>
+                              <p:cTn id="33" fill="hold">
+                                <p:stCondLst>
+                                  <p:cond delay="500"/>
+                                </p:stCondLst>
+                                <p:childTnLst>
+                                  <p:par>
+                                    <p:cTn id="34" presetID="2" presetClass="entr" presetSubtype="2" fill="hold" grpId="0" nodeType="afterEffect" p14:presetBounceEnd="50000">
+                                      <p:stCondLst>
+                                        <p:cond delay="0"/>
+                                      </p:stCondLst>
+                                      <p:childTnLst>
+                                        <p:set>
+                                          <p:cBhvr>
+                                            <p:cTn id="35" dur="1" fill="hold">
+                                              <p:stCondLst>
+                                                <p:cond delay="0"/>
+                                              </p:stCondLst>
+                                            </p:cTn>
+                                            <p:tgtEl>
+                                              <p:spTgt spid="6">
+                                                <p:bg/>
+                                              </p:spTgt>
+                                            </p:tgtEl>
+                                            <p:attrNameLst>
+                                              <p:attrName>style.visibility</p:attrName>
+                                            </p:attrNameLst>
+                                          </p:cBhvr>
+                                          <p:to>
+                                            <p:strVal val="visible"/>
+                                          </p:to>
+                                        </p:set>
+                                        <p:anim calcmode="lin" valueType="num" p14:bounceEnd="50000">
+                                          <p:cBhvr additive="base">
+                                            <p:cTn id="36" dur="500" fill="hold"/>
+                                            <p:tgtEl>
+                                              <p:spTgt spid="6">
+                                                <p:bg/>
+                                              </p:spTgt>
+                                            </p:tgtEl>
+                                            <p:attrNameLst>
+                                              <p:attrName>ppt_x</p:attrName>
+                                            </p:attrNameLst>
+                                          </p:cBhvr>
+                                          <p:tavLst>
+                                            <p:tav tm="0">
+                                              <p:val>
+                                                <p:strVal val="1+#ppt_w/2"/>
+                                              </p:val>
+                                            </p:tav>
+                                            <p:tav tm="100000">
+                                              <p:val>
+                                                <p:strVal val="#ppt_x"/>
+                                              </p:val>
+                                            </p:tav>
+                                          </p:tavLst>
+                                        </p:anim>
+                                        <p:anim calcmode="lin" valueType="num" p14:bounceEnd="50000">
+                                          <p:cBhvr additive="base">
+                                            <p:cTn id="37" dur="500" fill="hold"/>
+                                            <p:tgtEl>
+                                              <p:spTgt spid="6">
+                                                <p:bg/>
+                                              </p:spTgt>
+                                            </p:tgtEl>
+                                            <p:attrNameLst>
+                                              <p:attrName>ppt_y</p:attrName>
+                                            </p:attrNameLst>
+                                          </p:cBhvr>
+                                          <p:tavLst>
+                                            <p:tav tm="0">
+                                              <p:val>
+                                                <p:strVal val="#ppt_y"/>
+                                              </p:val>
+                                            </p:tav>
+                                            <p:tav tm="100000">
+                                              <p:val>
+                                                <p:strVal val="#ppt_y"/>
+                                              </p:val>
+                                            </p:tav>
+                                          </p:tavLst>
+                                        </p:anim>
+                                      </p:childTnLst>
+                                    </p:cTn>
+                                  </p:par>
+                                  <p:par>
+                                    <p:cTn id="38" presetID="2" presetClass="entr" presetSubtype="2" fill="hold" grpId="0" nodeType="withEffect" p14:presetBounceEnd="50000">
+                                      <p:stCondLst>
+                                        <p:cond delay="0"/>
+                                      </p:stCondLst>
+                                      <p:childTnLst>
+                                        <p:set>
+                                          <p:cBhvr>
+                                            <p:cTn id="39" dur="1" fill="hold">
+                                              <p:stCondLst>
+                                                <p:cond delay="0"/>
+                                              </p:stCondLst>
+                                            </p:cTn>
+                                            <p:tgtEl>
+                                              <p:spTgt spid="6">
+                                                <p:txEl>
+                                                  <p:pRg st="0" end="0"/>
+                                                </p:txEl>
+                                              </p:spTgt>
+                                            </p:tgtEl>
+                                            <p:attrNameLst>
+                                              <p:attrName>style.visibility</p:attrName>
+                                            </p:attrNameLst>
+                                          </p:cBhvr>
+                                          <p:to>
+                                            <p:strVal val="visible"/>
+                                          </p:to>
+                                        </p:set>
+                                        <p:anim calcmode="lin" valueType="num" p14:bounceEnd="50000">
+                                          <p:cBhvr additive="base">
+                                            <p:cTn id="40" dur="500" fill="hold"/>
+                                            <p:tgtEl>
+                                              <p:spTgt spid="6">
+                                                <p:txEl>
+                                                  <p:pRg st="0" end="0"/>
+                                                </p:txEl>
+                                              </p:spTgt>
+                                            </p:tgtEl>
+                                            <p:attrNameLst>
+                                              <p:attrName>ppt_x</p:attrName>
+                                            </p:attrNameLst>
+                                          </p:cBhvr>
+                                          <p:tavLst>
+                                            <p:tav tm="0">
+                                              <p:val>
+                                                <p:strVal val="1+#ppt_w/2"/>
+                                              </p:val>
+                                            </p:tav>
+                                            <p:tav tm="100000">
+                                              <p:val>
+                                                <p:strVal val="#ppt_x"/>
+                                              </p:val>
+                                            </p:tav>
+                                          </p:tavLst>
+                                        </p:anim>
+                                        <p:anim calcmode="lin" valueType="num" p14:bounceEnd="50000">
+                                          <p:cBhvr additive="base">
+                                            <p:cTn id="41" dur="500" fill="hold"/>
+                                            <p:tgtEl>
+                                              <p:spTgt spid="6">
+                                                <p:txEl>
+                                                  <p:pRg st="0" end="0"/>
+                                                </p:txEl>
+                                              </p:spTgt>
+                                            </p:tgtEl>
+                                            <p:attrNameLst>
+                                              <p:attrName>ppt_y</p:attrName>
+                                            </p:attrNameLst>
+                                          </p:cBhvr>
+                                          <p:tavLst>
+                                            <p:tav tm="0">
+                                              <p:val>
+                                                <p:strVal val="#ppt_y"/>
+                                              </p:val>
+                                            </p:tav>
+                                            <p:tav tm="100000">
+                                              <p:val>
+                                                <p:strVal val="#ppt_y"/>
+                                              </p:val>
+                                            </p:tav>
+                                          </p:tavLst>
+                                        </p:anim>
+                                      </p:childTnLst>
+                                    </p:cTn>
+                                  </p:par>
+                                  <p:par>
+                                    <p:cTn id="42" presetID="2" presetClass="entr" presetSubtype="2" fill="hold" grpId="0" nodeType="withEffect" p14:presetBounceEnd="50000">
+                                      <p:stCondLst>
+                                        <p:cond delay="0"/>
+                                      </p:stCondLst>
+                                      <p:childTnLst>
+                                        <p:set>
+                                          <p:cBhvr>
+                                            <p:cTn id="43" dur="1" fill="hold">
+                                              <p:stCondLst>
+                                                <p:cond delay="0"/>
+                                              </p:stCondLst>
+                                            </p:cTn>
+                                            <p:tgtEl>
+                                              <p:spTgt spid="6">
+                                                <p:txEl>
+                                                  <p:pRg st="1" end="1"/>
+                                                </p:txEl>
+                                              </p:spTgt>
+                                            </p:tgtEl>
+                                            <p:attrNameLst>
+                                              <p:attrName>style.visibility</p:attrName>
+                                            </p:attrNameLst>
+                                          </p:cBhvr>
+                                          <p:to>
+                                            <p:strVal val="visible"/>
+                                          </p:to>
+                                        </p:set>
+                                        <p:anim calcmode="lin" valueType="num" p14:bounceEnd="50000">
+                                          <p:cBhvr additive="base">
+                                            <p:cTn id="44" dur="500" fill="hold"/>
+                                            <p:tgtEl>
+                                              <p:spTgt spid="6">
+                                                <p:txEl>
+                                                  <p:pRg st="1" end="1"/>
+                                                </p:txEl>
+                                              </p:spTgt>
+                                            </p:tgtEl>
+                                            <p:attrNameLst>
+                                              <p:attrName>ppt_x</p:attrName>
+                                            </p:attrNameLst>
+                                          </p:cBhvr>
+                                          <p:tavLst>
+                                            <p:tav tm="0">
+                                              <p:val>
+                                                <p:strVal val="1+#ppt_w/2"/>
+                                              </p:val>
+                                            </p:tav>
+                                            <p:tav tm="100000">
+                                              <p:val>
+                                                <p:strVal val="#ppt_x"/>
+                                              </p:val>
+                                            </p:tav>
+                                          </p:tavLst>
+                                        </p:anim>
+                                        <p:anim calcmode="lin" valueType="num" p14:bounceEnd="50000">
+                                          <p:cBhvr additive="base">
+                                            <p:cTn id="45" dur="500" fill="hold"/>
+                                            <p:tgtEl>
+                                              <p:spTgt spid="6">
+                                                <p:txEl>
+                                                  <p:pRg st="1" end="1"/>
+                                                </p:txEl>
+                                              </p:spTgt>
+                                            </p:tgtEl>
+                                            <p:attrNameLst>
+                                              <p:attrName>ppt_y</p:attrName>
+                                            </p:attrNameLst>
+                                          </p:cBhvr>
+                                          <p:tavLst>
+                                            <p:tav tm="0">
+                                              <p:val>
+                                                <p:strVal val="#ppt_y"/>
+                                              </p:val>
+                                            </p:tav>
+                                            <p:tav tm="100000">
+                                              <p:val>
+                                                <p:strVal val="#ppt_y"/>
+                                              </p:val>
+                                            </p:tav>
+                                          </p:tavLst>
+                                        </p:anim>
+                                      </p:childTnLst>
+                                    </p:cTn>
+                                  </p:par>
+                                  <p:par>
+                                    <p:cTn id="46" presetID="2" presetClass="entr" presetSubtype="2" fill="hold" grpId="0" nodeType="withEffect" p14:presetBounceEnd="50000">
+                                      <p:stCondLst>
+                                        <p:cond delay="0"/>
+                                      </p:stCondLst>
+                                      <p:childTnLst>
+                                        <p:set>
+                                          <p:cBhvr>
+                                            <p:cTn id="47" dur="1" fill="hold">
+                                              <p:stCondLst>
+                                                <p:cond delay="0"/>
+                                              </p:stCondLst>
+                                            </p:cTn>
+                                            <p:tgtEl>
+                                              <p:spTgt spid="6">
+                                                <p:txEl>
+                                                  <p:pRg st="2" end="2"/>
+                                                </p:txEl>
+                                              </p:spTgt>
+                                            </p:tgtEl>
+                                            <p:attrNameLst>
+                                              <p:attrName>style.visibility</p:attrName>
+                                            </p:attrNameLst>
+                                          </p:cBhvr>
+                                          <p:to>
+                                            <p:strVal val="visible"/>
+                                          </p:to>
+                                        </p:set>
+                                        <p:anim calcmode="lin" valueType="num" p14:bounceEnd="50000">
+                                          <p:cBhvr additive="base">
+                                            <p:cTn id="48" dur="500" fill="hold"/>
+                                            <p:tgtEl>
+                                              <p:spTgt spid="6">
+                                                <p:txEl>
+                                                  <p:pRg st="2" end="2"/>
+                                                </p:txEl>
+                                              </p:spTgt>
+                                            </p:tgtEl>
+                                            <p:attrNameLst>
+                                              <p:attrName>ppt_x</p:attrName>
+                                            </p:attrNameLst>
+                                          </p:cBhvr>
+                                          <p:tavLst>
+                                            <p:tav tm="0">
+                                              <p:val>
+                                                <p:strVal val="1+#ppt_w/2"/>
+                                              </p:val>
+                                            </p:tav>
+                                            <p:tav tm="100000">
+                                              <p:val>
+                                                <p:strVal val="#ppt_x"/>
+                                              </p:val>
+                                            </p:tav>
+                                          </p:tavLst>
+                                        </p:anim>
+                                        <p:anim calcmode="lin" valueType="num" p14:bounceEnd="50000">
+                                          <p:cBhvr additive="base">
+                                            <p:cTn id="49" dur="500" fill="hold"/>
+                                            <p:tgtEl>
+                                              <p:spTgt spid="6">
+                                                <p:txEl>
+                                                  <p:pRg st="2" end="2"/>
+                                                </p:txEl>
+                                              </p:spTgt>
+                                            </p:tgtEl>
+                                            <p:attrNameLst>
+                                              <p:attrName>ppt_y</p:attrName>
+                                            </p:attrNameLst>
+                                          </p:cBhvr>
+                                          <p:tavLst>
+                                            <p:tav tm="0">
+                                              <p:val>
+                                                <p:strVal val="#ppt_y"/>
+                                              </p:val>
+                                            </p:tav>
+                                            <p:tav tm="100000">
+                                              <p:val>
+                                                <p:strVal val="#ppt_y"/>
+                                              </p:val>
+                                            </p:tav>
+                                          </p:tavLst>
+                                        </p:anim>
+                                      </p:childTnLst>
+                                    </p:cTn>
+                                  </p:par>
+                                  <p:par>
+                                    <p:cTn id="50" presetID="2" presetClass="entr" presetSubtype="2" fill="hold" grpId="0" nodeType="withEffect" p14:presetBounceEnd="50000">
+                                      <p:stCondLst>
+                                        <p:cond delay="0"/>
+                                      </p:stCondLst>
+                                      <p:childTnLst>
+                                        <p:set>
+                                          <p:cBhvr>
+                                            <p:cTn id="51" dur="1" fill="hold">
+                                              <p:stCondLst>
+                                                <p:cond delay="0"/>
+                                              </p:stCondLst>
+                                            </p:cTn>
+                                            <p:tgtEl>
+                                              <p:spTgt spid="6">
+                                                <p:txEl>
+                                                  <p:pRg st="3" end="3"/>
+                                                </p:txEl>
+                                              </p:spTgt>
+                                            </p:tgtEl>
+                                            <p:attrNameLst>
+                                              <p:attrName>style.visibility</p:attrName>
+                                            </p:attrNameLst>
+                                          </p:cBhvr>
+                                          <p:to>
+                                            <p:strVal val="visible"/>
+                                          </p:to>
+                                        </p:set>
+                                        <p:anim calcmode="lin" valueType="num" p14:bounceEnd="50000">
+                                          <p:cBhvr additive="base">
+                                            <p:cTn id="52" dur="500" fill="hold"/>
+                                            <p:tgtEl>
+                                              <p:spTgt spid="6">
+                                                <p:txEl>
+                                                  <p:pRg st="3" end="3"/>
+                                                </p:txEl>
+                                              </p:spTgt>
+                                            </p:tgtEl>
+                                            <p:attrNameLst>
+                                              <p:attrName>ppt_x</p:attrName>
+                                            </p:attrNameLst>
+                                          </p:cBhvr>
+                                          <p:tavLst>
+                                            <p:tav tm="0">
+                                              <p:val>
+                                                <p:strVal val="1+#ppt_w/2"/>
+                                              </p:val>
+                                            </p:tav>
+                                            <p:tav tm="100000">
+                                              <p:val>
+                                                <p:strVal val="#ppt_x"/>
+                                              </p:val>
+                                            </p:tav>
+                                          </p:tavLst>
+                                        </p:anim>
+                                        <p:anim calcmode="lin" valueType="num" p14:bounceEnd="50000">
+                                          <p:cBhvr additive="base">
+                                            <p:cTn id="53" dur="500" fill="hold"/>
+                                            <p:tgtEl>
+                                              <p:spTgt spid="6">
+                                                <p:txEl>
+                                                  <p:pRg st="3" end="3"/>
+                                                </p:txEl>
+                                              </p:spTgt>
+                                            </p:tgtEl>
+                                            <p:attrNameLst>
+                                              <p:attrName>ppt_y</p:attrName>
+                                            </p:attrNameLst>
+                                          </p:cBhvr>
+                                          <p:tavLst>
+                                            <p:tav tm="0">
+                                              <p:val>
+                                                <p:strVal val="#ppt_y"/>
+                                              </p:val>
+                                            </p:tav>
+                                            <p:tav tm="100000">
+                                              <p:val>
+                                                <p:strVal val="#ppt_y"/>
+                                              </p:val>
+                                            </p:tav>
+                                          </p:tavLst>
+                                        </p:anim>
+                                      </p:childTnLst>
+                                    </p:cTn>
+                                  </p:par>
+                                  <p:par>
+                                    <p:cTn id="54" presetID="2" presetClass="entr" presetSubtype="2" fill="hold" grpId="0" nodeType="withEffect" p14:presetBounceEnd="50000">
+                                      <p:stCondLst>
+                                        <p:cond delay="0"/>
+                                      </p:stCondLst>
+                                      <p:childTnLst>
+                                        <p:set>
+                                          <p:cBhvr>
+                                            <p:cTn id="55" dur="1" fill="hold">
+                                              <p:stCondLst>
+                                                <p:cond delay="0"/>
+                                              </p:stCondLst>
+                                            </p:cTn>
+                                            <p:tgtEl>
+                                              <p:spTgt spid="6">
+                                                <p:txEl>
+                                                  <p:pRg st="4" end="4"/>
+                                                </p:txEl>
+                                              </p:spTgt>
+                                            </p:tgtEl>
+                                            <p:attrNameLst>
+                                              <p:attrName>style.visibility</p:attrName>
+                                            </p:attrNameLst>
+                                          </p:cBhvr>
+                                          <p:to>
+                                            <p:strVal val="visible"/>
+                                          </p:to>
+                                        </p:set>
+                                        <p:anim calcmode="lin" valueType="num" p14:bounceEnd="50000">
+                                          <p:cBhvr additive="base">
+                                            <p:cTn id="56" dur="500" fill="hold"/>
+                                            <p:tgtEl>
+                                              <p:spTgt spid="6">
+                                                <p:txEl>
+                                                  <p:pRg st="4" end="4"/>
+                                                </p:txEl>
+                                              </p:spTgt>
+                                            </p:tgtEl>
+                                            <p:attrNameLst>
+                                              <p:attrName>ppt_x</p:attrName>
+                                            </p:attrNameLst>
+                                          </p:cBhvr>
+                                          <p:tavLst>
+                                            <p:tav tm="0">
+                                              <p:val>
+                                                <p:strVal val="1+#ppt_w/2"/>
+                                              </p:val>
+                                            </p:tav>
+                                            <p:tav tm="100000">
+                                              <p:val>
+                                                <p:strVal val="#ppt_x"/>
+                                              </p:val>
+                                            </p:tav>
+                                          </p:tavLst>
+                                        </p:anim>
+                                        <p:anim calcmode="lin" valueType="num" p14:bounceEnd="50000">
+                                          <p:cBhvr additive="base">
+                                            <p:cTn id="57" dur="500" fill="hold"/>
+                                            <p:tgtEl>
+                                              <p:spTgt spid="6">
+                                                <p:txEl>
+                                                  <p:pRg st="4" end="4"/>
+                                                </p:txEl>
+                                              </p:spTgt>
+                                            </p:tgtEl>
+                                            <p:attrNameLst>
+                                              <p:attrName>ppt_y</p:attrName>
+                                            </p:attrNameLst>
+                                          </p:cBhvr>
+                                          <p:tavLst>
+                                            <p:tav tm="0">
+                                              <p:val>
+                                                <p:strVal val="#ppt_y"/>
+                                              </p:val>
+                                            </p:tav>
+                                            <p:tav tm="100000">
+                                              <p:val>
+                                                <p:strVal val="#ppt_y"/>
+                                              </p:val>
+                                            </p:tav>
+                                          </p:tavLst>
+                                        </p:anim>
+                                      </p:childTnLst>
+                                    </p:cTn>
+                                  </p:par>
+                                  <p:par>
+                                    <p:cTn id="58" presetID="2" presetClass="entr" presetSubtype="2" fill="hold" grpId="0" nodeType="withEffect" p14:presetBounceEnd="50000">
+                                      <p:stCondLst>
+                                        <p:cond delay="0"/>
+                                      </p:stCondLst>
+                                      <p:childTnLst>
+                                        <p:set>
+                                          <p:cBhvr>
+                                            <p:cTn id="59" dur="1" fill="hold">
+                                              <p:stCondLst>
+                                                <p:cond delay="0"/>
+                                              </p:stCondLst>
+                                            </p:cTn>
+                                            <p:tgtEl>
+                                              <p:spTgt spid="6">
+                                                <p:txEl>
+                                                  <p:pRg st="5" end="5"/>
+                                                </p:txEl>
+                                              </p:spTgt>
+                                            </p:tgtEl>
+                                            <p:attrNameLst>
+                                              <p:attrName>style.visibility</p:attrName>
+                                            </p:attrNameLst>
+                                          </p:cBhvr>
+                                          <p:to>
+                                            <p:strVal val="visible"/>
+                                          </p:to>
+                                        </p:set>
+                                        <p:anim calcmode="lin" valueType="num" p14:bounceEnd="50000">
+                                          <p:cBhvr additive="base">
+                                            <p:cTn id="60" dur="500" fill="hold"/>
+                                            <p:tgtEl>
+                                              <p:spTgt spid="6">
+                                                <p:txEl>
+                                                  <p:pRg st="5" end="5"/>
+                                                </p:txEl>
+                                              </p:spTgt>
+                                            </p:tgtEl>
+                                            <p:attrNameLst>
+                                              <p:attrName>ppt_x</p:attrName>
+                                            </p:attrNameLst>
+                                          </p:cBhvr>
+                                          <p:tavLst>
+                                            <p:tav tm="0">
+                                              <p:val>
+                                                <p:strVal val="1+#ppt_w/2"/>
+                                              </p:val>
+                                            </p:tav>
+                                            <p:tav tm="100000">
+                                              <p:val>
+                                                <p:strVal val="#ppt_x"/>
+                                              </p:val>
+                                            </p:tav>
+                                          </p:tavLst>
+                                        </p:anim>
+                                        <p:anim calcmode="lin" valueType="num" p14:bounceEnd="50000">
+                                          <p:cBhvr additive="base">
+                                            <p:cTn id="61" dur="500" fill="hold"/>
+                                            <p:tgtEl>
+                                              <p:spTgt spid="6">
+                                                <p:txEl>
+                                                  <p:pRg st="5" end="5"/>
+                                                </p:txEl>
+                                              </p:spTgt>
+                                            </p:tgtEl>
+                                            <p:attrNameLst>
+                                              <p:attrName>ppt_y</p:attrName>
+                                            </p:attrNameLst>
+                                          </p:cBhvr>
+                                          <p:tavLst>
+                                            <p:tav tm="0">
+                                              <p:val>
+                                                <p:strVal val="#ppt_y"/>
+                                              </p:val>
+                                            </p:tav>
+                                            <p:tav tm="100000">
+                                              <p:val>
+                                                <p:strVal val="#ppt_y"/>
+                                              </p:val>
+                                            </p:tav>
+                                          </p:tavLst>
+                                        </p:anim>
+                                      </p:childTnLst>
+                                    </p:cTn>
+                                  </p:par>
+                                  <p:par>
+                                    <p:cTn id="62" presetID="2" presetClass="entr" presetSubtype="2" fill="hold" grpId="0" nodeType="withEffect" p14:presetBounceEnd="50000">
+                                      <p:stCondLst>
+                                        <p:cond delay="0"/>
+                                      </p:stCondLst>
+                                      <p:childTnLst>
+                                        <p:set>
+                                          <p:cBhvr>
+                                            <p:cTn id="63" dur="1" fill="hold">
+                                              <p:stCondLst>
+                                                <p:cond delay="0"/>
+                                              </p:stCondLst>
+                                            </p:cTn>
+                                            <p:tgtEl>
+                                              <p:spTgt spid="6">
+                                                <p:txEl>
+                                                  <p:pRg st="6" end="6"/>
+                                                </p:txEl>
+                                              </p:spTgt>
+                                            </p:tgtEl>
+                                            <p:attrNameLst>
+                                              <p:attrName>style.visibility</p:attrName>
+                                            </p:attrNameLst>
+                                          </p:cBhvr>
+                                          <p:to>
+                                            <p:strVal val="visible"/>
+                                          </p:to>
+                                        </p:set>
+                                        <p:anim calcmode="lin" valueType="num" p14:bounceEnd="50000">
+                                          <p:cBhvr additive="base">
+                                            <p:cTn id="64" dur="500" fill="hold"/>
+                                            <p:tgtEl>
+                                              <p:spTgt spid="6">
+                                                <p:txEl>
+                                                  <p:pRg st="6" end="6"/>
+                                                </p:txEl>
+                                              </p:spTgt>
+                                            </p:tgtEl>
+                                            <p:attrNameLst>
+                                              <p:attrName>ppt_x</p:attrName>
+                                            </p:attrNameLst>
+                                          </p:cBhvr>
+                                          <p:tavLst>
+                                            <p:tav tm="0">
+                                              <p:val>
+                                                <p:strVal val="1+#ppt_w/2"/>
+                                              </p:val>
+                                            </p:tav>
+                                            <p:tav tm="100000">
+                                              <p:val>
+                                                <p:strVal val="#ppt_x"/>
+                                              </p:val>
+                                            </p:tav>
+                                          </p:tavLst>
+                                        </p:anim>
+                                        <p:anim calcmode="lin" valueType="num" p14:bounceEnd="50000">
+                                          <p:cBhvr additive="base">
+                                            <p:cTn id="65" dur="500" fill="hold"/>
+                                            <p:tgtEl>
+                                              <p:spTgt spid="6">
+                                                <p:txEl>
+                                                  <p:pRg st="6" end="6"/>
+                                                </p:txEl>
+                                              </p:spTgt>
+                                            </p:tgtEl>
+                                            <p:attrNameLst>
+                                              <p:attrName>ppt_y</p:attrName>
+                                            </p:attrNameLst>
+                                          </p:cBhvr>
+                                          <p:tavLst>
+                                            <p:tav tm="0">
+                                              <p:val>
+                                                <p:strVal val="#ppt_y"/>
+                                              </p:val>
+                                            </p:tav>
+                                            <p:tav tm="100000">
+                                              <p:val>
+                                                <p:strVal val="#ppt_y"/>
+                                              </p:val>
+                                            </p:tav>
+                                          </p:tavLst>
+                                        </p:anim>
+                                      </p:childTnLst>
+                                    </p:cTn>
+                                  </p:par>
+                                  <p:par>
+                                    <p:cTn id="66" presetID="2" presetClass="entr" presetSubtype="2" fill="hold" grpId="0" nodeType="withEffect" p14:presetBounceEnd="50000">
+                                      <p:stCondLst>
+                                        <p:cond delay="0"/>
+                                      </p:stCondLst>
+                                      <p:childTnLst>
+                                        <p:set>
+                                          <p:cBhvr>
+                                            <p:cTn id="67" dur="1" fill="hold">
+                                              <p:stCondLst>
+                                                <p:cond delay="0"/>
+                                              </p:stCondLst>
+                                            </p:cTn>
+                                            <p:tgtEl>
+                                              <p:spTgt spid="6">
+                                                <p:txEl>
+                                                  <p:pRg st="7" end="7"/>
+                                                </p:txEl>
+                                              </p:spTgt>
+                                            </p:tgtEl>
+                                            <p:attrNameLst>
+                                              <p:attrName>style.visibility</p:attrName>
+                                            </p:attrNameLst>
+                                          </p:cBhvr>
+                                          <p:to>
+                                            <p:strVal val="visible"/>
+                                          </p:to>
+                                        </p:set>
+                                        <p:anim calcmode="lin" valueType="num" p14:bounceEnd="50000">
+                                          <p:cBhvr additive="base">
+                                            <p:cTn id="68" dur="500" fill="hold"/>
+                                            <p:tgtEl>
+                                              <p:spTgt spid="6">
+                                                <p:txEl>
+                                                  <p:pRg st="7" end="7"/>
+                                                </p:txEl>
+                                              </p:spTgt>
+                                            </p:tgtEl>
+                                            <p:attrNameLst>
+                                              <p:attrName>ppt_x</p:attrName>
+                                            </p:attrNameLst>
+                                          </p:cBhvr>
+                                          <p:tavLst>
+                                            <p:tav tm="0">
+                                              <p:val>
+                                                <p:strVal val="1+#ppt_w/2"/>
+                                              </p:val>
+                                            </p:tav>
+                                            <p:tav tm="100000">
+                                              <p:val>
+                                                <p:strVal val="#ppt_x"/>
+                                              </p:val>
+                                            </p:tav>
+                                          </p:tavLst>
+                                        </p:anim>
+                                        <p:anim calcmode="lin" valueType="num" p14:bounceEnd="50000">
+                                          <p:cBhvr additive="base">
+                                            <p:cTn id="69" dur="500" fill="hold"/>
+                                            <p:tgtEl>
+                                              <p:spTgt spid="6">
+                                                <p:txEl>
+                                                  <p:pRg st="7" end="7"/>
+                                                </p:txEl>
+                                              </p:spTgt>
+                                            </p:tgtEl>
+                                            <p:attrNameLst>
+                                              <p:attrName>ppt_y</p:attrName>
+                                            </p:attrNameLst>
+                                          </p:cBhvr>
+                                          <p:tavLst>
+                                            <p:tav tm="0">
+                                              <p:val>
+                                                <p:strVal val="#ppt_y"/>
+                                              </p:val>
+                                            </p:tav>
+                                            <p:tav tm="100000">
+                                              <p:val>
+                                                <p:strVal val="#ppt_y"/>
+                                              </p:val>
+                                            </p:tav>
+                                          </p:tavLst>
+                                        </p:anim>
+                                      </p:childTnLst>
+                                    </p:cTn>
+                                  </p:par>
+                                  <p:par>
+                                    <p:cTn id="70" presetID="2" presetClass="entr" presetSubtype="2" fill="hold" grpId="0" nodeType="withEffect" p14:presetBounceEnd="50000">
+                                      <p:stCondLst>
+                                        <p:cond delay="0"/>
+                                      </p:stCondLst>
+                                      <p:childTnLst>
+                                        <p:set>
+                                          <p:cBhvr>
+                                            <p:cTn id="71" dur="1" fill="hold">
+                                              <p:stCondLst>
+                                                <p:cond delay="0"/>
+                                              </p:stCondLst>
+                                            </p:cTn>
+                                            <p:tgtEl>
+                                              <p:spTgt spid="6">
+                                                <p:txEl>
+                                                  <p:pRg st="8" end="8"/>
+                                                </p:txEl>
+                                              </p:spTgt>
+                                            </p:tgtEl>
+                                            <p:attrNameLst>
+                                              <p:attrName>style.visibility</p:attrName>
+                                            </p:attrNameLst>
+                                          </p:cBhvr>
+                                          <p:to>
+                                            <p:strVal val="visible"/>
+                                          </p:to>
+                                        </p:set>
+                                        <p:anim calcmode="lin" valueType="num" p14:bounceEnd="50000">
+                                          <p:cBhvr additive="base">
+                                            <p:cTn id="72" dur="500" fill="hold"/>
+                                            <p:tgtEl>
+                                              <p:spTgt spid="6">
+                                                <p:txEl>
+                                                  <p:pRg st="8" end="8"/>
+                                                </p:txEl>
+                                              </p:spTgt>
+                                            </p:tgtEl>
+                                            <p:attrNameLst>
+                                              <p:attrName>ppt_x</p:attrName>
+                                            </p:attrNameLst>
+                                          </p:cBhvr>
+                                          <p:tavLst>
+                                            <p:tav tm="0">
+                                              <p:val>
+                                                <p:strVal val="1+#ppt_w/2"/>
+                                              </p:val>
+                                            </p:tav>
+                                            <p:tav tm="100000">
+                                              <p:val>
+                                                <p:strVal val="#ppt_x"/>
+                                              </p:val>
+                                            </p:tav>
+                                          </p:tavLst>
+                                        </p:anim>
+                                        <p:anim calcmode="lin" valueType="num" p14:bounceEnd="50000">
+                                          <p:cBhvr additive="base">
+                                            <p:cTn id="73" dur="500" fill="hold"/>
+                                            <p:tgtEl>
+                                              <p:spTgt spid="6">
+                                                <p:txEl>
+                                                  <p:pRg st="8" end="8"/>
+                                                </p:txEl>
+                                              </p:spTgt>
+                                            </p:tgtEl>
+                                            <p:attrNameLst>
+                                              <p:attrName>ppt_y</p:attrName>
+                                            </p:attrNameLst>
+                                          </p:cBhvr>
+                                          <p:tavLst>
+                                            <p:tav tm="0">
+                                              <p:val>
+                                                <p:strVal val="#ppt_y"/>
+                                              </p:val>
+                                            </p:tav>
+                                            <p:tav tm="100000">
+                                              <p:val>
+                                                <p:strVal val="#ppt_y"/>
+                                              </p:val>
+                                            </p:tav>
+                                          </p:tavLst>
+                                        </p:anim>
+                                      </p:childTnLst>
+                                    </p:cTn>
+                                  </p:par>
+                                </p:childTnLst>
+                              </p:cTn>
+                            </p:par>
+                          </p:childTnLst>
+                        </p:cTn>
+                      </p:par>
+                    </p:childTnLst>
+                  </p:cTn>
+                  <p:prevCondLst>
+                    <p:cond evt="onPrev" delay="0">
+                      <p:tgtEl>
+                        <p:sldTgt/>
+                      </p:tgtEl>
+                    </p:cond>
+                  </p:prevCondLst>
+                  <p:nextCondLst>
+                    <p:cond evt="onNext" delay="0">
+                      <p:tgtEl>
+                        <p:sldTgt/>
+                      </p:tgtEl>
+                    </p:cond>
+                  </p:nextCondLst>
+                </p:seq>
+              </p:childTnLst>
+            </p:cTn>
+          </p:par>
+        </p:tnLst>
+        <p:bldLst>
+          <p:bldP spid="3" grpId="0" uiExpand="1" build="p" animBg="1"/>
+          <p:bldP spid="6" grpId="0" uiExpand="1" build="allAtOnce" animBg="1"/>
+        </p:bldLst>
+      </p:timing>
+    </mc:Choice>
+    <mc:Fallback>
+      <p:timing>
+        <p:tnLst>
+          <p:par>
+            <p:cTn id="1" dur="indefinite" restart="never" nodeType="tmRoot">
+              <p:childTnLst>
+                <p:seq concurrent="1" nextAc="seek">
+                  <p:cTn id="2" dur="indefinite" nodeType="mainSeq">
+                    <p:childTnLst>
+                      <p:par>
+                        <p:cTn id="3" fill="hold">
+                          <p:stCondLst>
+                            <p:cond delay="indefinite"/>
+                            <p:cond evt="onBegin" delay="0">
+                              <p:tn val="2"/>
+                            </p:cond>
+                          </p:stCondLst>
+                          <p:childTnLst>
+                            <p:par>
+                              <p:cTn id="4" fill="hold">
+                                <p:stCondLst>
+                                  <p:cond delay="0"/>
+                                </p:stCondLst>
+                                <p:childTnLst>
+                                  <p:par>
+                                    <p:cTn id="5" presetID="2" presetClass="entr" presetSubtype="8" fill="hold" grpId="0" nodeType="withEffect">
+                                      <p:stCondLst>
+                                        <p:cond delay="0"/>
+                                      </p:stCondLst>
+                                      <p:childTnLst>
+                                        <p:set>
+                                          <p:cBhvr>
+                                            <p:cTn id="6" dur="1" fill="hold">
+                                              <p:stCondLst>
+                                                <p:cond delay="0"/>
+                                              </p:stCondLst>
+                                            </p:cTn>
+                                            <p:tgtEl>
+                                              <p:spTgt spid="3">
+                                                <p:bg/>
+                                              </p:spTgt>
+                                            </p:tgtEl>
+                                            <p:attrNameLst>
+                                              <p:attrName>style.visibility</p:attrName>
+                                            </p:attrNameLst>
+                                          </p:cBhvr>
+                                          <p:to>
+                                            <p:strVal val="visible"/>
+                                          </p:to>
+                                        </p:set>
+                                        <p:anim calcmode="lin" valueType="num">
+                                          <p:cBhvr additive="base">
+                                            <p:cTn id="7" dur="500" fill="hold"/>
+                                            <p:tgtEl>
+                                              <p:spTgt spid="3">
+                                                <p:bg/>
+                                              </p:spTgt>
+                                            </p:tgtEl>
+                                            <p:attrNameLst>
+                                              <p:attrName>ppt_x</p:attrName>
+                                            </p:attrNameLst>
+                                          </p:cBhvr>
+                                          <p:tavLst>
+                                            <p:tav tm="0">
+                                              <p:val>
+                                                <p:strVal val="0-#ppt_w/2"/>
+                                              </p:val>
+                                            </p:tav>
+                                            <p:tav tm="100000">
+                                              <p:val>
+                                                <p:strVal val="#ppt_x"/>
+                                              </p:val>
+                                            </p:tav>
+                                          </p:tavLst>
+                                        </p:anim>
+                                        <p:anim calcmode="lin" valueType="num">
+                                          <p:cBhvr additive="base">
+                                            <p:cTn id="8" dur="500" fill="hold"/>
+                                            <p:tgtEl>
+                                              <p:spTgt spid="3">
+                                                <p:bg/>
+                                              </p:spTgt>
+                                            </p:tgtEl>
+                                            <p:attrNameLst>
+                                              <p:attrName>ppt_y</p:attrName>
+                                            </p:attrNameLst>
+                                          </p:cBhvr>
+                                          <p:tavLst>
+                                            <p:tav tm="0">
+                                              <p:val>
+                                                <p:strVal val="#ppt_y"/>
+                                              </p:val>
+                                            </p:tav>
+                                            <p:tav tm="100000">
+                                              <p:val>
+                                                <p:strVal val="#ppt_y"/>
+                                              </p:val>
+                                            </p:tav>
+                                          </p:tavLst>
+                                        </p:anim>
+                                      </p:childTnLst>
+                                    </p:cTn>
+                                  </p:par>
+                                  <p:par>
+                                    <p:cTn id="9" presetID="2" presetClass="entr" presetSubtype="8" fill="hold" grpId="0" nodeType="withEffect">
+                                      <p:stCondLst>
+                                        <p:cond delay="0"/>
+                                      </p:stCondLst>
+                                      <p:childTnLst>
+                                        <p:set>
+                                          <p:cBhvr>
+                                            <p:cTn id="10" dur="1" fill="hold">
+                                              <p:stCondLst>
+                                                <p:cond delay="0"/>
+                                              </p:stCondLst>
+                                            </p:cTn>
+                                            <p:tgtEl>
+                                              <p:spTgt spid="3">
+                                                <p:txEl>
+                                                  <p:pRg st="0" end="0"/>
+                                                </p:txEl>
+                                              </p:spTgt>
+                                            </p:tgtEl>
+                                            <p:attrNameLst>
+                                              <p:attrName>style.visibility</p:attrName>
+                                            </p:attrNameLst>
+                                          </p:cBhvr>
+                                          <p:to>
+                                            <p:strVal val="visible"/>
+                                          </p:to>
+                                        </p:set>
+                                        <p:anim calcmode="lin" valueType="num">
+                                          <p:cBhvr additive="base">
+                                            <p:cTn id="11" dur="500" fill="hold"/>
+                                            <p:tgtEl>
+                                              <p:spTgt spid="3">
+                                                <p:txEl>
+                                                  <p:pRg st="0" end="0"/>
+                                                </p:txEl>
+                                              </p:spTgt>
+                                            </p:tgtEl>
+                                            <p:attrNameLst>
+                                              <p:attrName>ppt_x</p:attrName>
+                                            </p:attrNameLst>
+                                          </p:cBhvr>
+                                          <p:tavLst>
+                                            <p:tav tm="0">
+                                              <p:val>
+                                                <p:strVal val="0-#ppt_w/2"/>
+                                              </p:val>
+                                            </p:tav>
+                                            <p:tav tm="100000">
+                                              <p:val>
+                                                <p:strVal val="#ppt_x"/>
+                                              </p:val>
+                                            </p:tav>
+                                          </p:tavLst>
+                                        </p:anim>
+                                        <p:anim calcmode="lin" valueType="num">
+                                          <p:cBhvr additive="base">
+                                            <p:cTn id="12" dur="500" fill="hold"/>
+                                            <p:tgtEl>
+                                              <p:spTgt spid="3">
+                                                <p:txEl>
+                                                  <p:pRg st="0" end="0"/>
+                                                </p:txEl>
+                                              </p:spTgt>
+                                            </p:tgtEl>
+                                            <p:attrNameLst>
+                                              <p:attrName>ppt_y</p:attrName>
+                                            </p:attrNameLst>
+                                          </p:cBhvr>
+                                          <p:tavLst>
+                                            <p:tav tm="0">
+                                              <p:val>
+                                                <p:strVal val="#ppt_y"/>
+                                              </p:val>
+                                            </p:tav>
+                                            <p:tav tm="100000">
+                                              <p:val>
+                                                <p:strVal val="#ppt_y"/>
+                                              </p:val>
+                                            </p:tav>
+                                          </p:tavLst>
+                                        </p:anim>
+                                      </p:childTnLst>
+                                    </p:cTn>
+                                  </p:par>
+                                  <p:par>
+                                    <p:cTn id="13" presetID="2" presetClass="entr" presetSubtype="8" fill="hold" grpId="0" nodeType="withEffect">
+                                      <p:stCondLst>
+                                        <p:cond delay="0"/>
+                                      </p:stCondLst>
+                                      <p:childTnLst>
+                                        <p:set>
+                                          <p:cBhvr>
+                                            <p:cTn id="14" dur="1" fill="hold">
+                                              <p:stCondLst>
+                                                <p:cond delay="0"/>
+                                              </p:stCondLst>
+                                            </p:cTn>
+                                            <p:tgtEl>
+                                              <p:spTgt spid="3">
+                                                <p:txEl>
+                                                  <p:pRg st="1" end="1"/>
+                                                </p:txEl>
+                                              </p:spTgt>
+                                            </p:tgtEl>
+                                            <p:attrNameLst>
+                                              <p:attrName>style.visibility</p:attrName>
+                                            </p:attrNameLst>
+                                          </p:cBhvr>
+                                          <p:to>
+                                            <p:strVal val="visible"/>
+                                          </p:to>
+                                        </p:set>
+                                        <p:anim calcmode="lin" valueType="num">
+                                          <p:cBhvr additive="base">
+                                            <p:cTn id="15" dur="500" fill="hold"/>
+                                            <p:tgtEl>
+                                              <p:spTgt spid="3">
+                                                <p:txEl>
+                                                  <p:pRg st="1" end="1"/>
+                                                </p:txEl>
+                                              </p:spTgt>
+                                            </p:tgtEl>
+                                            <p:attrNameLst>
+                                              <p:attrName>ppt_x</p:attrName>
+                                            </p:attrNameLst>
+                                          </p:cBhvr>
+                                          <p:tavLst>
+                                            <p:tav tm="0">
+                                              <p:val>
+                                                <p:strVal val="0-#ppt_w/2"/>
+                                              </p:val>
+                                            </p:tav>
+                                            <p:tav tm="100000">
+                                              <p:val>
+                                                <p:strVal val="#ppt_x"/>
+                                              </p:val>
+                                            </p:tav>
+                                          </p:tavLst>
+                                        </p:anim>
+                                        <p:anim calcmode="lin" valueType="num">
+                                          <p:cBhvr additive="base">
+                                            <p:cTn id="16" dur="500" fill="hold"/>
+                                            <p:tgtEl>
+                                              <p:spTgt spid="3">
+                                                <p:txEl>
+                                                  <p:pRg st="1" end="1"/>
+                                                </p:txEl>
+                                              </p:spTgt>
+                                            </p:tgtEl>
+                                            <p:attrNameLst>
+                                              <p:attrName>ppt_y</p:attrName>
+                                            </p:attrNameLst>
+                                          </p:cBhvr>
+                                          <p:tavLst>
+                                            <p:tav tm="0">
+                                              <p:val>
+                                                <p:strVal val="#ppt_y"/>
+                                              </p:val>
+                                            </p:tav>
+                                            <p:tav tm="100000">
+                                              <p:val>
+                                                <p:strVal val="#ppt_y"/>
+                                              </p:val>
+                                            </p:tav>
+                                          </p:tavLst>
+                                        </p:anim>
+                                      </p:childTnLst>
+                                    </p:cTn>
+                                  </p:par>
+                                  <p:par>
+                                    <p:cTn id="17" presetID="2" presetClass="entr" presetSubtype="8" fill="hold" grpId="0" nodeType="withEffect">
+                                      <p:stCondLst>
+                                        <p:cond delay="0"/>
+                                      </p:stCondLst>
+                                      <p:childTnLst>
+                                        <p:set>
+                                          <p:cBhvr>
+                                            <p:cTn id="18" dur="1" fill="hold">
+                                              <p:stCondLst>
+                                                <p:cond delay="0"/>
+                                              </p:stCondLst>
+                                            </p:cTn>
+                                            <p:tgtEl>
+                                              <p:spTgt spid="3">
+                                                <p:txEl>
+                                                  <p:pRg st="2" end="2"/>
+                                                </p:txEl>
+                                              </p:spTgt>
+                                            </p:tgtEl>
+                                            <p:attrNameLst>
+                                              <p:attrName>style.visibility</p:attrName>
+                                            </p:attrNameLst>
+                                          </p:cBhvr>
+                                          <p:to>
+                                            <p:strVal val="visible"/>
+                                          </p:to>
+                                        </p:set>
+                                        <p:anim calcmode="lin" valueType="num">
+                                          <p:cBhvr additive="base">
+                                            <p:cTn id="19" dur="500" fill="hold"/>
+                                            <p:tgtEl>
+                                              <p:spTgt spid="3">
+                                                <p:txEl>
+                                                  <p:pRg st="2" end="2"/>
+                                                </p:txEl>
+                                              </p:spTgt>
+                                            </p:tgtEl>
+                                            <p:attrNameLst>
+                                              <p:attrName>ppt_x</p:attrName>
+                                            </p:attrNameLst>
+                                          </p:cBhvr>
+                                          <p:tavLst>
+                                            <p:tav tm="0">
+                                              <p:val>
+                                                <p:strVal val="0-#ppt_w/2"/>
+                                              </p:val>
+                                            </p:tav>
+                                            <p:tav tm="100000">
+                                              <p:val>
+                                                <p:strVal val="#ppt_x"/>
+                                              </p:val>
+                                            </p:tav>
+                                          </p:tavLst>
+                                        </p:anim>
+                                        <p:anim calcmode="lin" valueType="num">
+                                          <p:cBhvr additive="base">
+                                            <p:cTn id="20" dur="500" fill="hold"/>
+                                            <p:tgtEl>
+                                              <p:spTgt spid="3">
+                                                <p:txEl>
+                                                  <p:pRg st="2" end="2"/>
+                                                </p:txEl>
+                                              </p:spTgt>
+                                            </p:tgtEl>
+                                            <p:attrNameLst>
+                                              <p:attrName>ppt_y</p:attrName>
+                                            </p:attrNameLst>
+                                          </p:cBhvr>
+                                          <p:tavLst>
+                                            <p:tav tm="0">
+                                              <p:val>
+                                                <p:strVal val="#ppt_y"/>
+                                              </p:val>
+                                            </p:tav>
+                                            <p:tav tm="100000">
+                                              <p:val>
+                                                <p:strVal val="#ppt_y"/>
+                                              </p:val>
+                                            </p:tav>
+                                          </p:tavLst>
+                                        </p:anim>
+                                      </p:childTnLst>
+                                    </p:cTn>
+                                  </p:par>
+                                  <p:par>
+                                    <p:cTn id="21" presetID="2" presetClass="entr" presetSubtype="8" fill="hold" grpId="0" nodeType="withEffect">
+                                      <p:stCondLst>
+                                        <p:cond delay="0"/>
+                                      </p:stCondLst>
+                                      <p:childTnLst>
+                                        <p:set>
+                                          <p:cBhvr>
+                                            <p:cTn id="22" dur="1" fill="hold">
+                                              <p:stCondLst>
+                                                <p:cond delay="0"/>
+                                              </p:stCondLst>
+                                            </p:cTn>
+                                            <p:tgtEl>
+                                              <p:spTgt spid="3">
+                                                <p:txEl>
+                                                  <p:pRg st="3" end="3"/>
+                                                </p:txEl>
+                                              </p:spTgt>
+                                            </p:tgtEl>
+                                            <p:attrNameLst>
+                                              <p:attrName>style.visibility</p:attrName>
+                                            </p:attrNameLst>
+                                          </p:cBhvr>
+                                          <p:to>
+                                            <p:strVal val="visible"/>
+                                          </p:to>
+                                        </p:set>
+                                        <p:anim calcmode="lin" valueType="num">
+                                          <p:cBhvr additive="base">
+                                            <p:cTn id="23" dur="500" fill="hold"/>
+                                            <p:tgtEl>
+                                              <p:spTgt spid="3">
+                                                <p:txEl>
+                                                  <p:pRg st="3" end="3"/>
+                                                </p:txEl>
+                                              </p:spTgt>
+                                            </p:tgtEl>
+                                            <p:attrNameLst>
+                                              <p:attrName>ppt_x</p:attrName>
+                                            </p:attrNameLst>
+                                          </p:cBhvr>
+                                          <p:tavLst>
+                                            <p:tav tm="0">
+                                              <p:val>
+                                                <p:strVal val="0-#ppt_w/2"/>
+                                              </p:val>
+                                            </p:tav>
+                                            <p:tav tm="100000">
+                                              <p:val>
+                                                <p:strVal val="#ppt_x"/>
+                                              </p:val>
+                                            </p:tav>
+                                          </p:tavLst>
+                                        </p:anim>
+                                        <p:anim calcmode="lin" valueType="num">
+                                          <p:cBhvr additive="base">
+                                            <p:cTn id="24" dur="500" fill="hold"/>
+                                            <p:tgtEl>
+                                              <p:spTgt spid="3">
+                                                <p:txEl>
+                                                  <p:pRg st="3" end="3"/>
+                                                </p:txEl>
+                                              </p:spTgt>
+                                            </p:tgtEl>
+                                            <p:attrNameLst>
+                                              <p:attrName>ppt_y</p:attrName>
+                                            </p:attrNameLst>
+                                          </p:cBhvr>
+                                          <p:tavLst>
+                                            <p:tav tm="0">
+                                              <p:val>
+                                                <p:strVal val="#ppt_y"/>
+                                              </p:val>
+                                            </p:tav>
+                                            <p:tav tm="100000">
+                                              <p:val>
+                                                <p:strVal val="#ppt_y"/>
+                                              </p:val>
+                                            </p:tav>
+                                          </p:tavLst>
+                                        </p:anim>
+                                      </p:childTnLst>
+                                    </p:cTn>
+                                  </p:par>
+                                  <p:par>
+                                    <p:cTn id="25" presetID="2" presetClass="entr" presetSubtype="8" fill="hold" grpId="0" nodeType="withEffect">
+                                      <p:stCondLst>
+                                        <p:cond delay="0"/>
+                                      </p:stCondLst>
+                                      <p:childTnLst>
+                                        <p:set>
+                                          <p:cBhvr>
+                                            <p:cTn id="26" dur="1" fill="hold">
+                                              <p:stCondLst>
+                                                <p:cond delay="0"/>
+                                              </p:stCondLst>
+                                            </p:cTn>
+                                            <p:tgtEl>
+                                              <p:spTgt spid="3">
+                                                <p:txEl>
+                                                  <p:pRg st="4" end="4"/>
+                                                </p:txEl>
+                                              </p:spTgt>
+                                            </p:tgtEl>
+                                            <p:attrNameLst>
+                                              <p:attrName>style.visibility</p:attrName>
+                                            </p:attrNameLst>
+                                          </p:cBhvr>
+                                          <p:to>
+                                            <p:strVal val="visible"/>
+                                          </p:to>
+                                        </p:set>
+                                        <p:anim calcmode="lin" valueType="num">
+                                          <p:cBhvr additive="base">
+                                            <p:cTn id="27" dur="500" fill="hold"/>
+                                            <p:tgtEl>
+                                              <p:spTgt spid="3">
+                                                <p:txEl>
+                                                  <p:pRg st="4" end="4"/>
+                                                </p:txEl>
+                                              </p:spTgt>
+                                            </p:tgtEl>
+                                            <p:attrNameLst>
+                                              <p:attrName>ppt_x</p:attrName>
+                                            </p:attrNameLst>
+                                          </p:cBhvr>
+                                          <p:tavLst>
+                                            <p:tav tm="0">
+                                              <p:val>
+                                                <p:strVal val="0-#ppt_w/2"/>
+                                              </p:val>
+                                            </p:tav>
+                                            <p:tav tm="100000">
+                                              <p:val>
+                                                <p:strVal val="#ppt_x"/>
+                                              </p:val>
+                                            </p:tav>
+                                          </p:tavLst>
+                                        </p:anim>
+                                        <p:anim calcmode="lin" valueType="num">
+                                          <p:cBhvr additive="base">
+                                            <p:cTn id="28" dur="500" fill="hold"/>
+                                            <p:tgtEl>
+                                              <p:spTgt spid="3">
+                                                <p:txEl>
+                                                  <p:pRg st="4" end="4"/>
+                                                </p:txEl>
+                                              </p:spTgt>
+                                            </p:tgtEl>
+                                            <p:attrNameLst>
+                                              <p:attrName>ppt_y</p:attrName>
+                                            </p:attrNameLst>
+                                          </p:cBhvr>
+                                          <p:tavLst>
+                                            <p:tav tm="0">
+                                              <p:val>
+                                                <p:strVal val="#ppt_y"/>
+                                              </p:val>
+                                            </p:tav>
+                                            <p:tav tm="100000">
+                                              <p:val>
+                                                <p:strVal val="#ppt_y"/>
+                                              </p:val>
+                                            </p:tav>
+                                          </p:tavLst>
+                                        </p:anim>
+                                      </p:childTnLst>
+                                    </p:cTn>
+                                  </p:par>
+                                  <p:par>
+                                    <p:cTn id="29" presetID="2" presetClass="entr" presetSubtype="8" fill="hold" grpId="0" nodeType="withEffect">
+                                      <p:stCondLst>
+                                        <p:cond delay="0"/>
+                                      </p:stCondLst>
+                                      <p:childTnLst>
+                                        <p:set>
+                                          <p:cBhvr>
+                                            <p:cTn id="30" dur="1" fill="hold">
+                                              <p:stCondLst>
+                                                <p:cond delay="0"/>
+                                              </p:stCondLst>
+                                            </p:cTn>
+                                            <p:tgtEl>
+                                              <p:spTgt spid="3">
+                                                <p:txEl>
+                                                  <p:pRg st="6" end="6"/>
+                                                </p:txEl>
+                                              </p:spTgt>
+                                            </p:tgtEl>
+                                            <p:attrNameLst>
+                                              <p:attrName>style.visibility</p:attrName>
+                                            </p:attrNameLst>
+                                          </p:cBhvr>
+                                          <p:to>
+                                            <p:strVal val="visible"/>
+                                          </p:to>
+                                        </p:set>
+                                        <p:anim calcmode="lin" valueType="num">
+                                          <p:cBhvr additive="base">
+                                            <p:cTn id="31" dur="500" fill="hold"/>
+                                            <p:tgtEl>
+                                              <p:spTgt spid="3">
+                                                <p:txEl>
+                                                  <p:pRg st="6" end="6"/>
+                                                </p:txEl>
+                                              </p:spTgt>
+                                            </p:tgtEl>
+                                            <p:attrNameLst>
+                                              <p:attrName>ppt_x</p:attrName>
+                                            </p:attrNameLst>
+                                          </p:cBhvr>
+                                          <p:tavLst>
+                                            <p:tav tm="0">
+                                              <p:val>
+                                                <p:strVal val="0-#ppt_w/2"/>
+                                              </p:val>
+                                            </p:tav>
+                                            <p:tav tm="100000">
+                                              <p:val>
+                                                <p:strVal val="#ppt_x"/>
+                                              </p:val>
+                                            </p:tav>
+                                          </p:tavLst>
+                                        </p:anim>
+                                        <p:anim calcmode="lin" valueType="num">
+                                          <p:cBhvr additive="base">
+                                            <p:cTn id="32" dur="500" fill="hold"/>
+                                            <p:tgtEl>
+                                              <p:spTgt spid="3">
+                                                <p:txEl>
+                                                  <p:pRg st="6" end="6"/>
+                                                </p:txEl>
+                                              </p:spTgt>
+                                            </p:tgtEl>
+                                            <p:attrNameLst>
+                                              <p:attrName>ppt_y</p:attrName>
+                                            </p:attrNameLst>
+                                          </p:cBhvr>
+                                          <p:tavLst>
+                                            <p:tav tm="0">
+                                              <p:val>
+                                                <p:strVal val="#ppt_y"/>
+                                              </p:val>
+                                            </p:tav>
+                                            <p:tav tm="100000">
+                                              <p:val>
+                                                <p:strVal val="#ppt_y"/>
+                                              </p:val>
+                                            </p:tav>
+                                          </p:tavLst>
+                                        </p:anim>
+                                      </p:childTnLst>
+                                    </p:cTn>
+                                  </p:par>
+                                </p:childTnLst>
+                              </p:cTn>
+                            </p:par>
+                            <p:par>
+                              <p:cTn id="33" fill="hold">
+                                <p:stCondLst>
+                                  <p:cond delay="500"/>
+                                </p:stCondLst>
+                                <p:childTnLst>
+                                  <p:par>
+                                    <p:cTn id="34" presetID="2" presetClass="entr" presetSubtype="2" fill="hold" grpId="0" nodeType="afterEffect">
+                                      <p:stCondLst>
+                                        <p:cond delay="0"/>
+                                      </p:stCondLst>
+                                      <p:childTnLst>
+                                        <p:set>
+                                          <p:cBhvr>
+                                            <p:cTn id="35" dur="1" fill="hold">
+                                              <p:stCondLst>
+                                                <p:cond delay="0"/>
+                                              </p:stCondLst>
+                                            </p:cTn>
+                                            <p:tgtEl>
+                                              <p:spTgt spid="6">
+                                                <p:bg/>
+                                              </p:spTgt>
+                                            </p:tgtEl>
+                                            <p:attrNameLst>
+                                              <p:attrName>style.visibility</p:attrName>
+                                            </p:attrNameLst>
+                                          </p:cBhvr>
+                                          <p:to>
+                                            <p:strVal val="visible"/>
+                                          </p:to>
+                                        </p:set>
+                                        <p:anim calcmode="lin" valueType="num">
+                                          <p:cBhvr additive="base">
+                                            <p:cTn id="36" dur="500" fill="hold"/>
+                                            <p:tgtEl>
+                                              <p:spTgt spid="6">
+                                                <p:bg/>
+                                              </p:spTgt>
+                                            </p:tgtEl>
+                                            <p:attrNameLst>
+                                              <p:attrName>ppt_x</p:attrName>
+                                            </p:attrNameLst>
+                                          </p:cBhvr>
+                                          <p:tavLst>
+                                            <p:tav tm="0">
+                                              <p:val>
+                                                <p:strVal val="1+#ppt_w/2"/>
+                                              </p:val>
+                                            </p:tav>
+                                            <p:tav tm="100000">
+                                              <p:val>
+                                                <p:strVal val="#ppt_x"/>
+                                              </p:val>
+                                            </p:tav>
+                                          </p:tavLst>
+                                        </p:anim>
+                                        <p:anim calcmode="lin" valueType="num">
+                                          <p:cBhvr additive="base">
+                                            <p:cTn id="37" dur="500" fill="hold"/>
+                                            <p:tgtEl>
+                                              <p:spTgt spid="6">
+                                                <p:bg/>
+                                              </p:spTgt>
+                                            </p:tgtEl>
+                                            <p:attrNameLst>
+                                              <p:attrName>ppt_y</p:attrName>
+                                            </p:attrNameLst>
+                                          </p:cBhvr>
+                                          <p:tavLst>
+                                            <p:tav tm="0">
+                                              <p:val>
+                                                <p:strVal val="#ppt_y"/>
+                                              </p:val>
+                                            </p:tav>
+                                            <p:tav tm="100000">
+                                              <p:val>
+                                                <p:strVal val="#ppt_y"/>
+                                              </p:val>
+                                            </p:tav>
+                                          </p:tavLst>
+                                        </p:anim>
+                                      </p:childTnLst>
+                                    </p:cTn>
+                                  </p:par>
+                                  <p:par>
+                                    <p:cTn id="38" presetID="2" presetClass="entr" presetSubtype="2" fill="hold" grpId="0" nodeType="withEffect">
+                                      <p:stCondLst>
+                                        <p:cond delay="0"/>
+                                      </p:stCondLst>
+                                      <p:childTnLst>
+                                        <p:set>
+                                          <p:cBhvr>
+                                            <p:cTn id="39" dur="1" fill="hold">
+                                              <p:stCondLst>
+                                                <p:cond delay="0"/>
+                                              </p:stCondLst>
+                                            </p:cTn>
+                                            <p:tgtEl>
+                                              <p:spTgt spid="6">
+                                                <p:txEl>
+                                                  <p:pRg st="0" end="0"/>
+                                                </p:txEl>
+                                              </p:spTgt>
+                                            </p:tgtEl>
+                                            <p:attrNameLst>
+                                              <p:attrName>style.visibility</p:attrName>
+                                            </p:attrNameLst>
+                                          </p:cBhvr>
+                                          <p:to>
+                                            <p:strVal val="visible"/>
+                                          </p:to>
+                                        </p:set>
+                                        <p:anim calcmode="lin" valueType="num">
+                                          <p:cBhvr additive="base">
+                                            <p:cTn id="40" dur="500" fill="hold"/>
+                                            <p:tgtEl>
+                                              <p:spTgt spid="6">
+                                                <p:txEl>
+                                                  <p:pRg st="0" end="0"/>
+                                                </p:txEl>
+                                              </p:spTgt>
+                                            </p:tgtEl>
+                                            <p:attrNameLst>
+                                              <p:attrName>ppt_x</p:attrName>
+                                            </p:attrNameLst>
+                                          </p:cBhvr>
+                                          <p:tavLst>
+                                            <p:tav tm="0">
+                                              <p:val>
+                                                <p:strVal val="1+#ppt_w/2"/>
+                                              </p:val>
+                                            </p:tav>
+                                            <p:tav tm="100000">
+                                              <p:val>
+                                                <p:strVal val="#ppt_x"/>
+                                              </p:val>
+                                            </p:tav>
+                                          </p:tavLst>
+                                        </p:anim>
+                                        <p:anim calcmode="lin" valueType="num">
+                                          <p:cBhvr additive="base">
+                                            <p:cTn id="41" dur="500" fill="hold"/>
+                                            <p:tgtEl>
+                                              <p:spTgt spid="6">
+                                                <p:txEl>
+                                                  <p:pRg st="0" end="0"/>
+                                                </p:txEl>
+                                              </p:spTgt>
+                                            </p:tgtEl>
+                                            <p:attrNameLst>
+                                              <p:attrName>ppt_y</p:attrName>
+                                            </p:attrNameLst>
+                                          </p:cBhvr>
+                                          <p:tavLst>
+                                            <p:tav tm="0">
+                                              <p:val>
+                                                <p:strVal val="#ppt_y"/>
+                                              </p:val>
+                                            </p:tav>
+                                            <p:tav tm="100000">
+                                              <p:val>
+                                                <p:strVal val="#ppt_y"/>
+                                              </p:val>
+                                            </p:tav>
+                                          </p:tavLst>
+                                        </p:anim>
+                                      </p:childTnLst>
+                                    </p:cTn>
+                                  </p:par>
+                                  <p:par>
+                                    <p:cTn id="42" presetID="2" presetClass="entr" presetSubtype="2" fill="hold" grpId="0" nodeType="withEffect">
+                                      <p:stCondLst>
+                                        <p:cond delay="0"/>
+                                      </p:stCondLst>
+                                      <p:childTnLst>
+                                        <p:set>
+                                          <p:cBhvr>
+                                            <p:cTn id="43" dur="1" fill="hold">
+                                              <p:stCondLst>
+                                                <p:cond delay="0"/>
+                                              </p:stCondLst>
+                                            </p:cTn>
+                                            <p:tgtEl>
+                                              <p:spTgt spid="6">
+                                                <p:txEl>
+                                                  <p:pRg st="1" end="1"/>
+                                                </p:txEl>
+                                              </p:spTgt>
+                                            </p:tgtEl>
+                                            <p:attrNameLst>
+                                              <p:attrName>style.visibility</p:attrName>
+                                            </p:attrNameLst>
+                                          </p:cBhvr>
+                                          <p:to>
+                                            <p:strVal val="visible"/>
+                                          </p:to>
+                                        </p:set>
+                                        <p:anim calcmode="lin" valueType="num">
+                                          <p:cBhvr additive="base">
+                                            <p:cTn id="44" dur="500" fill="hold"/>
+                                            <p:tgtEl>
+                                              <p:spTgt spid="6">
+                                                <p:txEl>
+                                                  <p:pRg st="1" end="1"/>
+                                                </p:txEl>
+                                              </p:spTgt>
+                                            </p:tgtEl>
+                                            <p:attrNameLst>
+                                              <p:attrName>ppt_x</p:attrName>
+                                            </p:attrNameLst>
+                                          </p:cBhvr>
+                                          <p:tavLst>
+                                            <p:tav tm="0">
+                                              <p:val>
+                                                <p:strVal val="1+#ppt_w/2"/>
+                                              </p:val>
+                                            </p:tav>
+                                            <p:tav tm="100000">
+                                              <p:val>
+                                                <p:strVal val="#ppt_x"/>
+                                              </p:val>
+                                            </p:tav>
+                                          </p:tavLst>
+                                        </p:anim>
+                                        <p:anim calcmode="lin" valueType="num">
+                                          <p:cBhvr additive="base">
+                                            <p:cTn id="45" dur="500" fill="hold"/>
+                                            <p:tgtEl>
+                                              <p:spTgt spid="6">
+                                                <p:txEl>
+                                                  <p:pRg st="1" end="1"/>
+                                                </p:txEl>
+                                              </p:spTgt>
+                                            </p:tgtEl>
+                                            <p:attrNameLst>
+                                              <p:attrName>ppt_y</p:attrName>
+                                            </p:attrNameLst>
+                                          </p:cBhvr>
+                                          <p:tavLst>
+                                            <p:tav tm="0">
+                                              <p:val>
+                                                <p:strVal val="#ppt_y"/>
+                                              </p:val>
+                                            </p:tav>
+                                            <p:tav tm="100000">
+                                              <p:val>
+                                                <p:strVal val="#ppt_y"/>
+                                              </p:val>
+                                            </p:tav>
+                                          </p:tavLst>
+                                        </p:anim>
+                                      </p:childTnLst>
+                                    </p:cTn>
+                                  </p:par>
+                                  <p:par>
+                                    <p:cTn id="46" presetID="2" presetClass="entr" presetSubtype="2" fill="hold" grpId="0" nodeType="withEffect">
+                                      <p:stCondLst>
+                                        <p:cond delay="0"/>
+                                      </p:stCondLst>
+                                      <p:childTnLst>
+                                        <p:set>
+                                          <p:cBhvr>
+                                            <p:cTn id="47" dur="1" fill="hold">
+                                              <p:stCondLst>
+                                                <p:cond delay="0"/>
+                                              </p:stCondLst>
+                                            </p:cTn>
+                                            <p:tgtEl>
+                                              <p:spTgt spid="6">
+                                                <p:txEl>
+                                                  <p:pRg st="2" end="2"/>
+                                                </p:txEl>
+                                              </p:spTgt>
+                                            </p:tgtEl>
+                                            <p:attrNameLst>
+                                              <p:attrName>style.visibility</p:attrName>
+                                            </p:attrNameLst>
+                                          </p:cBhvr>
+                                          <p:to>
+                                            <p:strVal val="visible"/>
+                                          </p:to>
+                                        </p:set>
+                                        <p:anim calcmode="lin" valueType="num">
+                                          <p:cBhvr additive="base">
+                                            <p:cTn id="48" dur="500" fill="hold"/>
+                                            <p:tgtEl>
+                                              <p:spTgt spid="6">
+                                                <p:txEl>
+                                                  <p:pRg st="2" end="2"/>
+                                                </p:txEl>
+                                              </p:spTgt>
+                                            </p:tgtEl>
+                                            <p:attrNameLst>
+                                              <p:attrName>ppt_x</p:attrName>
+                                            </p:attrNameLst>
+                                          </p:cBhvr>
+                                          <p:tavLst>
+                                            <p:tav tm="0">
+                                              <p:val>
+                                                <p:strVal val="1+#ppt_w/2"/>
+                                              </p:val>
+                                            </p:tav>
+                                            <p:tav tm="100000">
+                                              <p:val>
+                                                <p:strVal val="#ppt_x"/>
+                                              </p:val>
+                                            </p:tav>
+                                          </p:tavLst>
+                                        </p:anim>
+                                        <p:anim calcmode="lin" valueType="num">
+                                          <p:cBhvr additive="base">
+                                            <p:cTn id="49" dur="500" fill="hold"/>
+                                            <p:tgtEl>
+                                              <p:spTgt spid="6">
+                                                <p:txEl>
+                                                  <p:pRg st="2" end="2"/>
+                                                </p:txEl>
+                                              </p:spTgt>
+                                            </p:tgtEl>
+                                            <p:attrNameLst>
+                                              <p:attrName>ppt_y</p:attrName>
+                                            </p:attrNameLst>
+                                          </p:cBhvr>
+                                          <p:tavLst>
+                                            <p:tav tm="0">
+                                              <p:val>
+                                                <p:strVal val="#ppt_y"/>
+                                              </p:val>
+                                            </p:tav>
+                                            <p:tav tm="100000">
+                                              <p:val>
+                                                <p:strVal val="#ppt_y"/>
+                                              </p:val>
+                                            </p:tav>
+                                          </p:tavLst>
+                                        </p:anim>
+                                      </p:childTnLst>
+                                    </p:cTn>
+                                  </p:par>
+                                  <p:par>
+                                    <p:cTn id="50" presetID="2" presetClass="entr" presetSubtype="2" fill="hold" grpId="0" nodeType="withEffect">
+                                      <p:stCondLst>
+                                        <p:cond delay="0"/>
+                                      </p:stCondLst>
+                                      <p:childTnLst>
+                                        <p:set>
+                                          <p:cBhvr>
+                                            <p:cTn id="51" dur="1" fill="hold">
+                                              <p:stCondLst>
+                                                <p:cond delay="0"/>
+                                              </p:stCondLst>
+                                            </p:cTn>
+                                            <p:tgtEl>
+                                              <p:spTgt spid="6">
+                                                <p:txEl>
+                                                  <p:pRg st="3" end="3"/>
+                                                </p:txEl>
+                                              </p:spTgt>
+                                            </p:tgtEl>
+                                            <p:attrNameLst>
+                                              <p:attrName>style.visibility</p:attrName>
+                                            </p:attrNameLst>
+                                          </p:cBhvr>
+                                          <p:to>
+                                            <p:strVal val="visible"/>
+                                          </p:to>
+                                        </p:set>
+                                        <p:anim calcmode="lin" valueType="num">
+                                          <p:cBhvr additive="base">
+                                            <p:cTn id="52" dur="500" fill="hold"/>
+                                            <p:tgtEl>
+                                              <p:spTgt spid="6">
+                                                <p:txEl>
+                                                  <p:pRg st="3" end="3"/>
+                                                </p:txEl>
+                                              </p:spTgt>
+                                            </p:tgtEl>
+                                            <p:attrNameLst>
+                                              <p:attrName>ppt_x</p:attrName>
+                                            </p:attrNameLst>
+                                          </p:cBhvr>
+                                          <p:tavLst>
+                                            <p:tav tm="0">
+                                              <p:val>
+                                                <p:strVal val="1+#ppt_w/2"/>
+                                              </p:val>
+                                            </p:tav>
+                                            <p:tav tm="100000">
+                                              <p:val>
+                                                <p:strVal val="#ppt_x"/>
+                                              </p:val>
+                                            </p:tav>
+                                          </p:tavLst>
+                                        </p:anim>
+                                        <p:anim calcmode="lin" valueType="num">
+                                          <p:cBhvr additive="base">
+                                            <p:cTn id="53" dur="500" fill="hold"/>
+                                            <p:tgtEl>
+                                              <p:spTgt spid="6">
+                                                <p:txEl>
+                                                  <p:pRg st="3" end="3"/>
+                                                </p:txEl>
+                                              </p:spTgt>
+                                            </p:tgtEl>
+                                            <p:attrNameLst>
+                                              <p:attrName>ppt_y</p:attrName>
+                                            </p:attrNameLst>
+                                          </p:cBhvr>
+                                          <p:tavLst>
+                                            <p:tav tm="0">
+                                              <p:val>
+                                                <p:strVal val="#ppt_y"/>
+                                              </p:val>
+                                            </p:tav>
+                                            <p:tav tm="100000">
+                                              <p:val>
+                                                <p:strVal val="#ppt_y"/>
+                                              </p:val>
+                                            </p:tav>
+                                          </p:tavLst>
+                                        </p:anim>
+                                      </p:childTnLst>
+                                    </p:cTn>
+                                  </p:par>
+                                  <p:par>
+                                    <p:cTn id="54" presetID="2" presetClass="entr" presetSubtype="2" fill="hold" grpId="0" nodeType="withEffect">
+                                      <p:stCondLst>
+                                        <p:cond delay="0"/>
+                                      </p:stCondLst>
+                                      <p:childTnLst>
+                                        <p:set>
+                                          <p:cBhvr>
+                                            <p:cTn id="55" dur="1" fill="hold">
+                                              <p:stCondLst>
+                                                <p:cond delay="0"/>
+                                              </p:stCondLst>
+                                            </p:cTn>
+                                            <p:tgtEl>
+                                              <p:spTgt spid="6">
+                                                <p:txEl>
+                                                  <p:pRg st="4" end="4"/>
+                                                </p:txEl>
+                                              </p:spTgt>
+                                            </p:tgtEl>
+                                            <p:attrNameLst>
+                                              <p:attrName>style.visibility</p:attrName>
+                                            </p:attrNameLst>
+                                          </p:cBhvr>
+                                          <p:to>
+                                            <p:strVal val="visible"/>
+                                          </p:to>
+                                        </p:set>
+                                        <p:anim calcmode="lin" valueType="num">
+                                          <p:cBhvr additive="base">
+                                            <p:cTn id="56" dur="500" fill="hold"/>
+                                            <p:tgtEl>
+                                              <p:spTgt spid="6">
+                                                <p:txEl>
+                                                  <p:pRg st="4" end="4"/>
+                                                </p:txEl>
+                                              </p:spTgt>
+                                            </p:tgtEl>
+                                            <p:attrNameLst>
+                                              <p:attrName>ppt_x</p:attrName>
+                                            </p:attrNameLst>
+                                          </p:cBhvr>
+                                          <p:tavLst>
+                                            <p:tav tm="0">
+                                              <p:val>
+                                                <p:strVal val="1+#ppt_w/2"/>
+                                              </p:val>
+                                            </p:tav>
+                                            <p:tav tm="100000">
+                                              <p:val>
+                                                <p:strVal val="#ppt_x"/>
+                                              </p:val>
+                                            </p:tav>
+                                          </p:tavLst>
+                                        </p:anim>
+                                        <p:anim calcmode="lin" valueType="num">
+                                          <p:cBhvr additive="base">
+                                            <p:cTn id="57" dur="500" fill="hold"/>
+                                            <p:tgtEl>
+                                              <p:spTgt spid="6">
+                                                <p:txEl>
+                                                  <p:pRg st="4" end="4"/>
+                                                </p:txEl>
+                                              </p:spTgt>
+                                            </p:tgtEl>
+                                            <p:attrNameLst>
+                                              <p:attrName>ppt_y</p:attrName>
+                                            </p:attrNameLst>
+                                          </p:cBhvr>
+                                          <p:tavLst>
+                                            <p:tav tm="0">
+                                              <p:val>
+                                                <p:strVal val="#ppt_y"/>
+                                              </p:val>
+                                            </p:tav>
+                                            <p:tav tm="100000">
+                                              <p:val>
+                                                <p:strVal val="#ppt_y"/>
+                                              </p:val>
+                                            </p:tav>
+                                          </p:tavLst>
+                                        </p:anim>
+                                      </p:childTnLst>
+                                    </p:cTn>
+                                  </p:par>
+                                  <p:par>
+                                    <p:cTn id="58" presetID="2" presetClass="entr" presetSubtype="2" fill="hold" grpId="0" nodeType="withEffect">
+                                      <p:stCondLst>
+                                        <p:cond delay="0"/>
+                                      </p:stCondLst>
+                                      <p:childTnLst>
+                                        <p:set>
+                                          <p:cBhvr>
+                                            <p:cTn id="59" dur="1" fill="hold">
+                                              <p:stCondLst>
+                                                <p:cond delay="0"/>
+                                              </p:stCondLst>
+                                            </p:cTn>
+                                            <p:tgtEl>
+                                              <p:spTgt spid="6">
+                                                <p:txEl>
+                                                  <p:pRg st="5" end="5"/>
+                                                </p:txEl>
+                                              </p:spTgt>
+                                            </p:tgtEl>
+                                            <p:attrNameLst>
+                                              <p:attrName>style.visibility</p:attrName>
+                                            </p:attrNameLst>
+                                          </p:cBhvr>
+                                          <p:to>
+                                            <p:strVal val="visible"/>
+                                          </p:to>
+                                        </p:set>
+                                        <p:anim calcmode="lin" valueType="num">
+                                          <p:cBhvr additive="base">
+                                            <p:cTn id="60" dur="500" fill="hold"/>
+                                            <p:tgtEl>
+                                              <p:spTgt spid="6">
+                                                <p:txEl>
+                                                  <p:pRg st="5" end="5"/>
+                                                </p:txEl>
+                                              </p:spTgt>
+                                            </p:tgtEl>
+                                            <p:attrNameLst>
+                                              <p:attrName>ppt_x</p:attrName>
+                                            </p:attrNameLst>
+                                          </p:cBhvr>
+                                          <p:tavLst>
+                                            <p:tav tm="0">
+                                              <p:val>
+                                                <p:strVal val="1+#ppt_w/2"/>
+                                              </p:val>
+                                            </p:tav>
+                                            <p:tav tm="100000">
+                                              <p:val>
+                                                <p:strVal val="#ppt_x"/>
+                                              </p:val>
+                                            </p:tav>
+                                          </p:tavLst>
+                                        </p:anim>
+                                        <p:anim calcmode="lin" valueType="num">
+                                          <p:cBhvr additive="base">
+                                            <p:cTn id="61" dur="500" fill="hold"/>
+                                            <p:tgtEl>
+                                              <p:spTgt spid="6">
+                                                <p:txEl>
+                                                  <p:pRg st="5" end="5"/>
+                                                </p:txEl>
+                                              </p:spTgt>
+                                            </p:tgtEl>
+                                            <p:attrNameLst>
+                                              <p:attrName>ppt_y</p:attrName>
+                                            </p:attrNameLst>
+                                          </p:cBhvr>
+                                          <p:tavLst>
+                                            <p:tav tm="0">
+                                              <p:val>
+                                                <p:strVal val="#ppt_y"/>
+                                              </p:val>
+                                            </p:tav>
+                                            <p:tav tm="100000">
+                                              <p:val>
+                                                <p:strVal val="#ppt_y"/>
+                                              </p:val>
+                                            </p:tav>
+                                          </p:tavLst>
+                                        </p:anim>
+                                      </p:childTnLst>
+                                    </p:cTn>
+                                  </p:par>
+                                  <p:par>
+                                    <p:cTn id="62" presetID="2" presetClass="entr" presetSubtype="2" fill="hold" grpId="0" nodeType="withEffect">
+                                      <p:stCondLst>
+                                        <p:cond delay="0"/>
+                                      </p:stCondLst>
+                                      <p:childTnLst>
+                                        <p:set>
+                                          <p:cBhvr>
+                                            <p:cTn id="63" dur="1" fill="hold">
+                                              <p:stCondLst>
+                                                <p:cond delay="0"/>
+                                              </p:stCondLst>
+                                            </p:cTn>
+                                            <p:tgtEl>
+                                              <p:spTgt spid="6">
+                                                <p:txEl>
+                                                  <p:pRg st="6" end="6"/>
+                                                </p:txEl>
+                                              </p:spTgt>
+                                            </p:tgtEl>
+                                            <p:attrNameLst>
+                                              <p:attrName>style.visibility</p:attrName>
+                                            </p:attrNameLst>
+                                          </p:cBhvr>
+                                          <p:to>
+                                            <p:strVal val="visible"/>
+                                          </p:to>
+                                        </p:set>
+                                        <p:anim calcmode="lin" valueType="num">
+                                          <p:cBhvr additive="base">
+                                            <p:cTn id="64" dur="500" fill="hold"/>
+                                            <p:tgtEl>
+                                              <p:spTgt spid="6">
+                                                <p:txEl>
+                                                  <p:pRg st="6" end="6"/>
+                                                </p:txEl>
+                                              </p:spTgt>
+                                            </p:tgtEl>
+                                            <p:attrNameLst>
+                                              <p:attrName>ppt_x</p:attrName>
+                                            </p:attrNameLst>
+                                          </p:cBhvr>
+                                          <p:tavLst>
+                                            <p:tav tm="0">
+                                              <p:val>
+                                                <p:strVal val="1+#ppt_w/2"/>
+                                              </p:val>
+                                            </p:tav>
+                                            <p:tav tm="100000">
+                                              <p:val>
+                                                <p:strVal val="#ppt_x"/>
+                                              </p:val>
+                                            </p:tav>
+                                          </p:tavLst>
+                                        </p:anim>
+                                        <p:anim calcmode="lin" valueType="num">
+                                          <p:cBhvr additive="base">
+                                            <p:cTn id="65" dur="500" fill="hold"/>
+                                            <p:tgtEl>
+                                              <p:spTgt spid="6">
+                                                <p:txEl>
+                                                  <p:pRg st="6" end="6"/>
+                                                </p:txEl>
+                                              </p:spTgt>
+                                            </p:tgtEl>
+                                            <p:attrNameLst>
+                                              <p:attrName>ppt_y</p:attrName>
+                                            </p:attrNameLst>
+                                          </p:cBhvr>
+                                          <p:tavLst>
+                                            <p:tav tm="0">
+                                              <p:val>
+                                                <p:strVal val="#ppt_y"/>
+                                              </p:val>
+                                            </p:tav>
+                                            <p:tav tm="100000">
+                                              <p:val>
+                                                <p:strVal val="#ppt_y"/>
+                                              </p:val>
+                                            </p:tav>
+                                          </p:tavLst>
+                                        </p:anim>
+                                      </p:childTnLst>
+                                    </p:cTn>
+                                  </p:par>
+                                  <p:par>
+                                    <p:cTn id="66" presetID="2" presetClass="entr" presetSubtype="2" fill="hold" grpId="0" nodeType="withEffect">
+                                      <p:stCondLst>
+                                        <p:cond delay="0"/>
+                                      </p:stCondLst>
+                                      <p:childTnLst>
+                                        <p:set>
+                                          <p:cBhvr>
+                                            <p:cTn id="67" dur="1" fill="hold">
+                                              <p:stCondLst>
+                                                <p:cond delay="0"/>
+                                              </p:stCondLst>
+                                            </p:cTn>
+                                            <p:tgtEl>
+                                              <p:spTgt spid="6">
+                                                <p:txEl>
+                                                  <p:pRg st="7" end="7"/>
+                                                </p:txEl>
+                                              </p:spTgt>
+                                            </p:tgtEl>
+                                            <p:attrNameLst>
+                                              <p:attrName>style.visibility</p:attrName>
+                                            </p:attrNameLst>
+                                          </p:cBhvr>
+                                          <p:to>
+                                            <p:strVal val="visible"/>
+                                          </p:to>
+                                        </p:set>
+                                        <p:anim calcmode="lin" valueType="num">
+                                          <p:cBhvr additive="base">
+                                            <p:cTn id="68" dur="500" fill="hold"/>
+                                            <p:tgtEl>
+                                              <p:spTgt spid="6">
+                                                <p:txEl>
+                                                  <p:pRg st="7" end="7"/>
+                                                </p:txEl>
+                                              </p:spTgt>
+                                            </p:tgtEl>
+                                            <p:attrNameLst>
+                                              <p:attrName>ppt_x</p:attrName>
+                                            </p:attrNameLst>
+                                          </p:cBhvr>
+                                          <p:tavLst>
+                                            <p:tav tm="0">
+                                              <p:val>
+                                                <p:strVal val="1+#ppt_w/2"/>
+                                              </p:val>
+                                            </p:tav>
+                                            <p:tav tm="100000">
+                                              <p:val>
+                                                <p:strVal val="#ppt_x"/>
+                                              </p:val>
+                                            </p:tav>
+                                          </p:tavLst>
+                                        </p:anim>
+                                        <p:anim calcmode="lin" valueType="num">
+                                          <p:cBhvr additive="base">
+                                            <p:cTn id="69" dur="500" fill="hold"/>
+                                            <p:tgtEl>
+                                              <p:spTgt spid="6">
+                                                <p:txEl>
+                                                  <p:pRg st="7" end="7"/>
+                                                </p:txEl>
+                                              </p:spTgt>
+                                            </p:tgtEl>
+                                            <p:attrNameLst>
+                                              <p:attrName>ppt_y</p:attrName>
+                                            </p:attrNameLst>
+                                          </p:cBhvr>
+                                          <p:tavLst>
+                                            <p:tav tm="0">
+                                              <p:val>
+                                                <p:strVal val="#ppt_y"/>
+                                              </p:val>
+                                            </p:tav>
+                                            <p:tav tm="100000">
+                                              <p:val>
+                                                <p:strVal val="#ppt_y"/>
+                                              </p:val>
+                                            </p:tav>
+                                          </p:tavLst>
+                                        </p:anim>
+                                      </p:childTnLst>
+                                    </p:cTn>
+                                  </p:par>
+                                  <p:par>
+                                    <p:cTn id="70" presetID="2" presetClass="entr" presetSubtype="2" fill="hold" grpId="0" nodeType="withEffect">
+                                      <p:stCondLst>
+                                        <p:cond delay="0"/>
+                                      </p:stCondLst>
+                                      <p:childTnLst>
+                                        <p:set>
+                                          <p:cBhvr>
+                                            <p:cTn id="71" dur="1" fill="hold">
+                                              <p:stCondLst>
+                                                <p:cond delay="0"/>
+                                              </p:stCondLst>
+                                            </p:cTn>
+                                            <p:tgtEl>
+                                              <p:spTgt spid="6">
+                                                <p:txEl>
+                                                  <p:pRg st="8" end="8"/>
+                                                </p:txEl>
+                                              </p:spTgt>
+                                            </p:tgtEl>
+                                            <p:attrNameLst>
+                                              <p:attrName>style.visibility</p:attrName>
+                                            </p:attrNameLst>
+                                          </p:cBhvr>
+                                          <p:to>
+                                            <p:strVal val="visible"/>
+                                          </p:to>
+                                        </p:set>
+                                        <p:anim calcmode="lin" valueType="num">
+                                          <p:cBhvr additive="base">
+                                            <p:cTn id="72" dur="500" fill="hold"/>
+                                            <p:tgtEl>
+                                              <p:spTgt spid="6">
+                                                <p:txEl>
+                                                  <p:pRg st="8" end="8"/>
+                                                </p:txEl>
+                                              </p:spTgt>
+                                            </p:tgtEl>
+                                            <p:attrNameLst>
+                                              <p:attrName>ppt_x</p:attrName>
+                                            </p:attrNameLst>
+                                          </p:cBhvr>
+                                          <p:tavLst>
+                                            <p:tav tm="0">
+                                              <p:val>
+                                                <p:strVal val="1+#ppt_w/2"/>
+                                              </p:val>
+                                            </p:tav>
+                                            <p:tav tm="100000">
+                                              <p:val>
+                                                <p:strVal val="#ppt_x"/>
+                                              </p:val>
+                                            </p:tav>
+                                          </p:tavLst>
+                                        </p:anim>
+                                        <p:anim calcmode="lin" valueType="num">
+                                          <p:cBhvr additive="base">
+                                            <p:cTn id="73" dur="500" fill="hold"/>
+                                            <p:tgtEl>
+                                              <p:spTgt spid="6">
+                                                <p:txEl>
+                                                  <p:pRg st="8" end="8"/>
+                                                </p:txEl>
+                                              </p:spTgt>
+                                            </p:tgtEl>
+                                            <p:attrNameLst>
+                                              <p:attrName>ppt_y</p:attrName>
+                                            </p:attrNameLst>
+                                          </p:cBhvr>
+                                          <p:tavLst>
+                                            <p:tav tm="0">
+                                              <p:val>
+                                                <p:strVal val="#ppt_y"/>
+                                              </p:val>
+                                            </p:tav>
+                                            <p:tav tm="100000">
+                                              <p:val>
+                                                <p:strVal val="#ppt_y"/>
+                                              </p:val>
+                                            </p:tav>
+                                          </p:tavLst>
+                                        </p:anim>
+                                      </p:childTnLst>
+                                    </p:cTn>
+                                  </p:par>
+                                </p:childTnLst>
+                              </p:cTn>
+                            </p:par>
+                          </p:childTnLst>
+                        </p:cTn>
+                      </p:par>
+                    </p:childTnLst>
+                  </p:cTn>
+                  <p:prevCondLst>
+                    <p:cond evt="onPrev" delay="0">
+                      <p:tgtEl>
+                        <p:sldTgt/>
+                      </p:tgtEl>
+                    </p:cond>
+                  </p:prevCondLst>
+                  <p:nextCondLst>
+                    <p:cond evt="onNext" delay="0">
+                      <p:tgtEl>
+                        <p:sldTgt/>
+                      </p:tgtEl>
+                    </p:cond>
+                  </p:nextCondLst>
+                </p:seq>
+              </p:childTnLst>
+            </p:cTn>
+          </p:par>
+        </p:tnLst>
+        <p:bldLst>
+          <p:bldP spid="3" grpId="0" uiExpand="1" build="p" animBg="1"/>
+          <p:bldP spid="6" grpId="0" uiExpand="1" build="allAtOnce" animBg="1"/>
+        </p:bldLst>
+      </p:timing>
+    </mc:Fallback>
+  </mc:AlternateContent>
 </p:sld>
 </file>
 
@@ -12818,7 +17656,19 @@
           <a:p>
             <a:r>
               <a:rPr lang="en-US" altLang="en-US" dirty="0"/>
-              <a:t>Why Sass over Less?</a:t>
+              <a:t>Why </a:t>
+            </a:r>
+            <a:r>
+              <a:rPr lang="en-US" altLang="en-US" dirty="0" smtClean="0"/>
+              <a:t>SASS </a:t>
+            </a:r>
+            <a:r>
+              <a:rPr lang="en-US" altLang="en-US" dirty="0"/>
+              <a:t>over </a:t>
+            </a:r>
+            <a:r>
+              <a:rPr lang="en-US" altLang="en-US" dirty="0" smtClean="0"/>
+              <a:t>LESS?</a:t>
             </a:r>
             <a:endParaRPr lang="en-US" dirty="0"/>
           </a:p>
@@ -12846,8 +17696,13 @@
           <a:p>
             <a:r>
               <a:rPr lang="en-US" dirty="0" smtClean="0"/>
-              <a:t>SASS Pro</a:t>
-            </a:r>
+              <a:t>SASS </a:t>
+            </a:r>
+            <a:r>
+              <a:rPr lang="en-US" dirty="0" smtClean="0"/>
+              <a:t>Pros</a:t>
+            </a:r>
+            <a:endParaRPr lang="en-US" dirty="0" smtClean="0"/>
           </a:p>
           <a:p>
             <a:pPr lvl="1"/>
@@ -12959,8 +17814,13 @@
           <a:p>
             <a:r>
               <a:rPr lang="en-US" dirty="0" smtClean="0"/>
-              <a:t>LESS Pro</a:t>
-            </a:r>
+              <a:t>LESS </a:t>
+            </a:r>
+            <a:r>
+              <a:rPr lang="en-US" dirty="0" smtClean="0"/>
+              <a:t>Pros</a:t>
+            </a:r>
+            <a:endParaRPr lang="en-US" dirty="0" smtClean="0"/>
           </a:p>
           <a:p>
             <a:pPr lvl="1"/>
@@ -13058,15 +17918,7 @@
             </a:r>
             <a:r>
               <a:rPr lang="en-US" sz="1600" dirty="0"/>
-              <a:t>and lightweight </a:t>
-            </a:r>
-            <a:r>
-              <a:rPr lang="en-US" sz="1600" dirty="0" err="1"/>
-              <a:t>mixin</a:t>
-            </a:r>
-            <a:r>
-              <a:rPr lang="en-US" sz="1600" dirty="0"/>
-              <a:t> library for Sass. Compass is a collection of helpful tools and battle-tested best practices for Sass.</a:t>
+              <a:t>and lightweight mixin library for Sass. Compass is a collection of helpful tools and battle-tested best practices for Sass.</a:t>
             </a:r>
           </a:p>
           <a:p>
@@ -13099,9 +17951,557 @@
   <p:timing>
     <p:tnLst>
       <p:par>
-        <p:cTn id="1" dur="indefinite" restart="never" nodeType="tmRoot"/>
+        <p:cTn id="1" dur="indefinite" restart="never" nodeType="tmRoot">
+          <p:childTnLst>
+            <p:seq concurrent="1" nextAc="seek">
+              <p:cTn id="2" dur="indefinite" nodeType="mainSeq">
+                <p:childTnLst>
+                  <p:par>
+                    <p:cTn id="3" fill="hold">
+                      <p:stCondLst>
+                        <p:cond delay="indefinite"/>
+                      </p:stCondLst>
+                      <p:childTnLst>
+                        <p:par>
+                          <p:cTn id="4" fill="hold">
+                            <p:stCondLst>
+                              <p:cond delay="0"/>
+                            </p:stCondLst>
+                            <p:childTnLst>
+                              <p:par>
+                                <p:cTn id="5" presetID="1" presetClass="entr" presetSubtype="0" fill="hold" grpId="0" nodeType="clickEffect">
+                                  <p:stCondLst>
+                                    <p:cond delay="0"/>
+                                  </p:stCondLst>
+                                  <p:childTnLst>
+                                    <p:set>
+                                      <p:cBhvr>
+                                        <p:cTn id="6" dur="1" fill="hold">
+                                          <p:stCondLst>
+                                            <p:cond delay="0"/>
+                                          </p:stCondLst>
+                                        </p:cTn>
+                                        <p:tgtEl>
+                                          <p:spTgt spid="3">
+                                            <p:bg/>
+                                          </p:spTgt>
+                                        </p:tgtEl>
+                                        <p:attrNameLst>
+                                          <p:attrName>style.visibility</p:attrName>
+                                        </p:attrNameLst>
+                                      </p:cBhvr>
+                                      <p:to>
+                                        <p:strVal val="visible"/>
+                                      </p:to>
+                                    </p:set>
+                                  </p:childTnLst>
+                                </p:cTn>
+                              </p:par>
+                              <p:par>
+                                <p:cTn id="7" presetID="1" presetClass="entr" presetSubtype="0" fill="hold" grpId="0" nodeType="withEffect">
+                                  <p:stCondLst>
+                                    <p:cond delay="0"/>
+                                  </p:stCondLst>
+                                  <p:childTnLst>
+                                    <p:set>
+                                      <p:cBhvr>
+                                        <p:cTn id="8" dur="1" fill="hold">
+                                          <p:stCondLst>
+                                            <p:cond delay="0"/>
+                                          </p:stCondLst>
+                                        </p:cTn>
+                                        <p:tgtEl>
+                                          <p:spTgt spid="3">
+                                            <p:txEl>
+                                              <p:pRg st="0" end="0"/>
+                                            </p:txEl>
+                                          </p:spTgt>
+                                        </p:tgtEl>
+                                        <p:attrNameLst>
+                                          <p:attrName>style.visibility</p:attrName>
+                                        </p:attrNameLst>
+                                      </p:cBhvr>
+                                      <p:to>
+                                        <p:strVal val="visible"/>
+                                      </p:to>
+                                    </p:set>
+                                  </p:childTnLst>
+                                </p:cTn>
+                              </p:par>
+                              <p:par>
+                                <p:cTn id="9" presetID="1" presetClass="entr" presetSubtype="0" fill="hold" grpId="0" nodeType="withEffect">
+                                  <p:stCondLst>
+                                    <p:cond delay="0"/>
+                                  </p:stCondLst>
+                                  <p:childTnLst>
+                                    <p:set>
+                                      <p:cBhvr>
+                                        <p:cTn id="10" dur="1" fill="hold">
+                                          <p:stCondLst>
+                                            <p:cond delay="0"/>
+                                          </p:stCondLst>
+                                        </p:cTn>
+                                        <p:tgtEl>
+                                          <p:spTgt spid="3">
+                                            <p:txEl>
+                                              <p:pRg st="1" end="1"/>
+                                            </p:txEl>
+                                          </p:spTgt>
+                                        </p:tgtEl>
+                                        <p:attrNameLst>
+                                          <p:attrName>style.visibility</p:attrName>
+                                        </p:attrNameLst>
+                                      </p:cBhvr>
+                                      <p:to>
+                                        <p:strVal val="visible"/>
+                                      </p:to>
+                                    </p:set>
+                                  </p:childTnLst>
+                                </p:cTn>
+                              </p:par>
+                              <p:par>
+                                <p:cTn id="11" presetID="1" presetClass="entr" presetSubtype="0" fill="hold" grpId="0" nodeType="withEffect">
+                                  <p:stCondLst>
+                                    <p:cond delay="0"/>
+                                  </p:stCondLst>
+                                  <p:childTnLst>
+                                    <p:set>
+                                      <p:cBhvr>
+                                        <p:cTn id="12" dur="1" fill="hold">
+                                          <p:stCondLst>
+                                            <p:cond delay="0"/>
+                                          </p:stCondLst>
+                                        </p:cTn>
+                                        <p:tgtEl>
+                                          <p:spTgt spid="3">
+                                            <p:txEl>
+                                              <p:pRg st="2" end="2"/>
+                                            </p:txEl>
+                                          </p:spTgt>
+                                        </p:tgtEl>
+                                        <p:attrNameLst>
+                                          <p:attrName>style.visibility</p:attrName>
+                                        </p:attrNameLst>
+                                      </p:cBhvr>
+                                      <p:to>
+                                        <p:strVal val="visible"/>
+                                      </p:to>
+                                    </p:set>
+                                  </p:childTnLst>
+                                </p:cTn>
+                              </p:par>
+                              <p:par>
+                                <p:cTn id="13" presetID="1" presetClass="entr" presetSubtype="0" fill="hold" grpId="0" nodeType="withEffect">
+                                  <p:stCondLst>
+                                    <p:cond delay="0"/>
+                                  </p:stCondLst>
+                                  <p:childTnLst>
+                                    <p:set>
+                                      <p:cBhvr>
+                                        <p:cTn id="14" dur="1" fill="hold">
+                                          <p:stCondLst>
+                                            <p:cond delay="0"/>
+                                          </p:stCondLst>
+                                        </p:cTn>
+                                        <p:tgtEl>
+                                          <p:spTgt spid="3">
+                                            <p:txEl>
+                                              <p:pRg st="3" end="3"/>
+                                            </p:txEl>
+                                          </p:spTgt>
+                                        </p:tgtEl>
+                                        <p:attrNameLst>
+                                          <p:attrName>style.visibility</p:attrName>
+                                        </p:attrNameLst>
+                                      </p:cBhvr>
+                                      <p:to>
+                                        <p:strVal val="visible"/>
+                                      </p:to>
+                                    </p:set>
+                                  </p:childTnLst>
+                                </p:cTn>
+                              </p:par>
+                              <p:par>
+                                <p:cTn id="15" presetID="1" presetClass="entr" presetSubtype="0" fill="hold" grpId="0" nodeType="withEffect">
+                                  <p:stCondLst>
+                                    <p:cond delay="0"/>
+                                  </p:stCondLst>
+                                  <p:childTnLst>
+                                    <p:set>
+                                      <p:cBhvr>
+                                        <p:cTn id="16" dur="1" fill="hold">
+                                          <p:stCondLst>
+                                            <p:cond delay="0"/>
+                                          </p:stCondLst>
+                                        </p:cTn>
+                                        <p:tgtEl>
+                                          <p:spTgt spid="3">
+                                            <p:txEl>
+                                              <p:pRg st="4" end="4"/>
+                                            </p:txEl>
+                                          </p:spTgt>
+                                        </p:tgtEl>
+                                        <p:attrNameLst>
+                                          <p:attrName>style.visibility</p:attrName>
+                                        </p:attrNameLst>
+                                      </p:cBhvr>
+                                      <p:to>
+                                        <p:strVal val="visible"/>
+                                      </p:to>
+                                    </p:set>
+                                  </p:childTnLst>
+                                </p:cTn>
+                              </p:par>
+                            </p:childTnLst>
+                          </p:cTn>
+                        </p:par>
+                      </p:childTnLst>
+                    </p:cTn>
+                  </p:par>
+                  <p:par>
+                    <p:cTn id="17" fill="hold">
+                      <p:stCondLst>
+                        <p:cond delay="indefinite"/>
+                      </p:stCondLst>
+                      <p:childTnLst>
+                        <p:par>
+                          <p:cTn id="18" fill="hold">
+                            <p:stCondLst>
+                              <p:cond delay="0"/>
+                            </p:stCondLst>
+                            <p:childTnLst>
+                              <p:par>
+                                <p:cTn id="19" presetID="1" presetClass="entr" presetSubtype="0" fill="hold" grpId="0" nodeType="clickEffect">
+                                  <p:stCondLst>
+                                    <p:cond delay="0"/>
+                                  </p:stCondLst>
+                                  <p:childTnLst>
+                                    <p:set>
+                                      <p:cBhvr>
+                                        <p:cTn id="20" dur="1" fill="hold">
+                                          <p:stCondLst>
+                                            <p:cond delay="0"/>
+                                          </p:stCondLst>
+                                        </p:cTn>
+                                        <p:tgtEl>
+                                          <p:spTgt spid="6">
+                                            <p:bg/>
+                                          </p:spTgt>
+                                        </p:tgtEl>
+                                        <p:attrNameLst>
+                                          <p:attrName>style.visibility</p:attrName>
+                                        </p:attrNameLst>
+                                      </p:cBhvr>
+                                      <p:to>
+                                        <p:strVal val="visible"/>
+                                      </p:to>
+                                    </p:set>
+                                  </p:childTnLst>
+                                </p:cTn>
+                              </p:par>
+                              <p:par>
+                                <p:cTn id="21" presetID="1" presetClass="entr" presetSubtype="0" fill="hold" grpId="0" nodeType="withEffect">
+                                  <p:stCondLst>
+                                    <p:cond delay="0"/>
+                                  </p:stCondLst>
+                                  <p:childTnLst>
+                                    <p:set>
+                                      <p:cBhvr>
+                                        <p:cTn id="22" dur="1" fill="hold">
+                                          <p:stCondLst>
+                                            <p:cond delay="0"/>
+                                          </p:stCondLst>
+                                        </p:cTn>
+                                        <p:tgtEl>
+                                          <p:spTgt spid="6">
+                                            <p:txEl>
+                                              <p:pRg st="0" end="0"/>
+                                            </p:txEl>
+                                          </p:spTgt>
+                                        </p:tgtEl>
+                                        <p:attrNameLst>
+                                          <p:attrName>style.visibility</p:attrName>
+                                        </p:attrNameLst>
+                                      </p:cBhvr>
+                                      <p:to>
+                                        <p:strVal val="visible"/>
+                                      </p:to>
+                                    </p:set>
+                                  </p:childTnLst>
+                                </p:cTn>
+                              </p:par>
+                              <p:par>
+                                <p:cTn id="23" presetID="1" presetClass="entr" presetSubtype="0" fill="hold" grpId="0" nodeType="withEffect">
+                                  <p:stCondLst>
+                                    <p:cond delay="0"/>
+                                  </p:stCondLst>
+                                  <p:childTnLst>
+                                    <p:set>
+                                      <p:cBhvr>
+                                        <p:cTn id="24" dur="1" fill="hold">
+                                          <p:stCondLst>
+                                            <p:cond delay="0"/>
+                                          </p:stCondLst>
+                                        </p:cTn>
+                                        <p:tgtEl>
+                                          <p:spTgt spid="6">
+                                            <p:txEl>
+                                              <p:pRg st="1" end="1"/>
+                                            </p:txEl>
+                                          </p:spTgt>
+                                        </p:tgtEl>
+                                        <p:attrNameLst>
+                                          <p:attrName>style.visibility</p:attrName>
+                                        </p:attrNameLst>
+                                      </p:cBhvr>
+                                      <p:to>
+                                        <p:strVal val="visible"/>
+                                      </p:to>
+                                    </p:set>
+                                  </p:childTnLst>
+                                </p:cTn>
+                              </p:par>
+                              <p:par>
+                                <p:cTn id="25" presetID="1" presetClass="entr" presetSubtype="0" fill="hold" grpId="0" nodeType="withEffect">
+                                  <p:stCondLst>
+                                    <p:cond delay="0"/>
+                                  </p:stCondLst>
+                                  <p:childTnLst>
+                                    <p:set>
+                                      <p:cBhvr>
+                                        <p:cTn id="26" dur="1" fill="hold">
+                                          <p:stCondLst>
+                                            <p:cond delay="0"/>
+                                          </p:stCondLst>
+                                        </p:cTn>
+                                        <p:tgtEl>
+                                          <p:spTgt spid="6">
+                                            <p:txEl>
+                                              <p:pRg st="2" end="2"/>
+                                            </p:txEl>
+                                          </p:spTgt>
+                                        </p:tgtEl>
+                                        <p:attrNameLst>
+                                          <p:attrName>style.visibility</p:attrName>
+                                        </p:attrNameLst>
+                                      </p:cBhvr>
+                                      <p:to>
+                                        <p:strVal val="visible"/>
+                                      </p:to>
+                                    </p:set>
+                                  </p:childTnLst>
+                                </p:cTn>
+                              </p:par>
+                              <p:par>
+                                <p:cTn id="27" presetID="1" presetClass="entr" presetSubtype="0" fill="hold" grpId="0" nodeType="withEffect">
+                                  <p:stCondLst>
+                                    <p:cond delay="0"/>
+                                  </p:stCondLst>
+                                  <p:childTnLst>
+                                    <p:set>
+                                      <p:cBhvr>
+                                        <p:cTn id="28" dur="1" fill="hold">
+                                          <p:stCondLst>
+                                            <p:cond delay="0"/>
+                                          </p:stCondLst>
+                                        </p:cTn>
+                                        <p:tgtEl>
+                                          <p:spTgt spid="6">
+                                            <p:txEl>
+                                              <p:pRg st="3" end="3"/>
+                                            </p:txEl>
+                                          </p:spTgt>
+                                        </p:tgtEl>
+                                        <p:attrNameLst>
+                                          <p:attrName>style.visibility</p:attrName>
+                                        </p:attrNameLst>
+                                      </p:cBhvr>
+                                      <p:to>
+                                        <p:strVal val="visible"/>
+                                      </p:to>
+                                    </p:set>
+                                  </p:childTnLst>
+                                </p:cTn>
+                              </p:par>
+                            </p:childTnLst>
+                          </p:cTn>
+                        </p:par>
+                      </p:childTnLst>
+                    </p:cTn>
+                  </p:par>
+                  <p:par>
+                    <p:cTn id="29" fill="hold">
+                      <p:stCondLst>
+                        <p:cond delay="indefinite"/>
+                      </p:stCondLst>
+                      <p:childTnLst>
+                        <p:par>
+                          <p:cTn id="30" fill="hold">
+                            <p:stCondLst>
+                              <p:cond delay="0"/>
+                            </p:stCondLst>
+                            <p:childTnLst>
+                              <p:par>
+                                <p:cTn id="31" presetID="3" presetClass="entr" presetSubtype="10" fill="hold" grpId="0" nodeType="clickEffect">
+                                  <p:stCondLst>
+                                    <p:cond delay="0"/>
+                                  </p:stCondLst>
+                                  <p:childTnLst>
+                                    <p:set>
+                                      <p:cBhvr>
+                                        <p:cTn id="32" dur="1" fill="hold">
+                                          <p:stCondLst>
+                                            <p:cond delay="0"/>
+                                          </p:stCondLst>
+                                        </p:cTn>
+                                        <p:tgtEl>
+                                          <p:spTgt spid="4">
+                                            <p:txEl>
+                                              <p:pRg st="0" end="0"/>
+                                            </p:txEl>
+                                          </p:spTgt>
+                                        </p:tgtEl>
+                                        <p:attrNameLst>
+                                          <p:attrName>style.visibility</p:attrName>
+                                        </p:attrNameLst>
+                                      </p:cBhvr>
+                                      <p:to>
+                                        <p:strVal val="visible"/>
+                                      </p:to>
+                                    </p:set>
+                                    <p:animEffect transition="in" filter="blinds(horizontal)">
+                                      <p:cBhvr>
+                                        <p:cTn id="33" dur="500"/>
+                                        <p:tgtEl>
+                                          <p:spTgt spid="4">
+                                            <p:txEl>
+                                              <p:pRg st="0" end="0"/>
+                                            </p:txEl>
+                                          </p:spTgt>
+                                        </p:tgtEl>
+                                      </p:cBhvr>
+                                    </p:animEffect>
+                                  </p:childTnLst>
+                                </p:cTn>
+                              </p:par>
+                              <p:par>
+                                <p:cTn id="34" presetID="3" presetClass="entr" presetSubtype="10" fill="hold" grpId="0" nodeType="withEffect">
+                                  <p:stCondLst>
+                                    <p:cond delay="0"/>
+                                  </p:stCondLst>
+                                  <p:childTnLst>
+                                    <p:set>
+                                      <p:cBhvr>
+                                        <p:cTn id="35" dur="1" fill="hold">
+                                          <p:stCondLst>
+                                            <p:cond delay="0"/>
+                                          </p:stCondLst>
+                                        </p:cTn>
+                                        <p:tgtEl>
+                                          <p:spTgt spid="4">
+                                            <p:txEl>
+                                              <p:pRg st="2" end="2"/>
+                                            </p:txEl>
+                                          </p:spTgt>
+                                        </p:tgtEl>
+                                        <p:attrNameLst>
+                                          <p:attrName>style.visibility</p:attrName>
+                                        </p:attrNameLst>
+                                      </p:cBhvr>
+                                      <p:to>
+                                        <p:strVal val="visible"/>
+                                      </p:to>
+                                    </p:set>
+                                    <p:animEffect transition="in" filter="blinds(horizontal)">
+                                      <p:cBhvr>
+                                        <p:cTn id="36" dur="500"/>
+                                        <p:tgtEl>
+                                          <p:spTgt spid="4">
+                                            <p:txEl>
+                                              <p:pRg st="2" end="2"/>
+                                            </p:txEl>
+                                          </p:spTgt>
+                                        </p:tgtEl>
+                                      </p:cBhvr>
+                                    </p:animEffect>
+                                  </p:childTnLst>
+                                </p:cTn>
+                              </p:par>
+                              <p:par>
+                                <p:cTn id="37" presetID="3" presetClass="entr" presetSubtype="10" fill="hold" grpId="0" nodeType="withEffect">
+                                  <p:stCondLst>
+                                    <p:cond delay="0"/>
+                                  </p:stCondLst>
+                                  <p:childTnLst>
+                                    <p:set>
+                                      <p:cBhvr>
+                                        <p:cTn id="38" dur="1" fill="hold">
+                                          <p:stCondLst>
+                                            <p:cond delay="0"/>
+                                          </p:stCondLst>
+                                        </p:cTn>
+                                        <p:tgtEl>
+                                          <p:spTgt spid="4">
+                                            <p:txEl>
+                                              <p:pRg st="3" end="3"/>
+                                            </p:txEl>
+                                          </p:spTgt>
+                                        </p:tgtEl>
+                                        <p:attrNameLst>
+                                          <p:attrName>style.visibility</p:attrName>
+                                        </p:attrNameLst>
+                                      </p:cBhvr>
+                                      <p:to>
+                                        <p:strVal val="visible"/>
+                                      </p:to>
+                                    </p:set>
+                                    <p:animEffect transition="in" filter="blinds(horizontal)">
+                                      <p:cBhvr>
+                                        <p:cTn id="39" dur="500"/>
+                                        <p:tgtEl>
+                                          <p:spTgt spid="4">
+                                            <p:txEl>
+                                              <p:pRg st="3" end="3"/>
+                                            </p:txEl>
+                                          </p:spTgt>
+                                        </p:tgtEl>
+                                      </p:cBhvr>
+                                    </p:animEffect>
+                                  </p:childTnLst>
+                                </p:cTn>
+                              </p:par>
+                            </p:childTnLst>
+                          </p:cTn>
+                        </p:par>
+                      </p:childTnLst>
+                    </p:cTn>
+                  </p:par>
+                </p:childTnLst>
+              </p:cTn>
+              <p:prevCondLst>
+                <p:cond evt="onPrev" delay="0">
+                  <p:tgtEl>
+                    <p:sldTgt/>
+                  </p:tgtEl>
+                </p:cond>
+              </p:prevCondLst>
+              <p:nextCondLst>
+                <p:cond evt="onNext" delay="0">
+                  <p:tgtEl>
+                    <p:sldTgt/>
+                  </p:tgtEl>
+                </p:cond>
+              </p:nextCondLst>
+            </p:seq>
+          </p:childTnLst>
+        </p:cTn>
       </p:par>
     </p:tnLst>
+    <p:bldLst>
+      <p:bldP spid="3" grpId="0" uiExpand="1" build="allAtOnce" animBg="1"/>
+      <p:bldP spid="6" grpId="0" build="allAtOnce" animBg="1"/>
+      <p:bldP spid="4" grpId="0" build="allAtOnce"/>
+    </p:bldLst>
   </p:timing>
 </p:sld>
 </file>
@@ -13177,8 +18577,8 @@
         </p:nvSpPr>
         <p:spPr>
           <a:xfrm>
-            <a:off x="3403480" y="1537696"/>
-            <a:ext cx="2870320" cy="2354491"/>
+            <a:off x="3376117" y="2463333"/>
+            <a:ext cx="2870320" cy="2083647"/>
           </a:xfrm>
           <a:prstGeom prst="rect">
             <a:avLst/>
@@ -13220,27 +18620,12 @@
               </a:spcBef>
             </a:pPr>
             <a:r>
-              <a:rPr lang="en-US" sz="1400" b="1" u="sng" dirty="0" smtClean="0">
-                <a:solidFill>
-                  <a:schemeClr val="bg1"/>
-                </a:solidFill>
-                <a:ea typeface="Roboto Regular" pitchFamily="2" charset="0"/>
-              </a:rPr>
-              <a:t>Output CSS:</a:t>
-            </a:r>
-          </a:p>
-          <a:p>
-            <a:pPr>
-              <a:lnSpc>
-                <a:spcPct val="90000"/>
-              </a:lnSpc>
-              <a:spcBef>
-                <a:spcPts val="600"/>
-              </a:spcBef>
-            </a:pPr>
+              <a:rPr lang="en-US" sz="1400" b="1" dirty="0" smtClean="0"/>
+              <a:t>.</a:t>
+            </a:r>
             <a:r>
               <a:rPr lang="en-US" sz="1400" b="1" dirty="0"/>
-              <a:t>.content {  </a:t>
+              <a:t>content {  </a:t>
             </a:r>
             <a:br>
               <a:rPr lang="en-US" sz="1400" b="1" dirty="0"/>
@@ -13386,8 +18771,8 @@
         </p:nvSpPr>
         <p:spPr bwMode="black">
           <a:xfrm>
-            <a:off x="304800" y="694628"/>
-            <a:ext cx="5943600" cy="657922"/>
+            <a:off x="287867" y="1072038"/>
+            <a:ext cx="5943600" cy="353122"/>
           </a:xfrm>
           <a:prstGeom prst="rect">
             <a:avLst/>
@@ -13617,8 +19002,8 @@
         </p:nvSpPr>
         <p:spPr bwMode="black">
           <a:xfrm>
-            <a:off x="296333" y="1537696"/>
-            <a:ext cx="2954867" cy="2634253"/>
+            <a:off x="304800" y="1962150"/>
+            <a:ext cx="2954867" cy="2855674"/>
           </a:xfrm>
           <a:prstGeom prst="rect">
             <a:avLst/>
@@ -13796,12 +19181,37 @@
             </a:lvl9pPr>
           </a:lstStyle>
           <a:p>
+            <a:pPr marL="0" indent="0">
+              <a:buNone/>
+            </a:pPr>
+            <a:r>
+              <a:rPr lang="en-US" sz="1600" dirty="0" smtClean="0"/>
+              <a:t>@import </a:t>
+            </a:r>
+            <a:r>
+              <a:rPr lang="en-US" sz="1600" dirty="0" smtClean="0"/>
+              <a:t>‘_variables</a:t>
+            </a:r>
+            <a:r>
+              <a:rPr lang="en-US" sz="1600" dirty="0" smtClean="0"/>
+              <a:t>’;</a:t>
+            </a:r>
+            <a:br>
+              <a:rPr lang="en-US" sz="1600" dirty="0" smtClean="0"/>
+            </a:br>
+            <a:endParaRPr lang="en-US" sz="1600" dirty="0" smtClean="0"/>
+          </a:p>
+          <a:p>
             <a:pPr marL="287338" lvl="1" indent="0">
               <a:buNone/>
             </a:pPr>
             <a:r>
+              <a:rPr lang="en-US" dirty="0" smtClean="0"/>
+              <a:t>.</a:t>
+            </a:r>
+            <a:r>
               <a:rPr lang="en-US" dirty="0"/>
-              <a:t>.content {</a:t>
+              <a:t>content {</a:t>
             </a:r>
           </a:p>
           <a:p>
@@ -13894,6 +19304,130 @@
               <a:rPr lang="en-US" sz="1400" dirty="0"/>
             </a:br>
             <a:endParaRPr lang="en-US" sz="1400" dirty="0"/>
+          </a:p>
+        </p:txBody>
+      </p:sp>
+      <p:sp>
+        <p:nvSpPr>
+          <p:cNvPr id="3" name="TextBox 2"/>
+          <p:cNvSpPr txBox="1"/>
+          <p:nvPr/>
+        </p:nvSpPr>
+        <p:spPr>
+          <a:xfrm>
+            <a:off x="287867" y="728387"/>
+            <a:ext cx="1465145" cy="249299"/>
+          </a:xfrm>
+          <a:prstGeom prst="rect">
+            <a:avLst/>
+          </a:prstGeom>
+          <a:noFill/>
+        </p:spPr>
+        <p:txBody>
+          <a:bodyPr wrap="none" lIns="0" tIns="0" rIns="0" bIns="0" rtlCol="0" anchor="ctr" anchorCtr="0">
+            <a:spAutoFit/>
+          </a:bodyPr>
+          <a:lstStyle/>
+          <a:p>
+            <a:pPr>
+              <a:lnSpc>
+                <a:spcPct val="90000"/>
+              </a:lnSpc>
+              <a:spcBef>
+                <a:spcPts val="600"/>
+              </a:spcBef>
+            </a:pPr>
+            <a:r>
+              <a:rPr lang="en-US" dirty="0" smtClean="0">
+                <a:latin typeface="Roboto Regular" pitchFamily="2" charset="0"/>
+                <a:ea typeface="Roboto Regular" pitchFamily="2" charset="0"/>
+              </a:rPr>
+              <a:t>_variable.scss</a:t>
+            </a:r>
+          </a:p>
+        </p:txBody>
+      </p:sp>
+      <p:sp>
+        <p:nvSpPr>
+          <p:cNvPr id="4" name="TextBox 3"/>
+          <p:cNvSpPr txBox="1"/>
+          <p:nvPr/>
+        </p:nvSpPr>
+        <p:spPr>
+          <a:xfrm>
+            <a:off x="304800" y="1586748"/>
+            <a:ext cx="1064394" cy="249299"/>
+          </a:xfrm>
+          <a:prstGeom prst="rect">
+            <a:avLst/>
+          </a:prstGeom>
+          <a:noFill/>
+        </p:spPr>
+        <p:txBody>
+          <a:bodyPr wrap="none" lIns="0" tIns="0" rIns="0" bIns="0" rtlCol="0" anchor="ctr" anchorCtr="0">
+            <a:spAutoFit/>
+          </a:bodyPr>
+          <a:lstStyle/>
+          <a:p>
+            <a:pPr>
+              <a:lnSpc>
+                <a:spcPct val="90000"/>
+              </a:lnSpc>
+              <a:spcBef>
+                <a:spcPts val="600"/>
+              </a:spcBef>
+            </a:pPr>
+            <a:r>
+              <a:rPr lang="en-US" smtClean="0">
+                <a:latin typeface="Roboto Regular" pitchFamily="2" charset="0"/>
+                <a:ea typeface="Roboto Regular" pitchFamily="2" charset="0"/>
+              </a:rPr>
+              <a:t>style.scss</a:t>
+            </a:r>
+            <a:endParaRPr lang="en-US" dirty="0" smtClean="0">
+              <a:latin typeface="Roboto Regular" pitchFamily="2" charset="0"/>
+              <a:ea typeface="Roboto Regular" pitchFamily="2" charset="0"/>
+            </a:endParaRPr>
+          </a:p>
+        </p:txBody>
+      </p:sp>
+      <p:sp>
+        <p:nvSpPr>
+          <p:cNvPr id="9" name="TextBox 8"/>
+          <p:cNvSpPr txBox="1"/>
+          <p:nvPr/>
+        </p:nvSpPr>
+        <p:spPr>
+          <a:xfrm>
+            <a:off x="3376117" y="2038350"/>
+            <a:ext cx="944169" cy="249299"/>
+          </a:xfrm>
+          <a:prstGeom prst="rect">
+            <a:avLst/>
+          </a:prstGeom>
+          <a:noFill/>
+        </p:spPr>
+        <p:txBody>
+          <a:bodyPr wrap="none" lIns="0" tIns="0" rIns="0" bIns="0" rtlCol="0" anchor="ctr" anchorCtr="0">
+            <a:spAutoFit/>
+          </a:bodyPr>
+          <a:lstStyle/>
+          <a:p>
+            <a:pPr>
+              <a:lnSpc>
+                <a:spcPct val="90000"/>
+              </a:lnSpc>
+              <a:spcBef>
+                <a:spcPts val="600"/>
+              </a:spcBef>
+            </a:pPr>
+            <a:r>
+              <a:rPr lang="en-US" dirty="0" smtClean="0">
+                <a:latin typeface="Roboto Regular" pitchFamily="2" charset="0"/>
+                <a:ea typeface="Roboto Regular" pitchFamily="2" charset="0"/>
+              </a:rPr>
+              <a:t>style.css</a:t>
+            </a:r>
           </a:p>
         </p:txBody>
       </p:sp>
@@ -13922,9 +19456,310 @@
   <p:timing>
     <p:tnLst>
       <p:par>
-        <p:cTn id="1" dur="indefinite" restart="never" nodeType="tmRoot"/>
+        <p:cTn id="1" dur="indefinite" restart="never" nodeType="tmRoot">
+          <p:childTnLst>
+            <p:seq concurrent="1" nextAc="seek">
+              <p:cTn id="2" dur="indefinite" nodeType="mainSeq">
+                <p:childTnLst>
+                  <p:par>
+                    <p:cTn id="3" fill="hold">
+                      <p:stCondLst>
+                        <p:cond delay="indefinite"/>
+                      </p:stCondLst>
+                      <p:childTnLst>
+                        <p:par>
+                          <p:cTn id="4" fill="hold">
+                            <p:stCondLst>
+                              <p:cond delay="0"/>
+                            </p:stCondLst>
+                            <p:childTnLst>
+                              <p:par>
+                                <p:cTn id="5" presetID="1" presetClass="entr" presetSubtype="0" fill="hold" grpId="0" nodeType="clickEffect">
+                                  <p:stCondLst>
+                                    <p:cond delay="0"/>
+                                  </p:stCondLst>
+                                  <p:childTnLst>
+                                    <p:set>
+                                      <p:cBhvr>
+                                        <p:cTn id="6" dur="1" fill="hold">
+                                          <p:stCondLst>
+                                            <p:cond delay="0"/>
+                                          </p:stCondLst>
+                                        </p:cTn>
+                                        <p:tgtEl>
+                                          <p:spTgt spid="3"/>
+                                        </p:tgtEl>
+                                        <p:attrNameLst>
+                                          <p:attrName>style.visibility</p:attrName>
+                                        </p:attrNameLst>
+                                      </p:cBhvr>
+                                      <p:to>
+                                        <p:strVal val="visible"/>
+                                      </p:to>
+                                    </p:set>
+                                  </p:childTnLst>
+                                </p:cTn>
+                              </p:par>
+                            </p:childTnLst>
+                          </p:cTn>
+                        </p:par>
+                      </p:childTnLst>
+                    </p:cTn>
+                  </p:par>
+                  <p:par>
+                    <p:cTn id="7" fill="hold">
+                      <p:stCondLst>
+                        <p:cond delay="indefinite"/>
+                      </p:stCondLst>
+                      <p:childTnLst>
+                        <p:par>
+                          <p:cTn id="8" fill="hold">
+                            <p:stCondLst>
+                              <p:cond delay="0"/>
+                            </p:stCondLst>
+                            <p:childTnLst>
+                              <p:par>
+                                <p:cTn id="9" presetID="1" presetClass="entr" presetSubtype="0" fill="hold" grpId="0" nodeType="clickEffect">
+                                  <p:stCondLst>
+                                    <p:cond delay="0"/>
+                                  </p:stCondLst>
+                                  <p:childTnLst>
+                                    <p:set>
+                                      <p:cBhvr>
+                                        <p:cTn id="10" dur="1" fill="hold">
+                                          <p:stCondLst>
+                                            <p:cond delay="0"/>
+                                          </p:stCondLst>
+                                        </p:cTn>
+                                        <p:tgtEl>
+                                          <p:spTgt spid="10"/>
+                                        </p:tgtEl>
+                                        <p:attrNameLst>
+                                          <p:attrName>style.visibility</p:attrName>
+                                        </p:attrNameLst>
+                                      </p:cBhvr>
+                                      <p:to>
+                                        <p:strVal val="visible"/>
+                                      </p:to>
+                                    </p:set>
+                                  </p:childTnLst>
+                                </p:cTn>
+                              </p:par>
+                            </p:childTnLst>
+                          </p:cTn>
+                        </p:par>
+                      </p:childTnLst>
+                    </p:cTn>
+                  </p:par>
+                  <p:par>
+                    <p:cTn id="11" fill="hold">
+                      <p:stCondLst>
+                        <p:cond delay="indefinite"/>
+                      </p:stCondLst>
+                      <p:childTnLst>
+                        <p:par>
+                          <p:cTn id="12" fill="hold">
+                            <p:stCondLst>
+                              <p:cond delay="0"/>
+                            </p:stCondLst>
+                            <p:childTnLst>
+                              <p:par>
+                                <p:cTn id="13" presetID="1" presetClass="entr" presetSubtype="0" fill="hold" grpId="0" nodeType="clickEffect">
+                                  <p:stCondLst>
+                                    <p:cond delay="0"/>
+                                  </p:stCondLst>
+                                  <p:childTnLst>
+                                    <p:set>
+                                      <p:cBhvr>
+                                        <p:cTn id="14" dur="1" fill="hold">
+                                          <p:stCondLst>
+                                            <p:cond delay="0"/>
+                                          </p:stCondLst>
+                                        </p:cTn>
+                                        <p:tgtEl>
+                                          <p:spTgt spid="4"/>
+                                        </p:tgtEl>
+                                        <p:attrNameLst>
+                                          <p:attrName>style.visibility</p:attrName>
+                                        </p:attrNameLst>
+                                      </p:cBhvr>
+                                      <p:to>
+                                        <p:strVal val="visible"/>
+                                      </p:to>
+                                    </p:set>
+                                  </p:childTnLst>
+                                </p:cTn>
+                              </p:par>
+                            </p:childTnLst>
+                          </p:cTn>
+                        </p:par>
+                      </p:childTnLst>
+                    </p:cTn>
+                  </p:par>
+                  <p:par>
+                    <p:cTn id="15" fill="hold">
+                      <p:stCondLst>
+                        <p:cond delay="indefinite"/>
+                      </p:stCondLst>
+                      <p:childTnLst>
+                        <p:par>
+                          <p:cTn id="16" fill="hold">
+                            <p:stCondLst>
+                              <p:cond delay="0"/>
+                            </p:stCondLst>
+                            <p:childTnLst>
+                              <p:par>
+                                <p:cTn id="17" presetID="1" presetClass="entr" presetSubtype="0" fill="hold" grpId="0" nodeType="clickEffect">
+                                  <p:stCondLst>
+                                    <p:cond delay="0"/>
+                                  </p:stCondLst>
+                                  <p:childTnLst>
+                                    <p:set>
+                                      <p:cBhvr>
+                                        <p:cTn id="18" dur="1" fill="hold">
+                                          <p:stCondLst>
+                                            <p:cond delay="0"/>
+                                          </p:stCondLst>
+                                        </p:cTn>
+                                        <p:tgtEl>
+                                          <p:spTgt spid="11"/>
+                                        </p:tgtEl>
+                                        <p:attrNameLst>
+                                          <p:attrName>style.visibility</p:attrName>
+                                        </p:attrNameLst>
+                                      </p:cBhvr>
+                                      <p:to>
+                                        <p:strVal val="visible"/>
+                                      </p:to>
+                                    </p:set>
+                                  </p:childTnLst>
+                                </p:cTn>
+                              </p:par>
+                            </p:childTnLst>
+                          </p:cTn>
+                        </p:par>
+                      </p:childTnLst>
+                    </p:cTn>
+                  </p:par>
+                  <p:par>
+                    <p:cTn id="19" fill="hold">
+                      <p:stCondLst>
+                        <p:cond delay="indefinite"/>
+                      </p:stCondLst>
+                      <p:childTnLst>
+                        <p:par>
+                          <p:cTn id="20" fill="hold">
+                            <p:stCondLst>
+                              <p:cond delay="0"/>
+                            </p:stCondLst>
+                            <p:childTnLst>
+                              <p:par>
+                                <p:cTn id="21" presetID="1" presetClass="entr" presetSubtype="0" fill="hold" grpId="0" nodeType="clickEffect">
+                                  <p:stCondLst>
+                                    <p:cond delay="0"/>
+                                  </p:stCondLst>
+                                  <p:childTnLst>
+                                    <p:set>
+                                      <p:cBhvr>
+                                        <p:cTn id="22" dur="1" fill="hold">
+                                          <p:stCondLst>
+                                            <p:cond delay="0"/>
+                                          </p:stCondLst>
+                                        </p:cTn>
+                                        <p:tgtEl>
+                                          <p:spTgt spid="9"/>
+                                        </p:tgtEl>
+                                        <p:attrNameLst>
+                                          <p:attrName>style.visibility</p:attrName>
+                                        </p:attrNameLst>
+                                      </p:cBhvr>
+                                      <p:to>
+                                        <p:strVal val="visible"/>
+                                      </p:to>
+                                    </p:set>
+                                  </p:childTnLst>
+                                </p:cTn>
+                              </p:par>
+                            </p:childTnLst>
+                          </p:cTn>
+                        </p:par>
+                      </p:childTnLst>
+                    </p:cTn>
+                  </p:par>
+                  <p:par>
+                    <p:cTn id="23" fill="hold">
+                      <p:stCondLst>
+                        <p:cond delay="indefinite"/>
+                      </p:stCondLst>
+                      <p:childTnLst>
+                        <p:par>
+                          <p:cTn id="24" fill="hold">
+                            <p:stCondLst>
+                              <p:cond delay="0"/>
+                            </p:stCondLst>
+                            <p:childTnLst>
+                              <p:par>
+                                <p:cTn id="25" presetID="1" presetClass="entr" presetSubtype="0" fill="hold" grpId="0" nodeType="clickEffect">
+                                  <p:stCondLst>
+                                    <p:cond delay="0"/>
+                                  </p:stCondLst>
+                                  <p:childTnLst>
+                                    <p:set>
+                                      <p:cBhvr>
+                                        <p:cTn id="26" dur="1" fill="hold">
+                                          <p:stCondLst>
+                                            <p:cond delay="0"/>
+                                          </p:stCondLst>
+                                        </p:cTn>
+                                        <p:tgtEl>
+                                          <p:spTgt spid="5"/>
+                                        </p:tgtEl>
+                                        <p:attrNameLst>
+                                          <p:attrName>style.visibility</p:attrName>
+                                        </p:attrNameLst>
+                                      </p:cBhvr>
+                                      <p:to>
+                                        <p:strVal val="visible"/>
+                                      </p:to>
+                                    </p:set>
+                                  </p:childTnLst>
+                                </p:cTn>
+                              </p:par>
+                            </p:childTnLst>
+                          </p:cTn>
+                        </p:par>
+                      </p:childTnLst>
+                    </p:cTn>
+                  </p:par>
+                </p:childTnLst>
+              </p:cTn>
+              <p:prevCondLst>
+                <p:cond evt="onPrev" delay="0">
+                  <p:tgtEl>
+                    <p:sldTgt/>
+                  </p:tgtEl>
+                </p:cond>
+              </p:prevCondLst>
+              <p:nextCondLst>
+                <p:cond evt="onNext" delay="0">
+                  <p:tgtEl>
+                    <p:sldTgt/>
+                  </p:tgtEl>
+                </p:cond>
+              </p:nextCondLst>
+            </p:seq>
+          </p:childTnLst>
+        </p:cTn>
       </p:par>
     </p:tnLst>
+    <p:bldLst>
+      <p:bldP spid="5" grpId="0" animBg="1"/>
+      <p:bldP spid="10" grpId="0" animBg="1"/>
+      <p:bldP spid="11" grpId="0" animBg="1"/>
+      <p:bldP spid="3" grpId="0"/>
+      <p:bldP spid="4" grpId="0"/>
+      <p:bldP spid="9" grpId="0"/>
+    </p:bldLst>
   </p:timing>
 </p:sld>
 </file>
@@ -13986,15 +19821,7 @@
           <a:p>
             <a:r>
               <a:rPr lang="en-US" dirty="0" smtClean="0"/>
-              <a:t>Example of </a:t>
-            </a:r>
-            <a:r>
-              <a:rPr lang="en-US" dirty="0" err="1" smtClean="0"/>
-              <a:t>Mixin</a:t>
-            </a:r>
-            <a:r>
-              <a:rPr lang="en-US" dirty="0" smtClean="0"/>
-              <a:t> – vendor prefixes</a:t>
+              <a:t>Example of Mixin – vendor prefixes</a:t>
             </a:r>
             <a:endParaRPr lang="en-US" dirty="0"/>
           </a:p>
@@ -14008,8 +19835,8 @@
         </p:nvSpPr>
         <p:spPr>
           <a:xfrm>
-            <a:off x="3403480" y="3181350"/>
-            <a:ext cx="2870320" cy="1369606"/>
+            <a:off x="3361147" y="3548531"/>
+            <a:ext cx="2870320" cy="1292662"/>
           </a:xfrm>
           <a:prstGeom prst="rect">
             <a:avLst/>
@@ -14051,26 +19878,7 @@
               </a:spcBef>
             </a:pPr>
             <a:r>
-              <a:rPr lang="en-US" sz="1000" b="1" u="sng" dirty="0" smtClean="0">
-                <a:solidFill>
-                  <a:schemeClr val="bg1"/>
-                </a:solidFill>
-                <a:ea typeface="Roboto Regular" pitchFamily="2" charset="0"/>
-              </a:rPr>
-              <a:t>Output CSS:</a:t>
-            </a:r>
-          </a:p>
-          <a:p>
-            <a:pPr>
-              <a:lnSpc>
-                <a:spcPct val="90000"/>
-              </a:lnSpc>
-              <a:spcBef>
-                <a:spcPts val="600"/>
-              </a:spcBef>
-            </a:pPr>
-            <a:r>
-              <a:rPr lang="en-US" sz="1000" b="1" dirty="0"/>
+              <a:rPr lang="en-US" sz="1000" b="1" dirty="0" smtClean="0"/>
               <a:t>.</a:t>
             </a:r>
             <a:r>
@@ -14175,6 +19983,37 @@
             <a:r>
               <a:rPr lang="en-US" sz="1000" dirty="0" smtClean="0"/>
               <a:t>: 10px; </a:t>
+            </a:r>
+            <a:r>
+              <a:rPr lang="en-US" sz="1000" dirty="0" smtClean="0"/>
+              <a:t/>
+            </a:r>
+            <a:br>
+              <a:rPr lang="en-US" sz="1000" dirty="0" smtClean="0"/>
+            </a:br>
+            <a:r>
+              <a:rPr lang="en-US" sz="1000" dirty="0" smtClean="0"/>
+              <a:t>   </a:t>
+            </a:r>
+            <a:r>
+              <a:rPr lang="en-US" sz="1000" b="1" dirty="0" smtClean="0"/>
+              <a:t>border</a:t>
+            </a:r>
+            <a:r>
+              <a:rPr lang="en-US" sz="1000" dirty="0" smtClean="0"/>
+              <a:t>: 1px </a:t>
+            </a:r>
+            <a:r>
+              <a:rPr lang="en-US" sz="1000" dirty="0" err="1" smtClean="0"/>
+              <a:t>soild</a:t>
+            </a:r>
+            <a:r>
+              <a:rPr lang="en-US" sz="1000" dirty="0" smtClean="0"/>
+              <a:t> #000; </a:t>
+            </a:r>
+            <a:r>
+              <a:rPr lang="en-US" sz="1000" dirty="0" smtClean="0"/>
+              <a:t/>
             </a:r>
             <a:br>
               <a:rPr lang="en-US" sz="1000" dirty="0" smtClean="0"/>
@@ -14202,8 +20041,8 @@
         </p:nvSpPr>
         <p:spPr bwMode="black">
           <a:xfrm>
-            <a:off x="304800" y="694628"/>
-            <a:ext cx="5943600" cy="2181922"/>
+            <a:off x="287867" y="977686"/>
+            <a:ext cx="5943600" cy="1898864"/>
           </a:xfrm>
           <a:prstGeom prst="rect">
             <a:avLst/>
@@ -14385,11 +20224,11 @@
               <a:buNone/>
             </a:pPr>
             <a:r>
-              <a:rPr lang="en-US" sz="1400" dirty="0"/>
+              <a:rPr lang="en-US" sz="1200" dirty="0"/>
               <a:t>@mixin </a:t>
             </a:r>
             <a:r>
-              <a:rPr lang="en-US" sz="1400" dirty="0">
+              <a:rPr lang="en-US" sz="1200" dirty="0">
                 <a:solidFill>
                   <a:schemeClr val="accent3">
                     <a:lumMod val="75000"/>
@@ -14399,7 +20238,7 @@
               <a:t>border-radius</a:t>
             </a:r>
             <a:r>
-              <a:rPr lang="en-US" sz="1400" dirty="0"/>
+              <a:rPr lang="en-US" sz="1200" dirty="0"/>
               <a:t>($radius)</a:t>
             </a:r>
           </a:p>
@@ -14408,7 +20247,7 @@
               <a:buNone/>
             </a:pPr>
             <a:r>
-              <a:rPr lang="en-US" sz="1400" dirty="0"/>
+              <a:rPr lang="en-US" sz="1200" dirty="0"/>
               <a:t> { </a:t>
             </a:r>
           </a:p>
@@ -14417,57 +20256,57 @@
               <a:buNone/>
             </a:pPr>
             <a:r>
-              <a:rPr lang="en-US" sz="1400" dirty="0"/>
+              <a:rPr lang="en-US" sz="1200" dirty="0"/>
               <a:t>-webkit-border-radius: </a:t>
             </a:r>
             <a:r>
-              <a:rPr lang="en-US" sz="1400" dirty="0" smtClean="0"/>
+              <a:rPr lang="en-US" sz="1200" dirty="0" smtClean="0"/>
               <a:t>$</a:t>
             </a:r>
             <a:r>
-              <a:rPr lang="en-US" sz="1400" dirty="0"/>
+              <a:rPr lang="en-US" sz="1200" dirty="0"/>
               <a:t>radius; </a:t>
             </a:r>
-            <a:endParaRPr lang="en-US" sz="1400" dirty="0" smtClean="0"/>
+            <a:endParaRPr lang="en-US" sz="1200" dirty="0" smtClean="0"/>
           </a:p>
           <a:p>
             <a:pPr marL="287338" lvl="1" indent="0">
               <a:buNone/>
             </a:pPr>
             <a:r>
-              <a:rPr lang="en-US" sz="1400" dirty="0" smtClean="0"/>
+              <a:rPr lang="en-US" sz="1200" dirty="0" smtClean="0"/>
               <a:t>-</a:t>
             </a:r>
             <a:r>
-              <a:rPr lang="en-US" sz="1400" dirty="0"/>
+              <a:rPr lang="en-US" sz="1200" dirty="0"/>
               <a:t>moz-border-radius: $radius; </a:t>
             </a:r>
-            <a:endParaRPr lang="en-US" sz="1400" dirty="0" smtClean="0"/>
+            <a:endParaRPr lang="en-US" sz="1200" dirty="0" smtClean="0"/>
           </a:p>
           <a:p>
             <a:pPr marL="287338" lvl="1" indent="0">
               <a:buNone/>
             </a:pPr>
             <a:r>
-              <a:rPr lang="en-US" sz="1400" dirty="0" smtClean="0"/>
+              <a:rPr lang="en-US" sz="1200" dirty="0" smtClean="0"/>
               <a:t>-</a:t>
             </a:r>
             <a:r>
-              <a:rPr lang="en-US" sz="1400" dirty="0"/>
+              <a:rPr lang="en-US" sz="1200" dirty="0"/>
               <a:t>ms-border-radius: $radius; </a:t>
             </a:r>
-            <a:endParaRPr lang="en-US" sz="1400" dirty="0" smtClean="0"/>
+            <a:endParaRPr lang="en-US" sz="1200" dirty="0" smtClean="0"/>
           </a:p>
           <a:p>
             <a:pPr marL="287338" lvl="1" indent="0">
               <a:buNone/>
             </a:pPr>
             <a:r>
-              <a:rPr lang="en-US" sz="1400" dirty="0" smtClean="0"/>
+              <a:rPr lang="en-US" sz="1200" dirty="0" smtClean="0"/>
               <a:t>border-radius</a:t>
             </a:r>
             <a:r>
-              <a:rPr lang="en-US" sz="1400" dirty="0"/>
+              <a:rPr lang="en-US" sz="1200" dirty="0"/>
               <a:t>: $radius;</a:t>
             </a:r>
           </a:p>
@@ -14476,8 +20315,12 @@
               <a:buNone/>
             </a:pPr>
             <a:r>
+              <a:rPr lang="en-US" sz="1200" dirty="0"/>
+              <a:t> } </a:t>
+            </a:r>
+            <a:r>
               <a:rPr lang="en-US" sz="1400" dirty="0"/>
-              <a:t> } </a:t>
+              <a:t/>
             </a:r>
             <a:br>
               <a:rPr lang="en-US" sz="1400" dirty="0"/>
@@ -14496,7 +20339,7 @@
         </p:nvSpPr>
         <p:spPr bwMode="black">
           <a:xfrm>
-            <a:off x="304800" y="3181350"/>
+            <a:off x="296333" y="3319187"/>
             <a:ext cx="2954867" cy="1522006"/>
           </a:xfrm>
           <a:prstGeom prst="rect">
@@ -14679,16 +20522,8 @@
               <a:buNone/>
             </a:pPr>
             <a:r>
-              <a:rPr lang="en-US" sz="1200" b="1" dirty="0"/>
-              <a:t>.box</a:t>
-            </a:r>
-            <a:r>
-              <a:rPr lang="en-US" sz="1200" dirty="0"/>
-              <a:t> </a:t>
-            </a:r>
-            <a:r>
-              <a:rPr lang="en-US" sz="1200" dirty="0" smtClean="0"/>
-              <a:t>{ </a:t>
+              <a:rPr lang="en-US" sz="1300" dirty="0" smtClean="0"/>
+              <a:t>@import ‘_mixin’;</a:t>
             </a:r>
           </a:p>
           <a:p>
@@ -14696,15 +20531,34 @@
               <a:buNone/>
             </a:pPr>
             <a:r>
-              <a:rPr lang="en-US" sz="1200" b="1" dirty="0" smtClean="0"/>
-              <a:t>    @</a:t>
-            </a:r>
-            <a:r>
-              <a:rPr lang="en-US" sz="1200" b="1" dirty="0"/>
+              <a:rPr lang="en-US" sz="1300" dirty="0" smtClean="0"/>
+              <a:t>.</a:t>
+            </a:r>
+            <a:r>
+              <a:rPr lang="en-US" sz="1300" dirty="0"/>
+              <a:t>box </a:t>
+            </a:r>
+            <a:r>
+              <a:rPr lang="en-US" sz="1300" dirty="0" smtClean="0"/>
+              <a:t>{ </a:t>
+            </a:r>
+            <a:r>
+              <a:rPr lang="en-US" sz="1300" dirty="0" smtClean="0"/>
+              <a:t/>
+            </a:r>
+            <a:br>
+              <a:rPr lang="en-US" sz="1300" dirty="0" smtClean="0"/>
+            </a:br>
+            <a:r>
+              <a:rPr lang="en-US" sz="1300" dirty="0" smtClean="0"/>
+              <a:t>   @</a:t>
+            </a:r>
+            <a:r>
+              <a:rPr lang="en-US" sz="1300" dirty="0"/>
               <a:t>include </a:t>
             </a:r>
             <a:r>
-              <a:rPr lang="en-US" sz="1200" b="1" dirty="0" smtClean="0">
+              <a:rPr lang="en-US" sz="1300" dirty="0" smtClean="0">
                 <a:solidFill>
                   <a:schemeClr val="accent3">
                     <a:lumMod val="75000"/>
@@ -14714,40 +20568,182 @@
               <a:t>border-radius</a:t>
             </a:r>
             <a:r>
-              <a:rPr lang="en-US" sz="1200" dirty="0" smtClean="0"/>
-              <a:t>(10px);</a:t>
-            </a:r>
-          </a:p>
-          <a:p>
-            <a:pPr marL="0" indent="0">
-              <a:buNone/>
+              <a:rPr lang="en-US" sz="1300" dirty="0" smtClean="0"/>
+              <a:t>(10px</a:t>
+            </a:r>
+            <a:r>
+              <a:rPr lang="en-US" sz="1300" dirty="0" smtClean="0"/>
+              <a:t>);</a:t>
+            </a:r>
+            <a:br>
+              <a:rPr lang="en-US" sz="1300" dirty="0" smtClean="0"/>
+            </a:br>
+            <a:r>
+              <a:rPr lang="en-US" sz="1300" dirty="0" smtClean="0"/>
+              <a:t>    border</a:t>
+            </a:r>
+            <a:r>
+              <a:rPr lang="en-US" sz="1300" dirty="0"/>
+              <a:t>: 1px solid #000; </a:t>
+            </a:r>
+            <a:r>
+              <a:rPr lang="en-US" sz="1300" dirty="0"/>
+              <a:t/>
+            </a:r>
+            <a:br>
+              <a:rPr lang="en-US" sz="1300" dirty="0"/>
+            </a:br>
+            <a:r>
+              <a:rPr lang="en-US" sz="1300" dirty="0" smtClean="0"/>
+              <a:t>}</a:t>
+            </a:r>
+            <a:r>
+              <a:rPr lang="en-US" sz="1300" dirty="0"/>
+              <a:t/>
+            </a:r>
+            <a:br>
+              <a:rPr lang="en-US" sz="1300" dirty="0"/>
+            </a:br>
+            <a:endParaRPr lang="en-US" sz="1300" dirty="0"/>
+          </a:p>
+        </p:txBody>
+      </p:sp>
+      <p:sp>
+        <p:nvSpPr>
+          <p:cNvPr id="7" name="TextBox 6"/>
+          <p:cNvSpPr txBox="1"/>
+          <p:nvPr/>
+        </p:nvSpPr>
+        <p:spPr>
+          <a:xfrm>
+            <a:off x="296333" y="655001"/>
+            <a:ext cx="1213474" cy="249299"/>
+          </a:xfrm>
+          <a:prstGeom prst="rect">
+            <a:avLst/>
+          </a:prstGeom>
+          <a:noFill/>
+        </p:spPr>
+        <p:txBody>
+          <a:bodyPr wrap="none" lIns="0" tIns="0" rIns="0" bIns="0" rtlCol="0" anchor="ctr" anchorCtr="0">
+            <a:spAutoFit/>
+          </a:bodyPr>
+          <a:lstStyle/>
+          <a:p>
+            <a:pPr>
+              <a:lnSpc>
+                <a:spcPct val="90000"/>
+              </a:lnSpc>
+              <a:spcBef>
+                <a:spcPts val="600"/>
+              </a:spcBef>
             </a:pPr>
             <a:r>
-              <a:rPr lang="en-US" sz="1200" dirty="0" smtClean="0"/>
-              <a:t>    border</a:t>
-            </a:r>
-            <a:r>
-              <a:rPr lang="en-US" sz="1200" dirty="0"/>
-              <a:t>: 1px solid #000; </a:t>
-            </a:r>
-            <a:endParaRPr lang="en-US" sz="1200" dirty="0" smtClean="0"/>
-          </a:p>
-          <a:p>
-            <a:pPr marL="0" indent="0">
-              <a:buNone/>
+              <a:rPr lang="en-US" dirty="0" smtClean="0">
+                <a:latin typeface="Roboto Regular" pitchFamily="2" charset="0"/>
+                <a:ea typeface="Roboto Regular" pitchFamily="2" charset="0"/>
+              </a:rPr>
+              <a:t>_mixin.scss</a:t>
+            </a:r>
+            <a:endParaRPr lang="en-US" dirty="0" smtClean="0">
+              <a:latin typeface="Roboto Regular" pitchFamily="2" charset="0"/>
+              <a:ea typeface="Roboto Regular" pitchFamily="2" charset="0"/>
+            </a:endParaRPr>
+          </a:p>
+        </p:txBody>
+      </p:sp>
+      <p:sp>
+        <p:nvSpPr>
+          <p:cNvPr id="8" name="TextBox 7"/>
+          <p:cNvSpPr txBox="1"/>
+          <p:nvPr/>
+        </p:nvSpPr>
+        <p:spPr>
+          <a:xfrm>
+            <a:off x="296333" y="2973219"/>
+            <a:ext cx="923330" cy="249299"/>
+          </a:xfrm>
+          <a:prstGeom prst="rect">
+            <a:avLst/>
+          </a:prstGeom>
+          <a:noFill/>
+        </p:spPr>
+        <p:txBody>
+          <a:bodyPr wrap="none" lIns="0" tIns="0" rIns="0" bIns="0" rtlCol="0" anchor="ctr" anchorCtr="0">
+            <a:spAutoFit/>
+          </a:bodyPr>
+          <a:lstStyle/>
+          <a:p>
+            <a:pPr>
+              <a:lnSpc>
+                <a:spcPct val="90000"/>
+              </a:lnSpc>
+              <a:spcBef>
+                <a:spcPts val="600"/>
+              </a:spcBef>
             </a:pPr>
             <a:r>
-              <a:rPr lang="en-US" sz="1200" dirty="0" smtClean="0"/>
-              <a:t>}</a:t>
-            </a:r>
-            <a:r>
-              <a:rPr lang="en-US" sz="1400" dirty="0"/>
-              <a:t/>
-            </a:r>
-            <a:br>
-              <a:rPr lang="en-US" sz="1400" dirty="0"/>
-            </a:br>
-            <a:endParaRPr lang="en-US" sz="1400" dirty="0"/>
+              <a:rPr lang="en-US" dirty="0" smtClean="0">
+                <a:latin typeface="Roboto Regular" pitchFamily="2" charset="0"/>
+                <a:ea typeface="Roboto Regular" pitchFamily="2" charset="0"/>
+              </a:rPr>
+              <a:t>box.scss</a:t>
+            </a:r>
+            <a:endParaRPr lang="en-US" dirty="0" smtClean="0">
+              <a:latin typeface="Roboto Regular" pitchFamily="2" charset="0"/>
+              <a:ea typeface="Roboto Regular" pitchFamily="2" charset="0"/>
+            </a:endParaRPr>
+          </a:p>
+        </p:txBody>
+      </p:sp>
+      <p:sp>
+        <p:nvSpPr>
+          <p:cNvPr id="9" name="TextBox 8"/>
+          <p:cNvSpPr txBox="1"/>
+          <p:nvPr/>
+        </p:nvSpPr>
+        <p:spPr>
+          <a:xfrm>
+            <a:off x="3386547" y="3222518"/>
+            <a:ext cx="819135" cy="249299"/>
+          </a:xfrm>
+          <a:prstGeom prst="rect">
+            <a:avLst/>
+          </a:prstGeom>
+          <a:noFill/>
+        </p:spPr>
+        <p:txBody>
+          <a:bodyPr wrap="none" lIns="0" tIns="0" rIns="0" bIns="0" rtlCol="0" anchor="ctr" anchorCtr="0">
+            <a:spAutoFit/>
+          </a:bodyPr>
+          <a:lstStyle/>
+          <a:p>
+            <a:pPr>
+              <a:lnSpc>
+                <a:spcPct val="90000"/>
+              </a:lnSpc>
+              <a:spcBef>
+                <a:spcPts val="600"/>
+              </a:spcBef>
+            </a:pPr>
+            <a:r>
+              <a:rPr lang="en-US" dirty="0" smtClean="0">
+                <a:latin typeface="Roboto Regular" pitchFamily="2" charset="0"/>
+                <a:ea typeface="Roboto Regular" pitchFamily="2" charset="0"/>
+              </a:rPr>
+              <a:t>box</a:t>
+            </a:r>
+            <a:r>
+              <a:rPr lang="en-US" dirty="0" smtClean="0">
+                <a:latin typeface="Roboto Regular" pitchFamily="2" charset="0"/>
+                <a:ea typeface="Roboto Regular" pitchFamily="2" charset="0"/>
+              </a:rPr>
+              <a:t>.css</a:t>
+            </a:r>
+            <a:endParaRPr lang="en-US" dirty="0" smtClean="0">
+              <a:latin typeface="Roboto Regular" pitchFamily="2" charset="0"/>
+              <a:ea typeface="Roboto Regular" pitchFamily="2" charset="0"/>
+            </a:endParaRPr>
           </a:p>
         </p:txBody>
       </p:sp>
@@ -14776,9 +20772,256 @@
   <p:timing>
     <p:tnLst>
       <p:par>
-        <p:cTn id="1" dur="indefinite" restart="never" nodeType="tmRoot"/>
+        <p:cTn id="1" dur="indefinite" restart="never" nodeType="tmRoot">
+          <p:childTnLst>
+            <p:seq concurrent="1" nextAc="seek">
+              <p:cTn id="2" dur="indefinite" nodeType="mainSeq">
+                <p:childTnLst>
+                  <p:par>
+                    <p:cTn id="3" fill="hold">
+                      <p:stCondLst>
+                        <p:cond delay="indefinite"/>
+                      </p:stCondLst>
+                      <p:childTnLst>
+                        <p:par>
+                          <p:cTn id="4" fill="hold">
+                            <p:stCondLst>
+                              <p:cond delay="0"/>
+                            </p:stCondLst>
+                            <p:childTnLst>
+                              <p:par>
+                                <p:cTn id="5" presetID="1" presetClass="entr" presetSubtype="0" fill="hold" grpId="0" nodeType="clickEffect">
+                                  <p:stCondLst>
+                                    <p:cond delay="0"/>
+                                  </p:stCondLst>
+                                  <p:childTnLst>
+                                    <p:set>
+                                      <p:cBhvr>
+                                        <p:cTn id="6" dur="1" fill="hold">
+                                          <p:stCondLst>
+                                            <p:cond delay="0"/>
+                                          </p:stCondLst>
+                                        </p:cTn>
+                                        <p:tgtEl>
+                                          <p:spTgt spid="7"/>
+                                        </p:tgtEl>
+                                        <p:attrNameLst>
+                                          <p:attrName>style.visibility</p:attrName>
+                                        </p:attrNameLst>
+                                      </p:cBhvr>
+                                      <p:to>
+                                        <p:strVal val="visible"/>
+                                      </p:to>
+                                    </p:set>
+                                  </p:childTnLst>
+                                </p:cTn>
+                              </p:par>
+                              <p:par>
+                                <p:cTn id="7" presetID="1" presetClass="entr" presetSubtype="0" fill="hold" grpId="0" nodeType="withEffect">
+                                  <p:stCondLst>
+                                    <p:cond delay="0"/>
+                                  </p:stCondLst>
+                                  <p:childTnLst>
+                                    <p:set>
+                                      <p:cBhvr>
+                                        <p:cTn id="8" dur="1" fill="hold">
+                                          <p:stCondLst>
+                                            <p:cond delay="0"/>
+                                          </p:stCondLst>
+                                        </p:cTn>
+                                        <p:tgtEl>
+                                          <p:spTgt spid="10"/>
+                                        </p:tgtEl>
+                                        <p:attrNameLst>
+                                          <p:attrName>style.visibility</p:attrName>
+                                        </p:attrNameLst>
+                                      </p:cBhvr>
+                                      <p:to>
+                                        <p:strVal val="visible"/>
+                                      </p:to>
+                                    </p:set>
+                                  </p:childTnLst>
+                                </p:cTn>
+                              </p:par>
+                            </p:childTnLst>
+                          </p:cTn>
+                        </p:par>
+                      </p:childTnLst>
+                    </p:cTn>
+                  </p:par>
+                  <p:par>
+                    <p:cTn id="9" fill="hold">
+                      <p:stCondLst>
+                        <p:cond delay="indefinite"/>
+                      </p:stCondLst>
+                      <p:childTnLst>
+                        <p:par>
+                          <p:cTn id="10" fill="hold">
+                            <p:stCondLst>
+                              <p:cond delay="0"/>
+                            </p:stCondLst>
+                            <p:childTnLst>
+                              <p:par>
+                                <p:cTn id="11" presetID="1" presetClass="entr" presetSubtype="0" fill="hold" grpId="0" nodeType="clickEffect">
+                                  <p:stCondLst>
+                                    <p:cond delay="0"/>
+                                  </p:stCondLst>
+                                  <p:childTnLst>
+                                    <p:set>
+                                      <p:cBhvr>
+                                        <p:cTn id="12" dur="1" fill="hold">
+                                          <p:stCondLst>
+                                            <p:cond delay="0"/>
+                                          </p:stCondLst>
+                                        </p:cTn>
+                                        <p:tgtEl>
+                                          <p:spTgt spid="8"/>
+                                        </p:tgtEl>
+                                        <p:attrNameLst>
+                                          <p:attrName>style.visibility</p:attrName>
+                                        </p:attrNameLst>
+                                      </p:cBhvr>
+                                      <p:to>
+                                        <p:strVal val="visible"/>
+                                      </p:to>
+                                    </p:set>
+                                  </p:childTnLst>
+                                </p:cTn>
+                              </p:par>
+                              <p:par>
+                                <p:cTn id="13" presetID="1" presetClass="entr" presetSubtype="0" fill="hold" grpId="0" nodeType="withEffect">
+                                  <p:stCondLst>
+                                    <p:cond delay="0"/>
+                                  </p:stCondLst>
+                                  <p:childTnLst>
+                                    <p:set>
+                                      <p:cBhvr>
+                                        <p:cTn id="14" dur="1" fill="hold">
+                                          <p:stCondLst>
+                                            <p:cond delay="0"/>
+                                          </p:stCondLst>
+                                        </p:cTn>
+                                        <p:tgtEl>
+                                          <p:spTgt spid="11"/>
+                                        </p:tgtEl>
+                                        <p:attrNameLst>
+                                          <p:attrName>style.visibility</p:attrName>
+                                        </p:attrNameLst>
+                                      </p:cBhvr>
+                                      <p:to>
+                                        <p:strVal val="visible"/>
+                                      </p:to>
+                                    </p:set>
+                                  </p:childTnLst>
+                                </p:cTn>
+                              </p:par>
+                            </p:childTnLst>
+                          </p:cTn>
+                        </p:par>
+                      </p:childTnLst>
+                    </p:cTn>
+                  </p:par>
+                  <p:par>
+                    <p:cTn id="15" fill="hold">
+                      <p:stCondLst>
+                        <p:cond delay="indefinite"/>
+                      </p:stCondLst>
+                      <p:childTnLst>
+                        <p:par>
+                          <p:cTn id="16" fill="hold">
+                            <p:stCondLst>
+                              <p:cond delay="0"/>
+                            </p:stCondLst>
+                            <p:childTnLst>
+                              <p:par>
+                                <p:cTn id="17" presetID="1" presetClass="entr" presetSubtype="0" fill="hold" grpId="0" nodeType="clickEffect">
+                                  <p:stCondLst>
+                                    <p:cond delay="0"/>
+                                  </p:stCondLst>
+                                  <p:childTnLst>
+                                    <p:set>
+                                      <p:cBhvr>
+                                        <p:cTn id="18" dur="1" fill="hold">
+                                          <p:stCondLst>
+                                            <p:cond delay="0"/>
+                                          </p:stCondLst>
+                                        </p:cTn>
+                                        <p:tgtEl>
+                                          <p:spTgt spid="9"/>
+                                        </p:tgtEl>
+                                        <p:attrNameLst>
+                                          <p:attrName>style.visibility</p:attrName>
+                                        </p:attrNameLst>
+                                      </p:cBhvr>
+                                      <p:to>
+                                        <p:strVal val="visible"/>
+                                      </p:to>
+                                    </p:set>
+                                  </p:childTnLst>
+                                </p:cTn>
+                              </p:par>
+                              <p:par>
+                                <p:cTn id="19" presetID="1" presetClass="entr" presetSubtype="0" fill="hold" grpId="0" nodeType="withEffect">
+                                  <p:stCondLst>
+                                    <p:cond delay="0"/>
+                                  </p:stCondLst>
+                                  <p:childTnLst>
+                                    <p:set>
+                                      <p:cBhvr>
+                                        <p:cTn id="20" dur="1" fill="hold">
+                                          <p:stCondLst>
+                                            <p:cond delay="0"/>
+                                          </p:stCondLst>
+                                        </p:cTn>
+                                        <p:tgtEl>
+                                          <p:spTgt spid="5"/>
+                                        </p:tgtEl>
+                                        <p:attrNameLst>
+                                          <p:attrName>style.visibility</p:attrName>
+                                        </p:attrNameLst>
+                                      </p:cBhvr>
+                                      <p:to>
+                                        <p:strVal val="visible"/>
+                                      </p:to>
+                                    </p:set>
+                                  </p:childTnLst>
+                                </p:cTn>
+                              </p:par>
+                            </p:childTnLst>
+                          </p:cTn>
+                        </p:par>
+                      </p:childTnLst>
+                    </p:cTn>
+                  </p:par>
+                </p:childTnLst>
+              </p:cTn>
+              <p:prevCondLst>
+                <p:cond evt="onPrev" delay="0">
+                  <p:tgtEl>
+                    <p:sldTgt/>
+                  </p:tgtEl>
+                </p:cond>
+              </p:prevCondLst>
+              <p:nextCondLst>
+                <p:cond evt="onNext" delay="0">
+                  <p:tgtEl>
+                    <p:sldTgt/>
+                  </p:tgtEl>
+                </p:cond>
+              </p:nextCondLst>
+            </p:seq>
+          </p:childTnLst>
+        </p:cTn>
       </p:par>
     </p:tnLst>
+    <p:bldLst>
+      <p:bldP spid="5" grpId="0" animBg="1"/>
+      <p:bldP spid="10" grpId="0" animBg="1"/>
+      <p:bldP spid="11" grpId="0" animBg="1"/>
+      <p:bldP spid="7" grpId="0"/>
+      <p:bldP spid="8" grpId="0"/>
+      <p:bldP spid="9" grpId="0"/>
+    </p:bldLst>
   </p:timing>
 </p:sld>
 </file>
@@ -15277,18 +21520,13 @@
               </a:spcBef>
             </a:pPr>
             <a:r>
-              <a:rPr lang="en-US">
+              <a:rPr lang="en-US" dirty="0">
                 <a:solidFill>
                   <a:schemeClr val="tx2"/>
                 </a:solidFill>
               </a:rPr>
               <a:t>Reduce DRY</a:t>
             </a:r>
-            <a:endParaRPr lang="en-US" dirty="0">
-              <a:solidFill>
-                <a:schemeClr val="tx2"/>
-              </a:solidFill>
-            </a:endParaRPr>
           </a:p>
         </p:txBody>
       </p:sp>
@@ -15546,9 +21784,861 @@
   <p:timing>
     <p:tnLst>
       <p:par>
-        <p:cTn id="1" dur="indefinite" restart="never" nodeType="tmRoot"/>
+        <p:cTn id="1" dur="indefinite" restart="never" nodeType="tmRoot">
+          <p:childTnLst>
+            <p:seq concurrent="1" nextAc="seek">
+              <p:cTn id="2" dur="indefinite" nodeType="mainSeq">
+                <p:childTnLst>
+                  <p:par>
+                    <p:cTn id="3" fill="hold">
+                      <p:stCondLst>
+                        <p:cond delay="indefinite"/>
+                      </p:stCondLst>
+                      <p:childTnLst>
+                        <p:par>
+                          <p:cTn id="4" fill="hold">
+                            <p:stCondLst>
+                              <p:cond delay="0"/>
+                            </p:stCondLst>
+                            <p:childTnLst>
+                              <p:par>
+                                <p:cTn id="5" presetID="2" presetClass="entr" presetSubtype="1" decel="50000" fill="hold" grpId="0" nodeType="clickEffect">
+                                  <p:stCondLst>
+                                    <p:cond delay="0"/>
+                                  </p:stCondLst>
+                                  <p:childTnLst>
+                                    <p:set>
+                                      <p:cBhvr>
+                                        <p:cTn id="6" dur="1" fill="hold">
+                                          <p:stCondLst>
+                                            <p:cond delay="0"/>
+                                          </p:stCondLst>
+                                        </p:cTn>
+                                        <p:tgtEl>
+                                          <p:spTgt spid="3"/>
+                                        </p:tgtEl>
+                                        <p:attrNameLst>
+                                          <p:attrName>style.visibility</p:attrName>
+                                        </p:attrNameLst>
+                                      </p:cBhvr>
+                                      <p:to>
+                                        <p:strVal val="visible"/>
+                                      </p:to>
+                                    </p:set>
+                                    <p:anim calcmode="lin" valueType="num">
+                                      <p:cBhvr additive="base">
+                                        <p:cTn id="7" dur="500" fill="hold"/>
+                                        <p:tgtEl>
+                                          <p:spTgt spid="3"/>
+                                        </p:tgtEl>
+                                        <p:attrNameLst>
+                                          <p:attrName>ppt_x</p:attrName>
+                                        </p:attrNameLst>
+                                      </p:cBhvr>
+                                      <p:tavLst>
+                                        <p:tav tm="0">
+                                          <p:val>
+                                            <p:strVal val="#ppt_x"/>
+                                          </p:val>
+                                        </p:tav>
+                                        <p:tav tm="100000">
+                                          <p:val>
+                                            <p:strVal val="#ppt_x"/>
+                                          </p:val>
+                                        </p:tav>
+                                      </p:tavLst>
+                                    </p:anim>
+                                    <p:anim calcmode="lin" valueType="num">
+                                      <p:cBhvr additive="base">
+                                        <p:cTn id="8" dur="500" fill="hold"/>
+                                        <p:tgtEl>
+                                          <p:spTgt spid="3"/>
+                                        </p:tgtEl>
+                                        <p:attrNameLst>
+                                          <p:attrName>ppt_y</p:attrName>
+                                        </p:attrNameLst>
+                                      </p:cBhvr>
+                                      <p:tavLst>
+                                        <p:tav tm="0">
+                                          <p:val>
+                                            <p:strVal val="0-#ppt_h/2"/>
+                                          </p:val>
+                                        </p:tav>
+                                        <p:tav tm="100000">
+                                          <p:val>
+                                            <p:strVal val="#ppt_y"/>
+                                          </p:val>
+                                        </p:tav>
+                                      </p:tavLst>
+                                    </p:anim>
+                                  </p:childTnLst>
+                                </p:cTn>
+                              </p:par>
+                              <p:par>
+                                <p:cTn id="9" presetID="2" presetClass="entr" presetSubtype="1" decel="50000" fill="hold" nodeType="withEffect">
+                                  <p:stCondLst>
+                                    <p:cond delay="0"/>
+                                  </p:stCondLst>
+                                  <p:childTnLst>
+                                    <p:set>
+                                      <p:cBhvr>
+                                        <p:cTn id="10" dur="1" fill="hold">
+                                          <p:stCondLst>
+                                            <p:cond delay="0"/>
+                                          </p:stCondLst>
+                                        </p:cTn>
+                                        <p:tgtEl>
+                                          <p:spTgt spid="22"/>
+                                        </p:tgtEl>
+                                        <p:attrNameLst>
+                                          <p:attrName>style.visibility</p:attrName>
+                                        </p:attrNameLst>
+                                      </p:cBhvr>
+                                      <p:to>
+                                        <p:strVal val="visible"/>
+                                      </p:to>
+                                    </p:set>
+                                    <p:anim calcmode="lin" valueType="num">
+                                      <p:cBhvr additive="base">
+                                        <p:cTn id="11" dur="500" fill="hold"/>
+                                        <p:tgtEl>
+                                          <p:spTgt spid="22"/>
+                                        </p:tgtEl>
+                                        <p:attrNameLst>
+                                          <p:attrName>ppt_x</p:attrName>
+                                        </p:attrNameLst>
+                                      </p:cBhvr>
+                                      <p:tavLst>
+                                        <p:tav tm="0">
+                                          <p:val>
+                                            <p:strVal val="#ppt_x"/>
+                                          </p:val>
+                                        </p:tav>
+                                        <p:tav tm="100000">
+                                          <p:val>
+                                            <p:strVal val="#ppt_x"/>
+                                          </p:val>
+                                        </p:tav>
+                                      </p:tavLst>
+                                    </p:anim>
+                                    <p:anim calcmode="lin" valueType="num">
+                                      <p:cBhvr additive="base">
+                                        <p:cTn id="12" dur="500" fill="hold"/>
+                                        <p:tgtEl>
+                                          <p:spTgt spid="22"/>
+                                        </p:tgtEl>
+                                        <p:attrNameLst>
+                                          <p:attrName>ppt_y</p:attrName>
+                                        </p:attrNameLst>
+                                      </p:cBhvr>
+                                      <p:tavLst>
+                                        <p:tav tm="0">
+                                          <p:val>
+                                            <p:strVal val="0-#ppt_h/2"/>
+                                          </p:val>
+                                        </p:tav>
+                                        <p:tav tm="100000">
+                                          <p:val>
+                                            <p:strVal val="#ppt_y"/>
+                                          </p:val>
+                                        </p:tav>
+                                      </p:tavLst>
+                                    </p:anim>
+                                  </p:childTnLst>
+                                </p:cTn>
+                              </p:par>
+                            </p:childTnLst>
+                          </p:cTn>
+                        </p:par>
+                      </p:childTnLst>
+                    </p:cTn>
+                  </p:par>
+                  <p:par>
+                    <p:cTn id="13" fill="hold">
+                      <p:stCondLst>
+                        <p:cond delay="indefinite"/>
+                      </p:stCondLst>
+                      <p:childTnLst>
+                        <p:par>
+                          <p:cTn id="14" fill="hold">
+                            <p:stCondLst>
+                              <p:cond delay="0"/>
+                            </p:stCondLst>
+                            <p:childTnLst>
+                              <p:par>
+                                <p:cTn id="15" presetID="2" presetClass="entr" presetSubtype="2" fill="hold" grpId="0" nodeType="clickEffect">
+                                  <p:stCondLst>
+                                    <p:cond delay="0"/>
+                                  </p:stCondLst>
+                                  <p:childTnLst>
+                                    <p:set>
+                                      <p:cBhvr>
+                                        <p:cTn id="16" dur="1" fill="hold">
+                                          <p:stCondLst>
+                                            <p:cond delay="0"/>
+                                          </p:stCondLst>
+                                        </p:cTn>
+                                        <p:tgtEl>
+                                          <p:spTgt spid="16"/>
+                                        </p:tgtEl>
+                                        <p:attrNameLst>
+                                          <p:attrName>style.visibility</p:attrName>
+                                        </p:attrNameLst>
+                                      </p:cBhvr>
+                                      <p:to>
+                                        <p:strVal val="visible"/>
+                                      </p:to>
+                                    </p:set>
+                                    <p:anim calcmode="lin" valueType="num">
+                                      <p:cBhvr additive="base">
+                                        <p:cTn id="17" dur="500" fill="hold"/>
+                                        <p:tgtEl>
+                                          <p:spTgt spid="16"/>
+                                        </p:tgtEl>
+                                        <p:attrNameLst>
+                                          <p:attrName>ppt_x</p:attrName>
+                                        </p:attrNameLst>
+                                      </p:cBhvr>
+                                      <p:tavLst>
+                                        <p:tav tm="0">
+                                          <p:val>
+                                            <p:strVal val="1+#ppt_w/2"/>
+                                          </p:val>
+                                        </p:tav>
+                                        <p:tav tm="100000">
+                                          <p:val>
+                                            <p:strVal val="#ppt_x"/>
+                                          </p:val>
+                                        </p:tav>
+                                      </p:tavLst>
+                                    </p:anim>
+                                    <p:anim calcmode="lin" valueType="num">
+                                      <p:cBhvr additive="base">
+                                        <p:cTn id="18" dur="500" fill="hold"/>
+                                        <p:tgtEl>
+                                          <p:spTgt spid="16"/>
+                                        </p:tgtEl>
+                                        <p:attrNameLst>
+                                          <p:attrName>ppt_y</p:attrName>
+                                        </p:attrNameLst>
+                                      </p:cBhvr>
+                                      <p:tavLst>
+                                        <p:tav tm="0">
+                                          <p:val>
+                                            <p:strVal val="#ppt_y"/>
+                                          </p:val>
+                                        </p:tav>
+                                        <p:tav tm="100000">
+                                          <p:val>
+                                            <p:strVal val="#ppt_y"/>
+                                          </p:val>
+                                        </p:tav>
+                                      </p:tavLst>
+                                    </p:anim>
+                                  </p:childTnLst>
+                                </p:cTn>
+                              </p:par>
+                              <p:par>
+                                <p:cTn id="19" presetID="2" presetClass="entr" presetSubtype="2" fill="hold" nodeType="withEffect">
+                                  <p:stCondLst>
+                                    <p:cond delay="0"/>
+                                  </p:stCondLst>
+                                  <p:childTnLst>
+                                    <p:set>
+                                      <p:cBhvr>
+                                        <p:cTn id="20" dur="1" fill="hold">
+                                          <p:stCondLst>
+                                            <p:cond delay="0"/>
+                                          </p:stCondLst>
+                                        </p:cTn>
+                                        <p:tgtEl>
+                                          <p:spTgt spid="25"/>
+                                        </p:tgtEl>
+                                        <p:attrNameLst>
+                                          <p:attrName>style.visibility</p:attrName>
+                                        </p:attrNameLst>
+                                      </p:cBhvr>
+                                      <p:to>
+                                        <p:strVal val="visible"/>
+                                      </p:to>
+                                    </p:set>
+                                    <p:anim calcmode="lin" valueType="num">
+                                      <p:cBhvr additive="base">
+                                        <p:cTn id="21" dur="500" fill="hold"/>
+                                        <p:tgtEl>
+                                          <p:spTgt spid="25"/>
+                                        </p:tgtEl>
+                                        <p:attrNameLst>
+                                          <p:attrName>ppt_x</p:attrName>
+                                        </p:attrNameLst>
+                                      </p:cBhvr>
+                                      <p:tavLst>
+                                        <p:tav tm="0">
+                                          <p:val>
+                                            <p:strVal val="1+#ppt_w/2"/>
+                                          </p:val>
+                                        </p:tav>
+                                        <p:tav tm="100000">
+                                          <p:val>
+                                            <p:strVal val="#ppt_x"/>
+                                          </p:val>
+                                        </p:tav>
+                                      </p:tavLst>
+                                    </p:anim>
+                                    <p:anim calcmode="lin" valueType="num">
+                                      <p:cBhvr additive="base">
+                                        <p:cTn id="22" dur="500" fill="hold"/>
+                                        <p:tgtEl>
+                                          <p:spTgt spid="25"/>
+                                        </p:tgtEl>
+                                        <p:attrNameLst>
+                                          <p:attrName>ppt_y</p:attrName>
+                                        </p:attrNameLst>
+                                      </p:cBhvr>
+                                      <p:tavLst>
+                                        <p:tav tm="0">
+                                          <p:val>
+                                            <p:strVal val="#ppt_y"/>
+                                          </p:val>
+                                        </p:tav>
+                                        <p:tav tm="100000">
+                                          <p:val>
+                                            <p:strVal val="#ppt_y"/>
+                                          </p:val>
+                                        </p:tav>
+                                      </p:tavLst>
+                                    </p:anim>
+                                  </p:childTnLst>
+                                </p:cTn>
+                              </p:par>
+                            </p:childTnLst>
+                          </p:cTn>
+                        </p:par>
+                      </p:childTnLst>
+                    </p:cTn>
+                  </p:par>
+                  <p:par>
+                    <p:cTn id="23" fill="hold">
+                      <p:stCondLst>
+                        <p:cond delay="indefinite"/>
+                      </p:stCondLst>
+                      <p:childTnLst>
+                        <p:par>
+                          <p:cTn id="24" fill="hold">
+                            <p:stCondLst>
+                              <p:cond delay="0"/>
+                            </p:stCondLst>
+                            <p:childTnLst>
+                              <p:par>
+                                <p:cTn id="25" presetID="2" presetClass="entr" presetSubtype="8" fill="hold" grpId="0" nodeType="clickEffect">
+                                  <p:stCondLst>
+                                    <p:cond delay="0"/>
+                                  </p:stCondLst>
+                                  <p:childTnLst>
+                                    <p:set>
+                                      <p:cBhvr>
+                                        <p:cTn id="26" dur="1" fill="hold">
+                                          <p:stCondLst>
+                                            <p:cond delay="0"/>
+                                          </p:stCondLst>
+                                        </p:cTn>
+                                        <p:tgtEl>
+                                          <p:spTgt spid="17"/>
+                                        </p:tgtEl>
+                                        <p:attrNameLst>
+                                          <p:attrName>style.visibility</p:attrName>
+                                        </p:attrNameLst>
+                                      </p:cBhvr>
+                                      <p:to>
+                                        <p:strVal val="visible"/>
+                                      </p:to>
+                                    </p:set>
+                                    <p:anim calcmode="lin" valueType="num">
+                                      <p:cBhvr additive="base">
+                                        <p:cTn id="27" dur="500" fill="hold"/>
+                                        <p:tgtEl>
+                                          <p:spTgt spid="17"/>
+                                        </p:tgtEl>
+                                        <p:attrNameLst>
+                                          <p:attrName>ppt_x</p:attrName>
+                                        </p:attrNameLst>
+                                      </p:cBhvr>
+                                      <p:tavLst>
+                                        <p:tav tm="0">
+                                          <p:val>
+                                            <p:strVal val="0-#ppt_w/2"/>
+                                          </p:val>
+                                        </p:tav>
+                                        <p:tav tm="100000">
+                                          <p:val>
+                                            <p:strVal val="#ppt_x"/>
+                                          </p:val>
+                                        </p:tav>
+                                      </p:tavLst>
+                                    </p:anim>
+                                    <p:anim calcmode="lin" valueType="num">
+                                      <p:cBhvr additive="base">
+                                        <p:cTn id="28" dur="500" fill="hold"/>
+                                        <p:tgtEl>
+                                          <p:spTgt spid="17"/>
+                                        </p:tgtEl>
+                                        <p:attrNameLst>
+                                          <p:attrName>ppt_y</p:attrName>
+                                        </p:attrNameLst>
+                                      </p:cBhvr>
+                                      <p:tavLst>
+                                        <p:tav tm="0">
+                                          <p:val>
+                                            <p:strVal val="#ppt_y"/>
+                                          </p:val>
+                                        </p:tav>
+                                        <p:tav tm="100000">
+                                          <p:val>
+                                            <p:strVal val="#ppt_y"/>
+                                          </p:val>
+                                        </p:tav>
+                                      </p:tavLst>
+                                    </p:anim>
+                                  </p:childTnLst>
+                                </p:cTn>
+                              </p:par>
+                              <p:par>
+                                <p:cTn id="29" presetID="2" presetClass="entr" presetSubtype="8" fill="hold" nodeType="withEffect">
+                                  <p:stCondLst>
+                                    <p:cond delay="0"/>
+                                  </p:stCondLst>
+                                  <p:childTnLst>
+                                    <p:set>
+                                      <p:cBhvr>
+                                        <p:cTn id="30" dur="1" fill="hold">
+                                          <p:stCondLst>
+                                            <p:cond delay="0"/>
+                                          </p:stCondLst>
+                                        </p:cTn>
+                                        <p:tgtEl>
+                                          <p:spTgt spid="28"/>
+                                        </p:tgtEl>
+                                        <p:attrNameLst>
+                                          <p:attrName>style.visibility</p:attrName>
+                                        </p:attrNameLst>
+                                      </p:cBhvr>
+                                      <p:to>
+                                        <p:strVal val="visible"/>
+                                      </p:to>
+                                    </p:set>
+                                    <p:anim calcmode="lin" valueType="num">
+                                      <p:cBhvr additive="base">
+                                        <p:cTn id="31" dur="500" fill="hold"/>
+                                        <p:tgtEl>
+                                          <p:spTgt spid="28"/>
+                                        </p:tgtEl>
+                                        <p:attrNameLst>
+                                          <p:attrName>ppt_x</p:attrName>
+                                        </p:attrNameLst>
+                                      </p:cBhvr>
+                                      <p:tavLst>
+                                        <p:tav tm="0">
+                                          <p:val>
+                                            <p:strVal val="0-#ppt_w/2"/>
+                                          </p:val>
+                                        </p:tav>
+                                        <p:tav tm="100000">
+                                          <p:val>
+                                            <p:strVal val="#ppt_x"/>
+                                          </p:val>
+                                        </p:tav>
+                                      </p:tavLst>
+                                    </p:anim>
+                                    <p:anim calcmode="lin" valueType="num">
+                                      <p:cBhvr additive="base">
+                                        <p:cTn id="32" dur="500" fill="hold"/>
+                                        <p:tgtEl>
+                                          <p:spTgt spid="28"/>
+                                        </p:tgtEl>
+                                        <p:attrNameLst>
+                                          <p:attrName>ppt_y</p:attrName>
+                                        </p:attrNameLst>
+                                      </p:cBhvr>
+                                      <p:tavLst>
+                                        <p:tav tm="0">
+                                          <p:val>
+                                            <p:strVal val="#ppt_y"/>
+                                          </p:val>
+                                        </p:tav>
+                                        <p:tav tm="100000">
+                                          <p:val>
+                                            <p:strVal val="#ppt_y"/>
+                                          </p:val>
+                                        </p:tav>
+                                      </p:tavLst>
+                                    </p:anim>
+                                  </p:childTnLst>
+                                </p:cTn>
+                              </p:par>
+                            </p:childTnLst>
+                          </p:cTn>
+                        </p:par>
+                      </p:childTnLst>
+                    </p:cTn>
+                  </p:par>
+                  <p:par>
+                    <p:cTn id="33" fill="hold">
+                      <p:stCondLst>
+                        <p:cond delay="indefinite"/>
+                      </p:stCondLst>
+                      <p:childTnLst>
+                        <p:par>
+                          <p:cTn id="34" fill="hold">
+                            <p:stCondLst>
+                              <p:cond delay="0"/>
+                            </p:stCondLst>
+                            <p:childTnLst>
+                              <p:par>
+                                <p:cTn id="35" presetID="2" presetClass="entr" presetSubtype="8" fill="hold" grpId="0" nodeType="clickEffect">
+                                  <p:stCondLst>
+                                    <p:cond delay="0"/>
+                                  </p:stCondLst>
+                                  <p:childTnLst>
+                                    <p:set>
+                                      <p:cBhvr>
+                                        <p:cTn id="36" dur="1" fill="hold">
+                                          <p:stCondLst>
+                                            <p:cond delay="0"/>
+                                          </p:stCondLst>
+                                        </p:cTn>
+                                        <p:tgtEl>
+                                          <p:spTgt spid="21"/>
+                                        </p:tgtEl>
+                                        <p:attrNameLst>
+                                          <p:attrName>style.visibility</p:attrName>
+                                        </p:attrNameLst>
+                                      </p:cBhvr>
+                                      <p:to>
+                                        <p:strVal val="visible"/>
+                                      </p:to>
+                                    </p:set>
+                                    <p:anim calcmode="lin" valueType="num">
+                                      <p:cBhvr additive="base">
+                                        <p:cTn id="37" dur="500" fill="hold"/>
+                                        <p:tgtEl>
+                                          <p:spTgt spid="21"/>
+                                        </p:tgtEl>
+                                        <p:attrNameLst>
+                                          <p:attrName>ppt_x</p:attrName>
+                                        </p:attrNameLst>
+                                      </p:cBhvr>
+                                      <p:tavLst>
+                                        <p:tav tm="0">
+                                          <p:val>
+                                            <p:strVal val="0-#ppt_w/2"/>
+                                          </p:val>
+                                        </p:tav>
+                                        <p:tav tm="100000">
+                                          <p:val>
+                                            <p:strVal val="#ppt_x"/>
+                                          </p:val>
+                                        </p:tav>
+                                      </p:tavLst>
+                                    </p:anim>
+                                    <p:anim calcmode="lin" valueType="num">
+                                      <p:cBhvr additive="base">
+                                        <p:cTn id="38" dur="500" fill="hold"/>
+                                        <p:tgtEl>
+                                          <p:spTgt spid="21"/>
+                                        </p:tgtEl>
+                                        <p:attrNameLst>
+                                          <p:attrName>ppt_y</p:attrName>
+                                        </p:attrNameLst>
+                                      </p:cBhvr>
+                                      <p:tavLst>
+                                        <p:tav tm="0">
+                                          <p:val>
+                                            <p:strVal val="#ppt_y"/>
+                                          </p:val>
+                                        </p:tav>
+                                        <p:tav tm="100000">
+                                          <p:val>
+                                            <p:strVal val="#ppt_y"/>
+                                          </p:val>
+                                        </p:tav>
+                                      </p:tavLst>
+                                    </p:anim>
+                                  </p:childTnLst>
+                                </p:cTn>
+                              </p:par>
+                              <p:par>
+                                <p:cTn id="39" presetID="2" presetClass="entr" presetSubtype="8" fill="hold" grpId="0" nodeType="withEffect">
+                                  <p:stCondLst>
+                                    <p:cond delay="0"/>
+                                  </p:stCondLst>
+                                  <p:childTnLst>
+                                    <p:set>
+                                      <p:cBhvr>
+                                        <p:cTn id="40" dur="1" fill="hold">
+                                          <p:stCondLst>
+                                            <p:cond delay="0"/>
+                                          </p:stCondLst>
+                                        </p:cTn>
+                                        <p:tgtEl>
+                                          <p:spTgt spid="2"/>
+                                        </p:tgtEl>
+                                        <p:attrNameLst>
+                                          <p:attrName>style.visibility</p:attrName>
+                                        </p:attrNameLst>
+                                      </p:cBhvr>
+                                      <p:to>
+                                        <p:strVal val="visible"/>
+                                      </p:to>
+                                    </p:set>
+                                    <p:anim calcmode="lin" valueType="num">
+                                      <p:cBhvr additive="base">
+                                        <p:cTn id="41" dur="500" fill="hold"/>
+                                        <p:tgtEl>
+                                          <p:spTgt spid="2"/>
+                                        </p:tgtEl>
+                                        <p:attrNameLst>
+                                          <p:attrName>ppt_x</p:attrName>
+                                        </p:attrNameLst>
+                                      </p:cBhvr>
+                                      <p:tavLst>
+                                        <p:tav tm="0">
+                                          <p:val>
+                                            <p:strVal val="0-#ppt_w/2"/>
+                                          </p:val>
+                                        </p:tav>
+                                        <p:tav tm="100000">
+                                          <p:val>
+                                            <p:strVal val="#ppt_x"/>
+                                          </p:val>
+                                        </p:tav>
+                                      </p:tavLst>
+                                    </p:anim>
+                                    <p:anim calcmode="lin" valueType="num">
+                                      <p:cBhvr additive="base">
+                                        <p:cTn id="42" dur="500" fill="hold"/>
+                                        <p:tgtEl>
+                                          <p:spTgt spid="2"/>
+                                        </p:tgtEl>
+                                        <p:attrNameLst>
+                                          <p:attrName>ppt_y</p:attrName>
+                                        </p:attrNameLst>
+                                      </p:cBhvr>
+                                      <p:tavLst>
+                                        <p:tav tm="0">
+                                          <p:val>
+                                            <p:strVal val="#ppt_y"/>
+                                          </p:val>
+                                        </p:tav>
+                                        <p:tav tm="100000">
+                                          <p:val>
+                                            <p:strVal val="#ppt_y"/>
+                                          </p:val>
+                                        </p:tav>
+                                      </p:tavLst>
+                                    </p:anim>
+                                  </p:childTnLst>
+                                </p:cTn>
+                              </p:par>
+                            </p:childTnLst>
+                          </p:cTn>
+                        </p:par>
+                      </p:childTnLst>
+                    </p:cTn>
+                  </p:par>
+                  <p:par>
+                    <p:cTn id="43" fill="hold">
+                      <p:stCondLst>
+                        <p:cond delay="indefinite"/>
+                      </p:stCondLst>
+                      <p:childTnLst>
+                        <p:par>
+                          <p:cTn id="44" fill="hold">
+                            <p:stCondLst>
+                              <p:cond delay="0"/>
+                            </p:stCondLst>
+                            <p:childTnLst>
+                              <p:par>
+                                <p:cTn id="45" presetID="2" presetClass="entr" presetSubtype="4" fill="hold" grpId="0" nodeType="clickEffect">
+                                  <p:stCondLst>
+                                    <p:cond delay="0"/>
+                                  </p:stCondLst>
+                                  <p:childTnLst>
+                                    <p:set>
+                                      <p:cBhvr>
+                                        <p:cTn id="46" dur="1" fill="hold">
+                                          <p:stCondLst>
+                                            <p:cond delay="0"/>
+                                          </p:stCondLst>
+                                        </p:cTn>
+                                        <p:tgtEl>
+                                          <p:spTgt spid="31"/>
+                                        </p:tgtEl>
+                                        <p:attrNameLst>
+                                          <p:attrName>style.visibility</p:attrName>
+                                        </p:attrNameLst>
+                                      </p:cBhvr>
+                                      <p:to>
+                                        <p:strVal val="visible"/>
+                                      </p:to>
+                                    </p:set>
+                                    <p:anim calcmode="lin" valueType="num">
+                                      <p:cBhvr additive="base">
+                                        <p:cTn id="47" dur="500" fill="hold"/>
+                                        <p:tgtEl>
+                                          <p:spTgt spid="31"/>
+                                        </p:tgtEl>
+                                        <p:attrNameLst>
+                                          <p:attrName>ppt_x</p:attrName>
+                                        </p:attrNameLst>
+                                      </p:cBhvr>
+                                      <p:tavLst>
+                                        <p:tav tm="0">
+                                          <p:val>
+                                            <p:strVal val="#ppt_x"/>
+                                          </p:val>
+                                        </p:tav>
+                                        <p:tav tm="100000">
+                                          <p:val>
+                                            <p:strVal val="#ppt_x"/>
+                                          </p:val>
+                                        </p:tav>
+                                      </p:tavLst>
+                                    </p:anim>
+                                    <p:anim calcmode="lin" valueType="num">
+                                      <p:cBhvr additive="base">
+                                        <p:cTn id="48" dur="500" fill="hold"/>
+                                        <p:tgtEl>
+                                          <p:spTgt spid="31"/>
+                                        </p:tgtEl>
+                                        <p:attrNameLst>
+                                          <p:attrName>ppt_y</p:attrName>
+                                        </p:attrNameLst>
+                                      </p:cBhvr>
+                                      <p:tavLst>
+                                        <p:tav tm="0">
+                                          <p:val>
+                                            <p:strVal val="1+#ppt_h/2"/>
+                                          </p:val>
+                                        </p:tav>
+                                        <p:tav tm="100000">
+                                          <p:val>
+                                            <p:strVal val="#ppt_y"/>
+                                          </p:val>
+                                        </p:tav>
+                                      </p:tavLst>
+                                    </p:anim>
+                                  </p:childTnLst>
+                                </p:cTn>
+                              </p:par>
+                              <p:par>
+                                <p:cTn id="49" presetID="2" presetClass="entr" presetSubtype="4" fill="hold" grpId="0" nodeType="withEffect">
+                                  <p:stCondLst>
+                                    <p:cond delay="0"/>
+                                  </p:stCondLst>
+                                  <p:childTnLst>
+                                    <p:set>
+                                      <p:cBhvr>
+                                        <p:cTn id="50" dur="1" fill="hold">
+                                          <p:stCondLst>
+                                            <p:cond delay="0"/>
+                                          </p:stCondLst>
+                                        </p:cTn>
+                                        <p:tgtEl>
+                                          <p:spTgt spid="5"/>
+                                        </p:tgtEl>
+                                        <p:attrNameLst>
+                                          <p:attrName>style.visibility</p:attrName>
+                                        </p:attrNameLst>
+                                      </p:cBhvr>
+                                      <p:to>
+                                        <p:strVal val="visible"/>
+                                      </p:to>
+                                    </p:set>
+                                    <p:anim calcmode="lin" valueType="num">
+                                      <p:cBhvr additive="base">
+                                        <p:cTn id="51" dur="500" fill="hold"/>
+                                        <p:tgtEl>
+                                          <p:spTgt spid="5"/>
+                                        </p:tgtEl>
+                                        <p:attrNameLst>
+                                          <p:attrName>ppt_x</p:attrName>
+                                        </p:attrNameLst>
+                                      </p:cBhvr>
+                                      <p:tavLst>
+                                        <p:tav tm="0">
+                                          <p:val>
+                                            <p:strVal val="#ppt_x"/>
+                                          </p:val>
+                                        </p:tav>
+                                        <p:tav tm="100000">
+                                          <p:val>
+                                            <p:strVal val="#ppt_x"/>
+                                          </p:val>
+                                        </p:tav>
+                                      </p:tavLst>
+                                    </p:anim>
+                                    <p:anim calcmode="lin" valueType="num">
+                                      <p:cBhvr additive="base">
+                                        <p:cTn id="52" dur="500" fill="hold"/>
+                                        <p:tgtEl>
+                                          <p:spTgt spid="5"/>
+                                        </p:tgtEl>
+                                        <p:attrNameLst>
+                                          <p:attrName>ppt_y</p:attrName>
+                                        </p:attrNameLst>
+                                      </p:cBhvr>
+                                      <p:tavLst>
+                                        <p:tav tm="0">
+                                          <p:val>
+                                            <p:strVal val="1+#ppt_h/2"/>
+                                          </p:val>
+                                        </p:tav>
+                                        <p:tav tm="100000">
+                                          <p:val>
+                                            <p:strVal val="#ppt_y"/>
+                                          </p:val>
+                                        </p:tav>
+                                      </p:tavLst>
+                                    </p:anim>
+                                  </p:childTnLst>
+                                </p:cTn>
+                              </p:par>
+                            </p:childTnLst>
+                          </p:cTn>
+                        </p:par>
+                      </p:childTnLst>
+                    </p:cTn>
+                  </p:par>
+                </p:childTnLst>
+              </p:cTn>
+              <p:prevCondLst>
+                <p:cond evt="onPrev" delay="0">
+                  <p:tgtEl>
+                    <p:sldTgt/>
+                  </p:tgtEl>
+                </p:cond>
+              </p:prevCondLst>
+              <p:nextCondLst>
+                <p:cond evt="onNext" delay="0">
+                  <p:tgtEl>
+                    <p:sldTgt/>
+                  </p:tgtEl>
+                </p:cond>
+              </p:nextCondLst>
+            </p:seq>
+          </p:childTnLst>
+        </p:cTn>
       </p:par>
     </p:tnLst>
+    <p:bldLst>
+      <p:bldP spid="3" grpId="0"/>
+      <p:bldP spid="16" grpId="0"/>
+      <p:bldP spid="17" grpId="0"/>
+      <p:bldP spid="2" grpId="0" animBg="1"/>
+      <p:bldP spid="5" grpId="0" animBg="1"/>
+      <p:bldP spid="21" grpId="0"/>
+      <p:bldP spid="31" grpId="0"/>
+    </p:bldLst>
   </p:timing>
 </p:sld>
 </file>
